--- a/DOM_Presentation.pptx
+++ b/DOM_Presentation.pptx
@@ -8,6 +8,7 @@
     <p:sldId id="256" r:id="rId2"/>
     <p:sldId id="257" r:id="rId3"/>
     <p:sldId id="258" r:id="rId4"/>
+    <p:sldId id="259" r:id="rId5"/>
   </p:sldIdLst>
   <p:sldSz cx="12192000" cy="6858000"/>
   <p:notesSz cx="6858000" cy="9144000"/>
@@ -106,6 +107,11 @@
       </a:defRPr>
     </a:lvl9pPr>
   </p:defaultTextStyle>
+  <p:extLst>
+    <p:ext uri="{EFAFB233-063F-42B5-8137-9DF3F51BA10A}">
+      <p15:sldGuideLst xmlns:p15="http://schemas.microsoft.com/office/powerpoint/2012/main"/>
+    </p:ext>
+  </p:extLst>
 </p:presentation>
 </file>
 
@@ -256,7 +262,7 @@
           <a:p>
             <a:fld id="{F7355B20-BF42-49BA-BFCA-E73ABD8A2CB7}" type="datetimeFigureOut">
               <a:rPr lang="pt-BR" smtClean="0"/>
-              <a:t>24/04/2023</a:t>
+              <a:t>28/04/2023</a:t>
             </a:fld>
             <a:endParaRPr lang="pt-BR"/>
           </a:p>
@@ -454,7 +460,7 @@
           <a:p>
             <a:fld id="{F7355B20-BF42-49BA-BFCA-E73ABD8A2CB7}" type="datetimeFigureOut">
               <a:rPr lang="pt-BR" smtClean="0"/>
-              <a:t>24/04/2023</a:t>
+              <a:t>28/04/2023</a:t>
             </a:fld>
             <a:endParaRPr lang="pt-BR"/>
           </a:p>
@@ -662,7 +668,7 @@
           <a:p>
             <a:fld id="{F7355B20-BF42-49BA-BFCA-E73ABD8A2CB7}" type="datetimeFigureOut">
               <a:rPr lang="pt-BR" smtClean="0"/>
-              <a:t>24/04/2023</a:t>
+              <a:t>28/04/2023</a:t>
             </a:fld>
             <a:endParaRPr lang="pt-BR"/>
           </a:p>
@@ -860,7 +866,7 @@
           <a:p>
             <a:fld id="{F7355B20-BF42-49BA-BFCA-E73ABD8A2CB7}" type="datetimeFigureOut">
               <a:rPr lang="pt-BR" smtClean="0"/>
-              <a:t>24/04/2023</a:t>
+              <a:t>28/04/2023</a:t>
             </a:fld>
             <a:endParaRPr lang="pt-BR"/>
           </a:p>
@@ -1135,7 +1141,7 @@
           <a:p>
             <a:fld id="{F7355B20-BF42-49BA-BFCA-E73ABD8A2CB7}" type="datetimeFigureOut">
               <a:rPr lang="pt-BR" smtClean="0"/>
-              <a:t>24/04/2023</a:t>
+              <a:t>28/04/2023</a:t>
             </a:fld>
             <a:endParaRPr lang="pt-BR"/>
           </a:p>
@@ -1400,7 +1406,7 @@
           <a:p>
             <a:fld id="{F7355B20-BF42-49BA-BFCA-E73ABD8A2CB7}" type="datetimeFigureOut">
               <a:rPr lang="pt-BR" smtClean="0"/>
-              <a:t>24/04/2023</a:t>
+              <a:t>28/04/2023</a:t>
             </a:fld>
             <a:endParaRPr lang="pt-BR"/>
           </a:p>
@@ -1812,7 +1818,7 @@
           <a:p>
             <a:fld id="{F7355B20-BF42-49BA-BFCA-E73ABD8A2CB7}" type="datetimeFigureOut">
               <a:rPr lang="pt-BR" smtClean="0"/>
-              <a:t>24/04/2023</a:t>
+              <a:t>28/04/2023</a:t>
             </a:fld>
             <a:endParaRPr lang="pt-BR"/>
           </a:p>
@@ -1953,7 +1959,7 @@
           <a:p>
             <a:fld id="{F7355B20-BF42-49BA-BFCA-E73ABD8A2CB7}" type="datetimeFigureOut">
               <a:rPr lang="pt-BR" smtClean="0"/>
-              <a:t>24/04/2023</a:t>
+              <a:t>28/04/2023</a:t>
             </a:fld>
             <a:endParaRPr lang="pt-BR"/>
           </a:p>
@@ -2066,7 +2072,7 @@
           <a:p>
             <a:fld id="{F7355B20-BF42-49BA-BFCA-E73ABD8A2CB7}" type="datetimeFigureOut">
               <a:rPr lang="pt-BR" smtClean="0"/>
-              <a:t>24/04/2023</a:t>
+              <a:t>28/04/2023</a:t>
             </a:fld>
             <a:endParaRPr lang="pt-BR"/>
           </a:p>
@@ -2377,7 +2383,7 @@
           <a:p>
             <a:fld id="{F7355B20-BF42-49BA-BFCA-E73ABD8A2CB7}" type="datetimeFigureOut">
               <a:rPr lang="pt-BR" smtClean="0"/>
-              <a:t>24/04/2023</a:t>
+              <a:t>28/04/2023</a:t>
             </a:fld>
             <a:endParaRPr lang="pt-BR"/>
           </a:p>
@@ -2665,7 +2671,7 @@
           <a:p>
             <a:fld id="{F7355B20-BF42-49BA-BFCA-E73ABD8A2CB7}" type="datetimeFigureOut">
               <a:rPr lang="pt-BR" smtClean="0"/>
-              <a:t>24/04/2023</a:t>
+              <a:t>28/04/2023</a:t>
             </a:fld>
             <a:endParaRPr lang="pt-BR"/>
           </a:p>
@@ -2906,7 +2912,7 @@
           <a:p>
             <a:fld id="{F7355B20-BF42-49BA-BFCA-E73ABD8A2CB7}" type="datetimeFigureOut">
               <a:rPr lang="pt-BR" smtClean="0"/>
-              <a:t>24/04/2023</a:t>
+              <a:t>28/04/2023</a:t>
             </a:fld>
             <a:endParaRPr lang="pt-BR"/>
           </a:p>
@@ -3427,7 +3433,7 @@
         </p:nvSpPr>
         <p:spPr>
           <a:xfrm>
-            <a:off x="2492189" y="258117"/>
+            <a:off x="2881648" y="252865"/>
             <a:ext cx="7641204" cy="584775"/>
           </a:xfrm>
           <a:prstGeom prst="rect">
@@ -3484,6 +3490,604 @@
           </a:p>
         </p:txBody>
       </p:sp>
+      <p:pic>
+        <p:nvPicPr>
+          <p:cNvPr id="3" name="Imagem 2">
+            <a:extLst>
+              <a:ext uri="{FF2B5EF4-FFF2-40B4-BE49-F238E27FC236}">
+                <a16:creationId xmlns:a16="http://schemas.microsoft.com/office/drawing/2014/main" id="{FD464C96-4185-1DCA-3033-AF210C38FDCA}"/>
+              </a:ext>
+            </a:extLst>
+          </p:cNvPr>
+          <p:cNvPicPr>
+            <a:picLocks noChangeAspect="1"/>
+          </p:cNvPicPr>
+          <p:nvPr/>
+        </p:nvPicPr>
+        <p:blipFill>
+          <a:blip r:embed="rId3"/>
+          <a:stretch>
+            <a:fillRect/>
+          </a:stretch>
+        </p:blipFill>
+        <p:spPr>
+          <a:xfrm>
+            <a:off x="289174" y="3575618"/>
+            <a:ext cx="4036232" cy="2885078"/>
+          </a:xfrm>
+          <a:prstGeom prst="rect">
+            <a:avLst/>
+          </a:prstGeom>
+        </p:spPr>
+      </p:pic>
+      <p:sp>
+        <p:nvSpPr>
+          <p:cNvPr id="7" name="CaixaDeTexto 6">
+            <a:extLst>
+              <a:ext uri="{FF2B5EF4-FFF2-40B4-BE49-F238E27FC236}">
+                <a16:creationId xmlns:a16="http://schemas.microsoft.com/office/drawing/2014/main" id="{236434D4-9BF5-6AB6-6581-9036BECF7861}"/>
+              </a:ext>
+            </a:extLst>
+          </p:cNvPr>
+          <p:cNvSpPr txBox="1"/>
+          <p:nvPr/>
+        </p:nvSpPr>
+        <p:spPr>
+          <a:xfrm>
+            <a:off x="551474" y="1473693"/>
+            <a:ext cx="5433524" cy="1200329"/>
+          </a:xfrm>
+          <a:prstGeom prst="rect">
+            <a:avLst/>
+          </a:prstGeom>
+          <a:noFill/>
+        </p:spPr>
+        <p:txBody>
+          <a:bodyPr wrap="square">
+            <a:spAutoFit/>
+          </a:bodyPr>
+          <a:lstStyle/>
+          <a:p>
+            <a:r>
+              <a:rPr lang="pt-BR" b="1" dirty="0"/>
+              <a:t>The </a:t>
+            </a:r>
+            <a:r>
+              <a:rPr lang="pt-BR" b="1" dirty="0" err="1"/>
+              <a:t>Document</a:t>
+            </a:r>
+            <a:r>
+              <a:rPr lang="pt-BR" b="1" dirty="0"/>
+              <a:t> </a:t>
+            </a:r>
+            <a:r>
+              <a:rPr lang="pt-BR" b="1" dirty="0" err="1"/>
+              <a:t>Object</a:t>
+            </a:r>
+            <a:r>
+              <a:rPr lang="pt-BR" b="1" dirty="0"/>
+              <a:t> Model </a:t>
+            </a:r>
+            <a:r>
+              <a:rPr lang="pt-BR" dirty="0"/>
+              <a:t>(DOM) </a:t>
+            </a:r>
+            <a:r>
+              <a:rPr lang="pt-BR" dirty="0" err="1"/>
+              <a:t>is</a:t>
+            </a:r>
+            <a:r>
+              <a:rPr lang="pt-BR" dirty="0"/>
+              <a:t> </a:t>
+            </a:r>
+            <a:r>
+              <a:rPr lang="pt-BR" b="1" dirty="0" err="1"/>
+              <a:t>an</a:t>
+            </a:r>
+            <a:r>
+              <a:rPr lang="pt-BR" b="1" dirty="0"/>
+              <a:t> </a:t>
+            </a:r>
+            <a:r>
+              <a:rPr lang="pt-BR" b="1" dirty="0" err="1"/>
+              <a:t>Application</a:t>
+            </a:r>
+            <a:r>
+              <a:rPr lang="pt-BR" b="1" dirty="0"/>
+              <a:t> </a:t>
+            </a:r>
+            <a:r>
+              <a:rPr lang="pt-BR" b="1" dirty="0" err="1"/>
+              <a:t>Programming</a:t>
+            </a:r>
+            <a:r>
+              <a:rPr lang="pt-BR" b="1" dirty="0"/>
+              <a:t> Interface</a:t>
+            </a:r>
+            <a:r>
+              <a:rPr lang="pt-BR" dirty="0"/>
+              <a:t>(API) for HTML </a:t>
+            </a:r>
+            <a:r>
+              <a:rPr lang="pt-BR" dirty="0" err="1"/>
+              <a:t>and</a:t>
+            </a:r>
+            <a:r>
+              <a:rPr lang="pt-BR" dirty="0"/>
+              <a:t> XML </a:t>
+            </a:r>
+            <a:r>
+              <a:rPr lang="pt-BR" dirty="0" err="1"/>
+              <a:t>documents</a:t>
+            </a:r>
+            <a:r>
+              <a:rPr lang="pt-BR" dirty="0"/>
+              <a:t>. It </a:t>
+            </a:r>
+            <a:r>
+              <a:rPr lang="pt-BR" dirty="0" err="1"/>
+              <a:t>represents</a:t>
+            </a:r>
+            <a:r>
+              <a:rPr lang="pt-BR" dirty="0"/>
+              <a:t> </a:t>
+            </a:r>
+            <a:r>
+              <a:rPr lang="pt-BR" dirty="0" err="1"/>
+              <a:t>the</a:t>
+            </a:r>
+            <a:r>
+              <a:rPr lang="pt-BR" dirty="0"/>
+              <a:t> </a:t>
+            </a:r>
+            <a:r>
+              <a:rPr lang="pt-BR" dirty="0" err="1"/>
+              <a:t>page</a:t>
+            </a:r>
+            <a:r>
+              <a:rPr lang="pt-BR" dirty="0"/>
+              <a:t> </a:t>
+            </a:r>
+            <a:r>
+              <a:rPr lang="pt-BR" dirty="0" err="1"/>
+              <a:t>so</a:t>
+            </a:r>
+            <a:r>
+              <a:rPr lang="pt-BR" dirty="0"/>
+              <a:t> </a:t>
+            </a:r>
+            <a:r>
+              <a:rPr lang="pt-BR" dirty="0" err="1"/>
+              <a:t>that</a:t>
+            </a:r>
+            <a:r>
+              <a:rPr lang="pt-BR" dirty="0"/>
+              <a:t> </a:t>
+            </a:r>
+            <a:r>
+              <a:rPr lang="pt-BR" dirty="0" err="1"/>
+              <a:t>programs</a:t>
+            </a:r>
+            <a:r>
+              <a:rPr lang="pt-BR" dirty="0"/>
+              <a:t> </a:t>
+            </a:r>
+            <a:r>
+              <a:rPr lang="pt-BR" dirty="0" err="1"/>
+              <a:t>can</a:t>
+            </a:r>
+            <a:r>
+              <a:rPr lang="pt-BR" dirty="0"/>
+              <a:t> </a:t>
+            </a:r>
+            <a:r>
+              <a:rPr lang="pt-BR" dirty="0" err="1"/>
+              <a:t>manipulate</a:t>
+            </a:r>
+            <a:r>
+              <a:rPr lang="pt-BR" dirty="0"/>
+              <a:t> </a:t>
+            </a:r>
+            <a:r>
+              <a:rPr lang="pt-BR" dirty="0" err="1"/>
+              <a:t>the</a:t>
+            </a:r>
+            <a:r>
+              <a:rPr lang="pt-BR" dirty="0"/>
+              <a:t> </a:t>
+            </a:r>
+            <a:r>
+              <a:rPr lang="pt-BR" dirty="0" err="1"/>
+              <a:t>document</a:t>
+            </a:r>
+            <a:r>
+              <a:rPr lang="pt-BR" dirty="0"/>
+              <a:t> </a:t>
+            </a:r>
+            <a:r>
+              <a:rPr lang="pt-BR" dirty="0" err="1"/>
+              <a:t>structure</a:t>
+            </a:r>
+            <a:r>
+              <a:rPr lang="pt-BR" dirty="0"/>
+              <a:t>, </a:t>
+            </a:r>
+            <a:r>
+              <a:rPr lang="pt-BR" dirty="0" err="1"/>
+              <a:t>style</a:t>
+            </a:r>
+            <a:r>
+              <a:rPr lang="pt-BR" dirty="0"/>
+              <a:t>, </a:t>
+            </a:r>
+            <a:r>
+              <a:rPr lang="pt-BR" dirty="0" err="1"/>
+              <a:t>and</a:t>
+            </a:r>
+            <a:r>
+              <a:rPr lang="pt-BR" dirty="0"/>
+              <a:t> </a:t>
+            </a:r>
+            <a:r>
+              <a:rPr lang="pt-BR" dirty="0" err="1"/>
+              <a:t>content</a:t>
+            </a:r>
+            <a:r>
+              <a:rPr lang="pt-BR" dirty="0"/>
+              <a:t>.</a:t>
+            </a:r>
+          </a:p>
+        </p:txBody>
+      </p:sp>
+      <p:sp>
+        <p:nvSpPr>
+          <p:cNvPr id="9" name="CaixaDeTexto 8">
+            <a:extLst>
+              <a:ext uri="{FF2B5EF4-FFF2-40B4-BE49-F238E27FC236}">
+                <a16:creationId xmlns:a16="http://schemas.microsoft.com/office/drawing/2014/main" id="{25EBDDC3-5732-BF03-4FBF-4DF756FB8B3E}"/>
+              </a:ext>
+            </a:extLst>
+          </p:cNvPr>
+          <p:cNvSpPr txBox="1"/>
+          <p:nvPr/>
+        </p:nvSpPr>
+        <p:spPr>
+          <a:xfrm>
+            <a:off x="6569086" y="1473693"/>
+            <a:ext cx="5433524" cy="1754326"/>
+          </a:xfrm>
+          <a:prstGeom prst="rect">
+            <a:avLst/>
+          </a:prstGeom>
+          <a:noFill/>
+        </p:spPr>
+        <p:txBody>
+          <a:bodyPr wrap="square">
+            <a:spAutoFit/>
+          </a:bodyPr>
+          <a:lstStyle/>
+          <a:p>
+            <a:r>
+              <a:rPr lang="pt-BR" dirty="0" err="1"/>
+              <a:t>With</a:t>
+            </a:r>
+            <a:r>
+              <a:rPr lang="pt-BR" dirty="0"/>
+              <a:t> </a:t>
+            </a:r>
+            <a:r>
+              <a:rPr lang="pt-BR" dirty="0" err="1"/>
+              <a:t>the</a:t>
+            </a:r>
+            <a:r>
+              <a:rPr lang="pt-BR" dirty="0"/>
+              <a:t> DOM, </a:t>
+            </a:r>
+            <a:r>
+              <a:rPr lang="pt-BR" dirty="0" err="1"/>
+              <a:t>programmers</a:t>
+            </a:r>
+            <a:r>
+              <a:rPr lang="pt-BR" dirty="0"/>
+              <a:t> </a:t>
+            </a:r>
+            <a:r>
+              <a:rPr lang="pt-BR" dirty="0" err="1"/>
+              <a:t>can</a:t>
+            </a:r>
+            <a:r>
+              <a:rPr lang="pt-BR" dirty="0"/>
+              <a:t> use </a:t>
+            </a:r>
+            <a:r>
+              <a:rPr lang="pt-BR" dirty="0" err="1"/>
+              <a:t>programming</a:t>
+            </a:r>
+            <a:r>
+              <a:rPr lang="pt-BR" dirty="0"/>
+              <a:t> </a:t>
+            </a:r>
+            <a:r>
+              <a:rPr lang="pt-BR" dirty="0" err="1"/>
+              <a:t>languages</a:t>
+            </a:r>
+            <a:r>
+              <a:rPr lang="pt-BR" dirty="0"/>
+              <a:t> like </a:t>
+            </a:r>
+            <a:r>
+              <a:rPr lang="pt-BR" b="1" dirty="0" err="1"/>
+              <a:t>JavaScript</a:t>
+            </a:r>
+            <a:r>
+              <a:rPr lang="pt-BR" dirty="0"/>
+              <a:t> </a:t>
+            </a:r>
+            <a:r>
+              <a:rPr lang="pt-BR" dirty="0" err="1"/>
+              <a:t>to</a:t>
+            </a:r>
+            <a:r>
+              <a:rPr lang="pt-BR" dirty="0"/>
+              <a:t> </a:t>
+            </a:r>
+            <a:r>
+              <a:rPr lang="pt-BR" dirty="0" err="1"/>
+              <a:t>dynamically</a:t>
+            </a:r>
+            <a:r>
+              <a:rPr lang="pt-BR" dirty="0"/>
+              <a:t> </a:t>
+            </a:r>
+            <a:r>
+              <a:rPr lang="pt-BR" dirty="0" err="1"/>
+              <a:t>access</a:t>
+            </a:r>
+            <a:r>
+              <a:rPr lang="pt-BR" dirty="0"/>
+              <a:t> </a:t>
+            </a:r>
+            <a:r>
+              <a:rPr lang="pt-BR" dirty="0" err="1"/>
+              <a:t>and</a:t>
+            </a:r>
+            <a:r>
+              <a:rPr lang="pt-BR" dirty="0"/>
+              <a:t> update </a:t>
+            </a:r>
+            <a:r>
+              <a:rPr lang="pt-BR" dirty="0" err="1"/>
+              <a:t>the</a:t>
+            </a:r>
+            <a:r>
+              <a:rPr lang="pt-BR" dirty="0"/>
+              <a:t> </a:t>
+            </a:r>
+            <a:r>
+              <a:rPr lang="pt-BR" dirty="0" err="1"/>
+              <a:t>content</a:t>
+            </a:r>
+            <a:r>
+              <a:rPr lang="pt-BR" dirty="0"/>
+              <a:t>, </a:t>
+            </a:r>
+            <a:r>
+              <a:rPr lang="pt-BR" dirty="0" err="1"/>
+              <a:t>structure</a:t>
+            </a:r>
+            <a:r>
+              <a:rPr lang="pt-BR" dirty="0"/>
+              <a:t>, </a:t>
+            </a:r>
+            <a:r>
+              <a:rPr lang="pt-BR" dirty="0" err="1"/>
+              <a:t>and</a:t>
+            </a:r>
+            <a:r>
+              <a:rPr lang="pt-BR" dirty="0"/>
+              <a:t> </a:t>
+            </a:r>
+            <a:r>
+              <a:rPr lang="pt-BR" dirty="0" err="1"/>
+              <a:t>style</a:t>
+            </a:r>
+            <a:r>
+              <a:rPr lang="pt-BR" dirty="0"/>
+              <a:t> </a:t>
+            </a:r>
+            <a:r>
+              <a:rPr lang="pt-BR" dirty="0" err="1"/>
+              <a:t>of</a:t>
+            </a:r>
+            <a:r>
+              <a:rPr lang="pt-BR" dirty="0"/>
+              <a:t> a </a:t>
+            </a:r>
+            <a:r>
+              <a:rPr lang="pt-BR" dirty="0" err="1"/>
+              <a:t>document</a:t>
+            </a:r>
+            <a:r>
+              <a:rPr lang="pt-BR" dirty="0"/>
+              <a:t>. The DOM </a:t>
+            </a:r>
+            <a:r>
+              <a:rPr lang="pt-BR" dirty="0" err="1"/>
+              <a:t>is</a:t>
+            </a:r>
+            <a:r>
+              <a:rPr lang="pt-BR" dirty="0"/>
+              <a:t> </a:t>
+            </a:r>
+            <a:r>
+              <a:rPr lang="pt-BR" b="1" dirty="0"/>
+              <a:t>a </a:t>
+            </a:r>
+            <a:r>
+              <a:rPr lang="pt-BR" b="1" dirty="0" err="1"/>
+              <a:t>platform</a:t>
+            </a:r>
+            <a:r>
+              <a:rPr lang="pt-BR" b="1" dirty="0"/>
+              <a:t> </a:t>
+            </a:r>
+            <a:r>
+              <a:rPr lang="pt-BR" b="1" dirty="0" err="1"/>
+              <a:t>and</a:t>
+            </a:r>
+            <a:r>
+              <a:rPr lang="pt-BR" b="1" dirty="0"/>
+              <a:t> </a:t>
+            </a:r>
+            <a:r>
+              <a:rPr lang="pt-BR" b="1" dirty="0" err="1"/>
+              <a:t>programming</a:t>
+            </a:r>
+            <a:r>
+              <a:rPr lang="pt-BR" b="1" dirty="0"/>
+              <a:t> interface </a:t>
+            </a:r>
+            <a:r>
+              <a:rPr lang="en-US" dirty="0"/>
+              <a:t>that allows programs and scripts to dynamically access and update the content, structure, and style of a document.</a:t>
+            </a:r>
+            <a:endParaRPr lang="pt-BR" dirty="0"/>
+          </a:p>
+        </p:txBody>
+      </p:sp>
+      <p:sp>
+        <p:nvSpPr>
+          <p:cNvPr id="10" name="CaixaDeTexto 9">
+            <a:extLst>
+              <a:ext uri="{FF2B5EF4-FFF2-40B4-BE49-F238E27FC236}">
+                <a16:creationId xmlns:a16="http://schemas.microsoft.com/office/drawing/2014/main" id="{210E1CFA-F2FC-6627-F184-2B6C4D5E4DC7}"/>
+              </a:ext>
+            </a:extLst>
+          </p:cNvPr>
+          <p:cNvSpPr txBox="1"/>
+          <p:nvPr/>
+        </p:nvSpPr>
+        <p:spPr>
+          <a:xfrm>
+            <a:off x="585536" y="3033061"/>
+            <a:ext cx="3869606" cy="369332"/>
+          </a:xfrm>
+          <a:prstGeom prst="rect">
+            <a:avLst/>
+          </a:prstGeom>
+          <a:noFill/>
+        </p:spPr>
+        <p:txBody>
+          <a:bodyPr wrap="square" rtlCol="0">
+            <a:spAutoFit/>
+          </a:bodyPr>
+          <a:lstStyle/>
+          <a:p>
+            <a:r>
+              <a:rPr lang="pt-BR" b="1" dirty="0"/>
+              <a:t>The </a:t>
+            </a:r>
+            <a:r>
+              <a:rPr lang="pt-BR" b="1" dirty="0" err="1"/>
+              <a:t>hierarchical</a:t>
+            </a:r>
+            <a:r>
+              <a:rPr lang="pt-BR" b="1" dirty="0"/>
+              <a:t> </a:t>
+            </a:r>
+            <a:r>
+              <a:rPr lang="pt-BR" b="1" dirty="0" err="1"/>
+              <a:t>structure</a:t>
+            </a:r>
+            <a:r>
+              <a:rPr lang="pt-BR" b="1" dirty="0"/>
+              <a:t>:</a:t>
+            </a:r>
+          </a:p>
+        </p:txBody>
+      </p:sp>
+      <p:pic>
+        <p:nvPicPr>
+          <p:cNvPr id="12" name="Imagem 11">
+            <a:extLst>
+              <a:ext uri="{FF2B5EF4-FFF2-40B4-BE49-F238E27FC236}">
+                <a16:creationId xmlns:a16="http://schemas.microsoft.com/office/drawing/2014/main" id="{7B0BEBC4-5A25-9158-7FA0-4836D344C97E}"/>
+              </a:ext>
+            </a:extLst>
+          </p:cNvPr>
+          <p:cNvPicPr>
+            <a:picLocks noChangeAspect="1"/>
+          </p:cNvPicPr>
+          <p:nvPr/>
+        </p:nvPicPr>
+        <p:blipFill>
+          <a:blip r:embed="rId3"/>
+          <a:stretch>
+            <a:fillRect/>
+          </a:stretch>
+        </p:blipFill>
+        <p:spPr>
+          <a:xfrm>
+            <a:off x="7570232" y="3402393"/>
+            <a:ext cx="4036232" cy="2885078"/>
+          </a:xfrm>
+          <a:prstGeom prst="rect">
+            <a:avLst/>
+          </a:prstGeom>
+        </p:spPr>
+      </p:pic>
+      <p:sp>
+        <p:nvSpPr>
+          <p:cNvPr id="14" name="Retângulo 13">
+            <a:extLst>
+              <a:ext uri="{FF2B5EF4-FFF2-40B4-BE49-F238E27FC236}">
+                <a16:creationId xmlns:a16="http://schemas.microsoft.com/office/drawing/2014/main" id="{1E011E6D-C774-8A09-5511-A18FC2C31FA9}"/>
+              </a:ext>
+            </a:extLst>
+          </p:cNvPr>
+          <p:cNvSpPr/>
+          <p:nvPr/>
+        </p:nvSpPr>
+        <p:spPr>
+          <a:xfrm>
+            <a:off x="10022889" y="5024762"/>
+            <a:ext cx="825623" cy="452760"/>
+          </a:xfrm>
+          <a:prstGeom prst="rect">
+            <a:avLst/>
+          </a:prstGeom>
+          <a:solidFill>
+            <a:srgbClr val="FF0000"/>
+          </a:solidFill>
+        </p:spPr>
+        <p:style>
+          <a:lnRef idx="2">
+            <a:schemeClr val="accent1">
+              <a:shade val="50000"/>
+            </a:schemeClr>
+          </a:lnRef>
+          <a:fillRef idx="1">
+            <a:schemeClr val="accent1"/>
+          </a:fillRef>
+          <a:effectRef idx="0">
+            <a:schemeClr val="accent1"/>
+          </a:effectRef>
+          <a:fontRef idx="minor">
+            <a:schemeClr val="lt1"/>
+          </a:fontRef>
+        </p:style>
+        <p:txBody>
+          <a:bodyPr rtlCol="0" anchor="ctr"/>
+          <a:lstStyle/>
+          <a:p>
+            <a:pPr algn="ctr"/>
+            <a:r>
+              <a:rPr lang="pt-BR" dirty="0"/>
+              <a:t>Body</a:t>
+            </a:r>
+          </a:p>
+        </p:txBody>
+      </p:sp>
     </p:spTree>
     <p:extLst>
       <p:ext uri="{BB962C8B-B14F-4D97-AF65-F5344CB8AC3E}">
@@ -3494,6 +4098,352 @@
   <p:clrMapOvr>
     <a:masterClrMapping/>
   </p:clrMapOvr>
+  <p:timing>
+    <p:tnLst>
+      <p:par>
+        <p:cTn id="1" dur="indefinite" restart="never" nodeType="tmRoot">
+          <p:childTnLst>
+            <p:seq concurrent="1" nextAc="seek">
+              <p:cTn id="2" dur="indefinite" nodeType="mainSeq">
+                <p:childTnLst>
+                  <p:par>
+                    <p:cTn id="3" fill="hold">
+                      <p:stCondLst>
+                        <p:cond delay="indefinite"/>
+                      </p:stCondLst>
+                      <p:childTnLst>
+                        <p:par>
+                          <p:cTn id="4" fill="hold">
+                            <p:stCondLst>
+                              <p:cond delay="0"/>
+                            </p:stCondLst>
+                            <p:childTnLst>
+                              <p:par>
+                                <p:cTn id="5" presetID="10" presetClass="entr" presetSubtype="0" fill="hold" grpId="0" nodeType="clickEffect">
+                                  <p:stCondLst>
+                                    <p:cond delay="0"/>
+                                  </p:stCondLst>
+                                  <p:childTnLst>
+                                    <p:set>
+                                      <p:cBhvr>
+                                        <p:cTn id="6" dur="1" fill="hold">
+                                          <p:stCondLst>
+                                            <p:cond delay="0"/>
+                                          </p:stCondLst>
+                                        </p:cTn>
+                                        <p:tgtEl>
+                                          <p:spTgt spid="7"/>
+                                        </p:tgtEl>
+                                        <p:attrNameLst>
+                                          <p:attrName>style.visibility</p:attrName>
+                                        </p:attrNameLst>
+                                      </p:cBhvr>
+                                      <p:to>
+                                        <p:strVal val="visible"/>
+                                      </p:to>
+                                    </p:set>
+                                    <p:animEffect transition="in" filter="fade">
+                                      <p:cBhvr>
+                                        <p:cTn id="7" dur="500"/>
+                                        <p:tgtEl>
+                                          <p:spTgt spid="7"/>
+                                        </p:tgtEl>
+                                      </p:cBhvr>
+                                    </p:animEffect>
+                                  </p:childTnLst>
+                                </p:cTn>
+                              </p:par>
+                            </p:childTnLst>
+                          </p:cTn>
+                        </p:par>
+                      </p:childTnLst>
+                    </p:cTn>
+                  </p:par>
+                  <p:par>
+                    <p:cTn id="8" fill="hold">
+                      <p:stCondLst>
+                        <p:cond delay="indefinite"/>
+                      </p:stCondLst>
+                      <p:childTnLst>
+                        <p:par>
+                          <p:cTn id="9" fill="hold">
+                            <p:stCondLst>
+                              <p:cond delay="0"/>
+                            </p:stCondLst>
+                            <p:childTnLst>
+                              <p:par>
+                                <p:cTn id="10" presetID="10" presetClass="entr" presetSubtype="0" fill="hold" grpId="0" nodeType="clickEffect">
+                                  <p:stCondLst>
+                                    <p:cond delay="0"/>
+                                  </p:stCondLst>
+                                  <p:childTnLst>
+                                    <p:set>
+                                      <p:cBhvr>
+                                        <p:cTn id="11" dur="1" fill="hold">
+                                          <p:stCondLst>
+                                            <p:cond delay="0"/>
+                                          </p:stCondLst>
+                                        </p:cTn>
+                                        <p:tgtEl>
+                                          <p:spTgt spid="10"/>
+                                        </p:tgtEl>
+                                        <p:attrNameLst>
+                                          <p:attrName>style.visibility</p:attrName>
+                                        </p:attrNameLst>
+                                      </p:cBhvr>
+                                      <p:to>
+                                        <p:strVal val="visible"/>
+                                      </p:to>
+                                    </p:set>
+                                    <p:animEffect transition="in" filter="fade">
+                                      <p:cBhvr>
+                                        <p:cTn id="12" dur="500"/>
+                                        <p:tgtEl>
+                                          <p:spTgt spid="10"/>
+                                        </p:tgtEl>
+                                      </p:cBhvr>
+                                    </p:animEffect>
+                                  </p:childTnLst>
+                                </p:cTn>
+                              </p:par>
+                            </p:childTnLst>
+                          </p:cTn>
+                        </p:par>
+                      </p:childTnLst>
+                    </p:cTn>
+                  </p:par>
+                  <p:par>
+                    <p:cTn id="13" fill="hold">
+                      <p:stCondLst>
+                        <p:cond delay="indefinite"/>
+                      </p:stCondLst>
+                      <p:childTnLst>
+                        <p:par>
+                          <p:cTn id="14" fill="hold">
+                            <p:stCondLst>
+                              <p:cond delay="0"/>
+                            </p:stCondLst>
+                            <p:childTnLst>
+                              <p:par>
+                                <p:cTn id="15" presetID="10" presetClass="entr" presetSubtype="0" fill="hold" nodeType="clickEffect">
+                                  <p:stCondLst>
+                                    <p:cond delay="0"/>
+                                  </p:stCondLst>
+                                  <p:childTnLst>
+                                    <p:set>
+                                      <p:cBhvr>
+                                        <p:cTn id="16" dur="1" fill="hold">
+                                          <p:stCondLst>
+                                            <p:cond delay="0"/>
+                                          </p:stCondLst>
+                                        </p:cTn>
+                                        <p:tgtEl>
+                                          <p:spTgt spid="3"/>
+                                        </p:tgtEl>
+                                        <p:attrNameLst>
+                                          <p:attrName>style.visibility</p:attrName>
+                                        </p:attrNameLst>
+                                      </p:cBhvr>
+                                      <p:to>
+                                        <p:strVal val="visible"/>
+                                      </p:to>
+                                    </p:set>
+                                    <p:animEffect transition="in" filter="fade">
+                                      <p:cBhvr>
+                                        <p:cTn id="17" dur="500"/>
+                                        <p:tgtEl>
+                                          <p:spTgt spid="3"/>
+                                        </p:tgtEl>
+                                      </p:cBhvr>
+                                    </p:animEffect>
+                                  </p:childTnLst>
+                                </p:cTn>
+                              </p:par>
+                            </p:childTnLst>
+                          </p:cTn>
+                        </p:par>
+                      </p:childTnLst>
+                    </p:cTn>
+                  </p:par>
+                  <p:par>
+                    <p:cTn id="18" fill="hold">
+                      <p:stCondLst>
+                        <p:cond delay="indefinite"/>
+                      </p:stCondLst>
+                      <p:childTnLst>
+                        <p:par>
+                          <p:cTn id="19" fill="hold">
+                            <p:stCondLst>
+                              <p:cond delay="0"/>
+                            </p:stCondLst>
+                            <p:childTnLst>
+                              <p:par>
+                                <p:cTn id="20" presetID="10" presetClass="entr" presetSubtype="0" fill="hold" grpId="0" nodeType="clickEffect">
+                                  <p:stCondLst>
+                                    <p:cond delay="0"/>
+                                  </p:stCondLst>
+                                  <p:childTnLst>
+                                    <p:set>
+                                      <p:cBhvr>
+                                        <p:cTn id="21" dur="1" fill="hold">
+                                          <p:stCondLst>
+                                            <p:cond delay="0"/>
+                                          </p:stCondLst>
+                                        </p:cTn>
+                                        <p:tgtEl>
+                                          <p:spTgt spid="9"/>
+                                        </p:tgtEl>
+                                        <p:attrNameLst>
+                                          <p:attrName>style.visibility</p:attrName>
+                                        </p:attrNameLst>
+                                      </p:cBhvr>
+                                      <p:to>
+                                        <p:strVal val="visible"/>
+                                      </p:to>
+                                    </p:set>
+                                    <p:animEffect transition="in" filter="fade">
+                                      <p:cBhvr>
+                                        <p:cTn id="22" dur="500"/>
+                                        <p:tgtEl>
+                                          <p:spTgt spid="9"/>
+                                        </p:tgtEl>
+                                      </p:cBhvr>
+                                    </p:animEffect>
+                                  </p:childTnLst>
+                                </p:cTn>
+                              </p:par>
+                            </p:childTnLst>
+                          </p:cTn>
+                        </p:par>
+                      </p:childTnLst>
+                    </p:cTn>
+                  </p:par>
+                  <p:par>
+                    <p:cTn id="23" fill="hold">
+                      <p:stCondLst>
+                        <p:cond delay="indefinite"/>
+                      </p:stCondLst>
+                      <p:childTnLst>
+                        <p:par>
+                          <p:cTn id="24" fill="hold">
+                            <p:stCondLst>
+                              <p:cond delay="0"/>
+                            </p:stCondLst>
+                            <p:childTnLst>
+                              <p:par>
+                                <p:cTn id="25" presetID="10" presetClass="entr" presetSubtype="0" fill="hold" nodeType="clickEffect">
+                                  <p:stCondLst>
+                                    <p:cond delay="0"/>
+                                  </p:stCondLst>
+                                  <p:childTnLst>
+                                    <p:set>
+                                      <p:cBhvr>
+                                        <p:cTn id="26" dur="1" fill="hold">
+                                          <p:stCondLst>
+                                            <p:cond delay="0"/>
+                                          </p:stCondLst>
+                                        </p:cTn>
+                                        <p:tgtEl>
+                                          <p:spTgt spid="12"/>
+                                        </p:tgtEl>
+                                        <p:attrNameLst>
+                                          <p:attrName>style.visibility</p:attrName>
+                                        </p:attrNameLst>
+                                      </p:cBhvr>
+                                      <p:to>
+                                        <p:strVal val="visible"/>
+                                      </p:to>
+                                    </p:set>
+                                    <p:animEffect transition="in" filter="fade">
+                                      <p:cBhvr>
+                                        <p:cTn id="27" dur="500"/>
+                                        <p:tgtEl>
+                                          <p:spTgt spid="12"/>
+                                        </p:tgtEl>
+                                      </p:cBhvr>
+                                    </p:animEffect>
+                                  </p:childTnLst>
+                                </p:cTn>
+                              </p:par>
+                            </p:childTnLst>
+                          </p:cTn>
+                        </p:par>
+                      </p:childTnLst>
+                    </p:cTn>
+                  </p:par>
+                  <p:par>
+                    <p:cTn id="28" fill="hold">
+                      <p:stCondLst>
+                        <p:cond delay="indefinite"/>
+                      </p:stCondLst>
+                      <p:childTnLst>
+                        <p:par>
+                          <p:cTn id="29" fill="hold">
+                            <p:stCondLst>
+                              <p:cond delay="0"/>
+                            </p:stCondLst>
+                            <p:childTnLst>
+                              <p:par>
+                                <p:cTn id="30" presetID="1" presetClass="entr" presetSubtype="0" fill="hold" grpId="0" nodeType="clickEffect">
+                                  <p:stCondLst>
+                                    <p:cond delay="0"/>
+                                  </p:stCondLst>
+                                  <p:childTnLst>
+                                    <p:set>
+                                      <p:cBhvr>
+                                        <p:cTn id="31" dur="1" fill="hold">
+                                          <p:stCondLst>
+                                            <p:cond delay="0"/>
+                                          </p:stCondLst>
+                                        </p:cTn>
+                                        <p:tgtEl>
+                                          <p:spTgt spid="14"/>
+                                        </p:tgtEl>
+                                        <p:attrNameLst>
+                                          <p:attrName>style.visibility</p:attrName>
+                                        </p:attrNameLst>
+                                      </p:cBhvr>
+                                      <p:to>
+                                        <p:strVal val="visible"/>
+                                      </p:to>
+                                    </p:set>
+                                  </p:childTnLst>
+                                </p:cTn>
+                              </p:par>
+                            </p:childTnLst>
+                          </p:cTn>
+                        </p:par>
+                      </p:childTnLst>
+                    </p:cTn>
+                  </p:par>
+                </p:childTnLst>
+              </p:cTn>
+              <p:prevCondLst>
+                <p:cond evt="onPrev" delay="0">
+                  <p:tgtEl>
+                    <p:sldTgt/>
+                  </p:tgtEl>
+                </p:cond>
+              </p:prevCondLst>
+              <p:nextCondLst>
+                <p:cond evt="onNext" delay="0">
+                  <p:tgtEl>
+                    <p:sldTgt/>
+                  </p:tgtEl>
+                </p:cond>
+              </p:nextCondLst>
+            </p:seq>
+          </p:childTnLst>
+        </p:cTn>
+      </p:par>
+    </p:tnLst>
+    <p:bldLst>
+      <p:bldP spid="7" grpId="0"/>
+      <p:bldP spid="9" grpId="0"/>
+      <p:bldP spid="10" grpId="0"/>
+      <p:bldP spid="14" grpId="0" animBg="1"/>
+    </p:bldLst>
+  </p:timing>
 </p:sld>
 </file>
 
@@ -3529,7 +4479,7 @@
           <p:nvPr>
             <p:extLst>
               <p:ext uri="{D42A27DB-BD31-4B8C-83A1-F6EECF244321}">
-                <p14:modId xmlns:p14="http://schemas.microsoft.com/office/powerpoint/2010/main" val="2986024514"/>
+                <p14:modId xmlns:p14="http://schemas.microsoft.com/office/powerpoint/2010/main" val="1679881640"/>
               </p:ext>
             </p:extLst>
           </p:nvPr>
@@ -3618,7 +4568,7 @@
         </p:nvSpPr>
         <p:spPr>
           <a:xfrm>
-            <a:off x="2642716" y="197478"/>
+            <a:off x="2411662" y="186768"/>
             <a:ext cx="8309987" cy="646331"/>
           </a:xfrm>
           <a:prstGeom prst="rect">
@@ -3632,13 +4582,22 @@
           </a:bodyPr>
           <a:lstStyle/>
           <a:p>
+            <a:pPr algn="ctr"/>
+            <a:r>
+              <a:rPr lang="pt-BR" sz="3600" b="1" dirty="0">
+                <a:solidFill>
+                  <a:schemeClr val="bg1"/>
+                </a:solidFill>
+              </a:rPr>
+              <a:t>A </a:t>
+            </a:r>
             <a:r>
               <a:rPr lang="pt-BR" sz="3600" b="1" dirty="0" err="1">
                 <a:solidFill>
                   <a:schemeClr val="bg1"/>
                 </a:solidFill>
               </a:rPr>
-              <a:t>Application</a:t>
+              <a:t>Tree</a:t>
             </a:r>
             <a:r>
               <a:rPr lang="pt-BR" sz="3600" b="1" dirty="0">
@@ -3646,7 +4605,7 @@
                   <a:schemeClr val="bg1"/>
                 </a:solidFill>
               </a:rPr>
-              <a:t> </a:t>
+              <a:t>-like </a:t>
             </a:r>
             <a:r>
               <a:rPr lang="pt-BR" sz="3600" b="1" dirty="0" err="1">
@@ -3654,16 +4613,1829 @@
                   <a:schemeClr val="bg1"/>
                 </a:solidFill>
               </a:rPr>
-              <a:t>Programming</a:t>
-            </a:r>
-            <a:r>
-              <a:rPr lang="pt-BR" sz="3600" b="1" dirty="0">
-                <a:solidFill>
-                  <a:schemeClr val="bg1"/>
-                </a:solidFill>
+              <a:t>structure</a:t>
+            </a:r>
+            <a:endParaRPr lang="pt-BR" sz="3600" b="1" dirty="0">
+              <a:solidFill>
+                <a:schemeClr val="bg1"/>
+              </a:solidFill>
+            </a:endParaRPr>
+          </a:p>
+        </p:txBody>
+      </p:sp>
+      <p:pic>
+        <p:nvPicPr>
+          <p:cNvPr id="3" name="Imagem 2">
+            <a:extLst>
+              <a:ext uri="{FF2B5EF4-FFF2-40B4-BE49-F238E27FC236}">
+                <a16:creationId xmlns:a16="http://schemas.microsoft.com/office/drawing/2014/main" id="{52F5AA7A-52F6-ED46-2FCA-4AC74D4B43BE}"/>
+              </a:ext>
+            </a:extLst>
+          </p:cNvPr>
+          <p:cNvPicPr>
+            <a:picLocks noChangeAspect="1"/>
+          </p:cNvPicPr>
+          <p:nvPr/>
+        </p:nvPicPr>
+        <p:blipFill>
+          <a:blip r:embed="rId3"/>
+          <a:stretch>
+            <a:fillRect/>
+          </a:stretch>
+        </p:blipFill>
+        <p:spPr>
+          <a:xfrm>
+            <a:off x="7078460" y="3002844"/>
+            <a:ext cx="2003510" cy="1658036"/>
+          </a:xfrm>
+          <a:prstGeom prst="rect">
+            <a:avLst/>
+          </a:prstGeom>
+        </p:spPr>
+      </p:pic>
+      <p:pic>
+        <p:nvPicPr>
+          <p:cNvPr id="9" name="Imagem 8">
+            <a:extLst>
+              <a:ext uri="{FF2B5EF4-FFF2-40B4-BE49-F238E27FC236}">
+                <a16:creationId xmlns:a16="http://schemas.microsoft.com/office/drawing/2014/main" id="{67669FDB-E56A-232C-AEC6-EFE580C5E34F}"/>
+              </a:ext>
+            </a:extLst>
+          </p:cNvPr>
+          <p:cNvPicPr>
+            <a:picLocks noChangeAspect="1"/>
+          </p:cNvPicPr>
+          <p:nvPr/>
+        </p:nvPicPr>
+        <p:blipFill>
+          <a:blip r:embed="rId4"/>
+          <a:stretch>
+            <a:fillRect/>
+          </a:stretch>
+        </p:blipFill>
+        <p:spPr>
+          <a:xfrm>
+            <a:off x="1621545" y="3822846"/>
+            <a:ext cx="2676745" cy="2445294"/>
+          </a:xfrm>
+          <a:prstGeom prst="rect">
+            <a:avLst/>
+          </a:prstGeom>
+        </p:spPr>
+      </p:pic>
+      <p:sp>
+        <p:nvSpPr>
+          <p:cNvPr id="11" name="CaixaDeTexto 10">
+            <a:extLst>
+              <a:ext uri="{FF2B5EF4-FFF2-40B4-BE49-F238E27FC236}">
+                <a16:creationId xmlns:a16="http://schemas.microsoft.com/office/drawing/2014/main" id="{D68C6AA0-3866-2862-5382-EEC7AF4D90A7}"/>
+              </a:ext>
+            </a:extLst>
+          </p:cNvPr>
+          <p:cNvSpPr txBox="1"/>
+          <p:nvPr/>
+        </p:nvSpPr>
+        <p:spPr>
+          <a:xfrm>
+            <a:off x="331715" y="1266254"/>
+            <a:ext cx="6003693" cy="2031325"/>
+          </a:xfrm>
+          <a:prstGeom prst="rect">
+            <a:avLst/>
+          </a:prstGeom>
+          <a:noFill/>
+        </p:spPr>
+        <p:txBody>
+          <a:bodyPr wrap="square">
+            <a:spAutoFit/>
+          </a:bodyPr>
+          <a:lstStyle/>
+          <a:p>
+            <a:r>
+              <a:rPr lang="pt-BR" dirty="0"/>
+              <a:t>The DOM </a:t>
+            </a:r>
+            <a:r>
+              <a:rPr lang="pt-BR" dirty="0" err="1"/>
+              <a:t>is</a:t>
+            </a:r>
+            <a:r>
+              <a:rPr lang="pt-BR" dirty="0"/>
+              <a:t> </a:t>
+            </a:r>
+            <a:r>
+              <a:rPr lang="pt-BR" dirty="0" err="1"/>
+              <a:t>known</a:t>
+            </a:r>
+            <a:r>
+              <a:rPr lang="pt-BR" dirty="0"/>
+              <a:t> as a </a:t>
+            </a:r>
+            <a:r>
+              <a:rPr lang="pt-BR" b="1" dirty="0" err="1"/>
+              <a:t>tree</a:t>
+            </a:r>
+            <a:r>
+              <a:rPr lang="pt-BR" b="1" dirty="0"/>
+              <a:t>-like-</a:t>
+            </a:r>
+            <a:r>
+              <a:rPr lang="pt-BR" b="1" dirty="0" err="1"/>
+              <a:t>structure</a:t>
+            </a:r>
+            <a:r>
+              <a:rPr lang="pt-BR" dirty="0"/>
+              <a:t>, </a:t>
+            </a:r>
+            <a:r>
+              <a:rPr lang="pt-BR" dirty="0" err="1"/>
+              <a:t>because</a:t>
+            </a:r>
+            <a:r>
+              <a:rPr lang="pt-BR" dirty="0"/>
+              <a:t> </a:t>
+            </a:r>
+            <a:r>
+              <a:rPr lang="pt-BR" dirty="0" err="1"/>
+              <a:t>it's</a:t>
+            </a:r>
+            <a:r>
+              <a:rPr lang="pt-BR" dirty="0"/>
+              <a:t> </a:t>
+            </a:r>
+            <a:r>
+              <a:rPr lang="pt-BR" dirty="0" err="1"/>
+              <a:t>structured</a:t>
+            </a:r>
+            <a:r>
+              <a:rPr lang="pt-BR" dirty="0"/>
+              <a:t> as </a:t>
+            </a:r>
+            <a:r>
+              <a:rPr lang="pt-BR" dirty="0" err="1"/>
+              <a:t>hierarchial</a:t>
+            </a:r>
+            <a:r>
+              <a:rPr lang="pt-BR" dirty="0"/>
+              <a:t>. At </a:t>
+            </a:r>
+            <a:r>
+              <a:rPr lang="pt-BR" dirty="0" err="1"/>
+              <a:t>the</a:t>
+            </a:r>
+            <a:r>
+              <a:rPr lang="pt-BR" dirty="0"/>
+              <a:t> top </a:t>
+            </a:r>
+            <a:r>
+              <a:rPr lang="pt-BR" dirty="0" err="1"/>
+              <a:t>of</a:t>
+            </a:r>
+            <a:r>
+              <a:rPr lang="pt-BR" dirty="0"/>
+              <a:t> </a:t>
+            </a:r>
+            <a:r>
+              <a:rPr lang="pt-BR" dirty="0" err="1"/>
+              <a:t>the</a:t>
+            </a:r>
+            <a:r>
+              <a:rPr lang="pt-BR" dirty="0"/>
+              <a:t> </a:t>
+            </a:r>
+            <a:r>
+              <a:rPr lang="pt-BR" dirty="0" err="1"/>
+              <a:t>tree</a:t>
+            </a:r>
+            <a:r>
+              <a:rPr lang="pt-BR" dirty="0"/>
+              <a:t> </a:t>
+            </a:r>
+            <a:r>
+              <a:rPr lang="pt-BR" dirty="0" err="1"/>
+              <a:t>there</a:t>
+            </a:r>
+            <a:r>
+              <a:rPr lang="pt-BR" dirty="0"/>
+              <a:t> </a:t>
+            </a:r>
+            <a:r>
+              <a:rPr lang="pt-BR" dirty="0" err="1"/>
+              <a:t>is</a:t>
+            </a:r>
+            <a:r>
+              <a:rPr lang="pt-BR" dirty="0"/>
+              <a:t> </a:t>
+            </a:r>
+            <a:r>
+              <a:rPr lang="pt-BR" dirty="0" err="1"/>
+              <a:t>the</a:t>
+            </a:r>
+            <a:r>
+              <a:rPr lang="pt-BR" dirty="0"/>
+              <a:t> </a:t>
+            </a:r>
+            <a:r>
+              <a:rPr lang="pt-BR" dirty="0" err="1"/>
+              <a:t>document</a:t>
+            </a:r>
+            <a:r>
+              <a:rPr lang="pt-BR" dirty="0"/>
+              <a:t> </a:t>
+            </a:r>
+            <a:r>
+              <a:rPr lang="pt-BR" dirty="0" err="1"/>
+              <a:t>object</a:t>
+            </a:r>
+            <a:r>
+              <a:rPr lang="pt-BR" dirty="0"/>
+              <a:t>, </a:t>
+            </a:r>
+            <a:r>
+              <a:rPr lang="pt-BR" dirty="0" err="1"/>
+              <a:t>which</a:t>
+            </a:r>
+            <a:r>
+              <a:rPr lang="pt-BR" dirty="0"/>
+              <a:t> </a:t>
+            </a:r>
+            <a:r>
+              <a:rPr lang="pt-BR" dirty="0" err="1"/>
+              <a:t>represents</a:t>
+            </a:r>
+            <a:r>
+              <a:rPr lang="pt-BR" dirty="0"/>
+              <a:t> </a:t>
+            </a:r>
+            <a:r>
+              <a:rPr lang="pt-BR" dirty="0" err="1"/>
+              <a:t>the</a:t>
+            </a:r>
+            <a:r>
+              <a:rPr lang="pt-BR" dirty="0"/>
+              <a:t> </a:t>
+            </a:r>
+            <a:r>
+              <a:rPr lang="pt-BR" dirty="0" err="1"/>
+              <a:t>entire</a:t>
+            </a:r>
+            <a:r>
+              <a:rPr lang="pt-BR" dirty="0"/>
+              <a:t> HTML </a:t>
+            </a:r>
+            <a:r>
+              <a:rPr lang="pt-BR" dirty="0" err="1"/>
+              <a:t>or</a:t>
+            </a:r>
+            <a:r>
+              <a:rPr lang="pt-BR" dirty="0"/>
+              <a:t> XML </a:t>
+            </a:r>
+            <a:r>
+              <a:rPr lang="pt-BR" dirty="0" err="1"/>
+              <a:t>document</a:t>
+            </a:r>
+            <a:r>
+              <a:rPr lang="pt-BR" dirty="0"/>
+              <a:t>. The </a:t>
+            </a:r>
+            <a:r>
+              <a:rPr lang="pt-BR" dirty="0" err="1"/>
+              <a:t>head</a:t>
+            </a:r>
+            <a:r>
+              <a:rPr lang="pt-BR" dirty="0"/>
+              <a:t> </a:t>
+            </a:r>
+            <a:r>
+              <a:rPr lang="pt-BR" dirty="0" err="1"/>
+              <a:t>element</a:t>
+            </a:r>
+            <a:r>
+              <a:rPr lang="pt-BR" dirty="0"/>
+              <a:t> </a:t>
+            </a:r>
+            <a:r>
+              <a:rPr lang="pt-BR" dirty="0" err="1"/>
+              <a:t>has</a:t>
+            </a:r>
+            <a:r>
+              <a:rPr lang="pt-BR" dirty="0"/>
+              <a:t> </a:t>
+            </a:r>
+            <a:r>
+              <a:rPr lang="pt-BR" dirty="0" err="1"/>
+              <a:t>child</a:t>
+            </a:r>
+            <a:r>
+              <a:rPr lang="pt-BR" dirty="0"/>
+              <a:t> </a:t>
+            </a:r>
+            <a:r>
+              <a:rPr lang="pt-BR" b="1" dirty="0"/>
+              <a:t>nodes </a:t>
+            </a:r>
+            <a:r>
+              <a:rPr lang="pt-BR" dirty="0" err="1"/>
+              <a:t>that</a:t>
+            </a:r>
+            <a:r>
+              <a:rPr lang="pt-BR" dirty="0"/>
+              <a:t> </a:t>
+            </a:r>
+            <a:r>
+              <a:rPr lang="pt-BR" dirty="0" err="1"/>
+              <a:t>correponds</a:t>
+            </a:r>
+            <a:r>
+              <a:rPr lang="pt-BR" dirty="0"/>
+              <a:t> </a:t>
+            </a:r>
+            <a:r>
+              <a:rPr lang="pt-BR" dirty="0" err="1"/>
+              <a:t>to</a:t>
+            </a:r>
+            <a:r>
+              <a:rPr lang="pt-BR" dirty="0"/>
+              <a:t> </a:t>
+            </a:r>
+            <a:r>
+              <a:rPr lang="pt-BR" dirty="0" err="1"/>
+              <a:t>title</a:t>
+            </a:r>
+            <a:r>
+              <a:rPr lang="pt-BR" dirty="0"/>
+              <a:t> </a:t>
+            </a:r>
+            <a:r>
+              <a:rPr lang="pt-BR" dirty="0" err="1"/>
+              <a:t>and</a:t>
+            </a:r>
+            <a:r>
+              <a:rPr lang="pt-BR" dirty="0"/>
+              <a:t> meta, </a:t>
+            </a:r>
+            <a:r>
+              <a:rPr lang="pt-BR" dirty="0" err="1"/>
+              <a:t>while</a:t>
+            </a:r>
+            <a:r>
+              <a:rPr lang="pt-BR" dirty="0"/>
+              <a:t> </a:t>
+            </a:r>
+            <a:r>
+              <a:rPr lang="pt-BR" dirty="0" err="1"/>
+              <a:t>the</a:t>
+            </a:r>
+            <a:r>
+              <a:rPr lang="pt-BR" dirty="0"/>
+              <a:t> </a:t>
+            </a:r>
+            <a:r>
+              <a:rPr lang="pt-BR" b="1" dirty="0"/>
+              <a:t>body</a:t>
+            </a:r>
+            <a:r>
+              <a:rPr lang="pt-BR" dirty="0"/>
+              <a:t> </a:t>
+            </a:r>
+            <a:r>
+              <a:rPr lang="pt-BR" dirty="0" err="1"/>
+              <a:t>has</a:t>
+            </a:r>
+            <a:r>
+              <a:rPr lang="pt-BR" dirty="0"/>
+              <a:t> </a:t>
+            </a:r>
+            <a:r>
+              <a:rPr lang="pt-BR" dirty="0" err="1"/>
+              <a:t>also</a:t>
+            </a:r>
+            <a:r>
+              <a:rPr lang="pt-BR" dirty="0"/>
+              <a:t> </a:t>
+            </a:r>
+            <a:r>
+              <a:rPr lang="pt-BR" dirty="0" err="1"/>
+              <a:t>has</a:t>
+            </a:r>
+            <a:r>
+              <a:rPr lang="pt-BR" dirty="0"/>
+              <a:t> </a:t>
+            </a:r>
+            <a:r>
+              <a:rPr lang="pt-BR" dirty="0" err="1"/>
+              <a:t>child</a:t>
+            </a:r>
+            <a:r>
+              <a:rPr lang="pt-BR" dirty="0"/>
+              <a:t> </a:t>
+            </a:r>
+            <a:r>
+              <a:rPr lang="pt-BR" b="1" dirty="0"/>
+              <a:t>nodes</a:t>
+            </a:r>
+            <a:r>
+              <a:rPr lang="pt-BR" dirty="0"/>
+              <a:t> </a:t>
+            </a:r>
+          </a:p>
+          <a:p>
+            <a:r>
+              <a:rPr lang="pt-BR" dirty="0" err="1"/>
+              <a:t>that</a:t>
+            </a:r>
+            <a:r>
+              <a:rPr lang="pt-BR" dirty="0"/>
+              <a:t> </a:t>
+            </a:r>
+            <a:r>
+              <a:rPr lang="pt-BR" dirty="0" err="1"/>
+              <a:t>correspond</a:t>
+            </a:r>
+            <a:r>
+              <a:rPr lang="pt-BR" dirty="0"/>
+              <a:t> </a:t>
+            </a:r>
+            <a:r>
+              <a:rPr lang="pt-BR" dirty="0" err="1"/>
+              <a:t>to</a:t>
+            </a:r>
+            <a:r>
+              <a:rPr lang="pt-BR" dirty="0"/>
+              <a:t> </a:t>
+            </a:r>
+            <a:r>
+              <a:rPr lang="pt-BR" dirty="0" err="1"/>
+              <a:t>another</a:t>
+            </a:r>
+            <a:r>
+              <a:rPr lang="pt-BR" dirty="0"/>
+              <a:t> </a:t>
+            </a:r>
+            <a:r>
+              <a:rPr lang="pt-BR" dirty="0" err="1"/>
+              <a:t>various</a:t>
+            </a:r>
+            <a:r>
+              <a:rPr lang="pt-BR" dirty="0"/>
+              <a:t> </a:t>
+            </a:r>
+            <a:r>
+              <a:rPr lang="pt-BR" dirty="0" err="1"/>
+              <a:t>elements</a:t>
+            </a:r>
+            <a:r>
+              <a:rPr lang="pt-BR" dirty="0"/>
+              <a:t> </a:t>
+            </a:r>
+            <a:r>
+              <a:rPr lang="pt-BR" dirty="0" err="1"/>
+              <a:t>such</a:t>
+            </a:r>
+            <a:r>
+              <a:rPr lang="pt-BR" dirty="0"/>
+              <a:t> as </a:t>
+            </a:r>
+            <a:r>
+              <a:rPr lang="pt-BR" b="1" dirty="0"/>
+              <a:t>'</a:t>
+            </a:r>
+            <a:r>
+              <a:rPr lang="pt-BR" b="1" dirty="0" err="1"/>
+              <a:t>div</a:t>
+            </a:r>
+            <a:r>
+              <a:rPr lang="pt-BR" b="1" dirty="0"/>
+              <a:t>'</a:t>
+            </a:r>
+            <a:r>
+              <a:rPr lang="pt-BR" dirty="0"/>
+              <a:t>, </a:t>
+            </a:r>
+            <a:r>
+              <a:rPr lang="pt-BR" b="1" dirty="0"/>
+              <a:t>'p'</a:t>
+            </a:r>
+            <a:r>
+              <a:rPr lang="pt-BR" dirty="0"/>
+              <a:t>, </a:t>
+            </a:r>
+            <a:r>
+              <a:rPr lang="pt-BR" b="1" dirty="0"/>
+              <a:t>'</a:t>
+            </a:r>
+            <a:r>
+              <a:rPr lang="pt-BR" b="1" dirty="0" err="1"/>
+              <a:t>img</a:t>
+            </a:r>
+            <a:r>
+              <a:rPr lang="pt-BR" b="1" dirty="0"/>
+              <a:t>'</a:t>
+            </a:r>
+            <a:r>
+              <a:rPr lang="pt-BR" dirty="0"/>
+              <a:t>, </a:t>
+            </a:r>
+            <a:r>
+              <a:rPr lang="pt-BR" b="1" dirty="0"/>
+              <a:t>'</a:t>
+            </a:r>
+            <a:r>
+              <a:rPr lang="pt-BR" b="1" dirty="0" err="1"/>
+              <a:t>ul</a:t>
+            </a:r>
+            <a:r>
+              <a:rPr lang="pt-BR" b="1" dirty="0"/>
+              <a:t>', 'li', </a:t>
+            </a:r>
+            <a:r>
+              <a:rPr lang="pt-BR" dirty="0" err="1"/>
+              <a:t>and</a:t>
+            </a:r>
+            <a:r>
+              <a:rPr lang="pt-BR" dirty="0"/>
+              <a:t> </a:t>
+            </a:r>
+            <a:r>
+              <a:rPr lang="pt-BR" dirty="0" err="1"/>
+              <a:t>all</a:t>
+            </a:r>
+            <a:r>
+              <a:rPr lang="pt-BR" dirty="0"/>
+              <a:t> </a:t>
+            </a:r>
+            <a:r>
+              <a:rPr lang="pt-BR" dirty="0" err="1"/>
+              <a:t>the</a:t>
+            </a:r>
+            <a:r>
+              <a:rPr lang="pt-BR" dirty="0"/>
+              <a:t> </a:t>
+            </a:r>
+            <a:r>
+              <a:rPr lang="pt-BR" dirty="0" err="1"/>
+              <a:t>other</a:t>
+            </a:r>
+            <a:r>
+              <a:rPr lang="pt-BR" dirty="0"/>
+              <a:t> </a:t>
+            </a:r>
+            <a:r>
+              <a:rPr lang="pt-BR" dirty="0" err="1"/>
+              <a:t>elements</a:t>
+            </a:r>
+            <a:r>
+              <a:rPr lang="pt-BR" dirty="0"/>
+              <a:t> </a:t>
+            </a:r>
+            <a:r>
+              <a:rPr lang="pt-BR" dirty="0" err="1"/>
+              <a:t>within</a:t>
+            </a:r>
+            <a:r>
+              <a:rPr lang="pt-BR" dirty="0"/>
+              <a:t>.</a:t>
+            </a:r>
+          </a:p>
+        </p:txBody>
+      </p:sp>
+      <p:sp>
+        <p:nvSpPr>
+          <p:cNvPr id="13" name="CaixaDeTexto 12">
+            <a:extLst>
+              <a:ext uri="{FF2B5EF4-FFF2-40B4-BE49-F238E27FC236}">
+                <a16:creationId xmlns:a16="http://schemas.microsoft.com/office/drawing/2014/main" id="{39304488-9F54-A961-3A2C-364CCBDB1B9D}"/>
+              </a:ext>
+            </a:extLst>
+          </p:cNvPr>
+          <p:cNvSpPr txBox="1"/>
+          <p:nvPr/>
+        </p:nvSpPr>
+        <p:spPr>
+          <a:xfrm>
+            <a:off x="6980815" y="1346648"/>
+            <a:ext cx="4879470" cy="1200329"/>
+          </a:xfrm>
+          <a:prstGeom prst="rect">
+            <a:avLst/>
+          </a:prstGeom>
+          <a:noFill/>
+        </p:spPr>
+        <p:txBody>
+          <a:bodyPr wrap="square">
+            <a:spAutoFit/>
+          </a:bodyPr>
+          <a:lstStyle/>
+          <a:p>
+            <a:r>
+              <a:rPr lang="pt-BR" dirty="0"/>
+              <a:t>In </a:t>
+            </a:r>
+            <a:r>
+              <a:rPr lang="pt-BR" dirty="0" err="1"/>
+              <a:t>the</a:t>
+            </a:r>
+            <a:r>
+              <a:rPr lang="pt-BR" dirty="0"/>
+              <a:t> DOM </a:t>
+            </a:r>
+            <a:r>
+              <a:rPr lang="pt-BR" dirty="0" err="1"/>
+              <a:t>each</a:t>
+            </a:r>
+            <a:r>
+              <a:rPr lang="pt-BR" dirty="0"/>
+              <a:t> </a:t>
+            </a:r>
+            <a:r>
+              <a:rPr lang="pt-BR" b="1" dirty="0"/>
+              <a:t>"node" </a:t>
+            </a:r>
+            <a:r>
+              <a:rPr lang="pt-BR" dirty="0"/>
+              <a:t>representes </a:t>
+            </a:r>
+            <a:r>
+              <a:rPr lang="pt-BR" dirty="0" err="1"/>
+              <a:t>an</a:t>
+            </a:r>
+            <a:r>
+              <a:rPr lang="pt-BR" dirty="0"/>
+              <a:t> </a:t>
+            </a:r>
+            <a:r>
+              <a:rPr lang="pt-BR" b="1" dirty="0" err="1"/>
+              <a:t>element</a:t>
+            </a:r>
+            <a:r>
+              <a:rPr lang="pt-BR" dirty="0"/>
+              <a:t>, </a:t>
+            </a:r>
+            <a:r>
+              <a:rPr lang="pt-BR" b="1" dirty="0"/>
+              <a:t>atribute</a:t>
+            </a:r>
+            <a:r>
+              <a:rPr lang="pt-BR" dirty="0"/>
+              <a:t>, </a:t>
+            </a:r>
+            <a:r>
+              <a:rPr lang="pt-BR" dirty="0" err="1"/>
+              <a:t>or</a:t>
+            </a:r>
+            <a:r>
+              <a:rPr lang="pt-BR" dirty="0"/>
+              <a:t> </a:t>
+            </a:r>
+            <a:r>
+              <a:rPr lang="pt-BR" b="1" dirty="0" err="1"/>
+              <a:t>text</a:t>
+            </a:r>
+            <a:r>
+              <a:rPr lang="pt-BR" b="1" dirty="0"/>
+              <a:t> </a:t>
+            </a:r>
+            <a:r>
+              <a:rPr lang="pt-BR" b="1" dirty="0" err="1"/>
+              <a:t>content</a:t>
+            </a:r>
+            <a:r>
+              <a:rPr lang="pt-BR" b="1" dirty="0"/>
+              <a:t> </a:t>
+            </a:r>
+            <a:r>
+              <a:rPr lang="pt-BR" dirty="0"/>
+              <a:t>in </a:t>
+            </a:r>
+            <a:r>
+              <a:rPr lang="pt-BR" dirty="0" err="1"/>
+              <a:t>the</a:t>
+            </a:r>
+            <a:r>
+              <a:rPr lang="pt-BR" dirty="0"/>
+              <a:t> </a:t>
+            </a:r>
+            <a:r>
+              <a:rPr lang="pt-BR" dirty="0" err="1"/>
+              <a:t>document</a:t>
+            </a:r>
+            <a:r>
+              <a:rPr lang="pt-BR" dirty="0"/>
+              <a:t> </a:t>
+            </a:r>
+            <a:r>
+              <a:rPr lang="pt-BR" dirty="0" err="1"/>
+              <a:t>where</a:t>
+            </a:r>
+            <a:r>
+              <a:rPr lang="pt-BR" b="1" dirty="0"/>
+              <a:t> </a:t>
+            </a:r>
+            <a:r>
+              <a:rPr lang="pt-BR" b="1" dirty="0" err="1"/>
+              <a:t>edges</a:t>
+            </a:r>
+            <a:r>
+              <a:rPr lang="pt-BR" b="1" dirty="0"/>
+              <a:t> </a:t>
+            </a:r>
+            <a:r>
+              <a:rPr lang="pt-BR" dirty="0" err="1"/>
+              <a:t>or</a:t>
+            </a:r>
+            <a:r>
+              <a:rPr lang="pt-BR" dirty="0"/>
+              <a:t> </a:t>
+            </a:r>
+            <a:r>
+              <a:rPr lang="pt-BR" b="1" dirty="0"/>
+              <a:t>connections</a:t>
+            </a:r>
+            <a:r>
+              <a:rPr lang="pt-BR" dirty="0"/>
+              <a:t> </a:t>
+            </a:r>
+            <a:r>
+              <a:rPr lang="pt-BR" dirty="0" err="1"/>
+              <a:t>meet</a:t>
+            </a:r>
+            <a:r>
+              <a:rPr lang="pt-BR" dirty="0"/>
+              <a:t>, </a:t>
+            </a:r>
+            <a:r>
+              <a:rPr lang="pt-BR" dirty="0" err="1"/>
+              <a:t>rather</a:t>
+            </a:r>
+            <a:r>
+              <a:rPr lang="pt-BR" dirty="0"/>
+              <a:t> </a:t>
+            </a:r>
+            <a:r>
+              <a:rPr lang="pt-BR" dirty="0" err="1"/>
+              <a:t>than</a:t>
+            </a:r>
+            <a:r>
+              <a:rPr lang="pt-BR" dirty="0"/>
+              <a:t> a point </a:t>
+            </a:r>
+            <a:r>
+              <a:rPr lang="pt-BR" dirty="0" err="1"/>
+              <a:t>where</a:t>
+            </a:r>
+            <a:r>
+              <a:rPr lang="pt-BR" dirty="0"/>
+              <a:t> </a:t>
+            </a:r>
+            <a:r>
+              <a:rPr lang="pt-BR" dirty="0" err="1"/>
+              <a:t>the</a:t>
+            </a:r>
+            <a:r>
+              <a:rPr lang="pt-BR" dirty="0"/>
+              <a:t> </a:t>
+            </a:r>
+            <a:r>
+              <a:rPr lang="pt-BR" dirty="0" err="1"/>
+              <a:t>leaves</a:t>
+            </a:r>
+            <a:r>
+              <a:rPr lang="pt-BR" dirty="0"/>
+              <a:t>, </a:t>
+            </a:r>
+            <a:r>
+              <a:rPr lang="pt-BR" dirty="0" err="1"/>
+              <a:t>branches</a:t>
+            </a:r>
+            <a:r>
+              <a:rPr lang="pt-BR" dirty="0"/>
+              <a:t>, </a:t>
+            </a:r>
+            <a:r>
+              <a:rPr lang="pt-BR" dirty="0" err="1"/>
+              <a:t>and</a:t>
+            </a:r>
+            <a:r>
+              <a:rPr lang="pt-BR" dirty="0"/>
+              <a:t> </a:t>
+            </a:r>
+            <a:r>
+              <a:rPr lang="pt-BR" dirty="0" err="1"/>
+              <a:t>flowers</a:t>
+            </a:r>
+            <a:r>
+              <a:rPr lang="pt-BR" dirty="0"/>
+              <a:t> merge.</a:t>
+            </a:r>
+          </a:p>
+        </p:txBody>
+      </p:sp>
+      <p:sp>
+        <p:nvSpPr>
+          <p:cNvPr id="15" name="CaixaDeTexto 14">
+            <a:extLst>
+              <a:ext uri="{FF2B5EF4-FFF2-40B4-BE49-F238E27FC236}">
+                <a16:creationId xmlns:a16="http://schemas.microsoft.com/office/drawing/2014/main" id="{5E686A5F-4B9B-763F-6B01-8ECE3E2B8C70}"/>
+              </a:ext>
+            </a:extLst>
+          </p:cNvPr>
+          <p:cNvSpPr txBox="1"/>
+          <p:nvPr/>
+        </p:nvSpPr>
+        <p:spPr>
+          <a:xfrm>
+            <a:off x="331715" y="3341391"/>
+            <a:ext cx="5311234" cy="646331"/>
+          </a:xfrm>
+          <a:prstGeom prst="rect">
+            <a:avLst/>
+          </a:prstGeom>
+          <a:noFill/>
+        </p:spPr>
+        <p:txBody>
+          <a:bodyPr wrap="square">
+            <a:spAutoFit/>
+          </a:bodyPr>
+          <a:lstStyle/>
+          <a:p>
+            <a:r>
+              <a:rPr lang="en-US" b="0" i="0" dirty="0">
+                <a:effectLst/>
               </a:rPr>
-              <a:t> Interface(API)</a:t>
-            </a:r>
+              <a:t>In botany, a </a:t>
+            </a:r>
+            <a:r>
+              <a:rPr lang="en-US" b="1" i="0" dirty="0">
+                <a:effectLst/>
+              </a:rPr>
+              <a:t>node</a:t>
+            </a:r>
+            <a:r>
+              <a:rPr lang="en-US" b="0" i="0" dirty="0">
+                <a:effectLst/>
+              </a:rPr>
+              <a:t> can refer to a point on a stem where leaves, branches, or flowers emerge:</a:t>
+            </a:r>
+          </a:p>
+        </p:txBody>
+      </p:sp>
+      <p:sp>
+        <p:nvSpPr>
+          <p:cNvPr id="18" name="Elipse 17">
+            <a:extLst>
+              <a:ext uri="{FF2B5EF4-FFF2-40B4-BE49-F238E27FC236}">
+                <a16:creationId xmlns:a16="http://schemas.microsoft.com/office/drawing/2014/main" id="{C674937E-B322-1034-6AE1-EBD646A8522B}"/>
+              </a:ext>
+            </a:extLst>
+          </p:cNvPr>
+          <p:cNvSpPr/>
+          <p:nvPr/>
+        </p:nvSpPr>
+        <p:spPr>
+          <a:xfrm>
+            <a:off x="3691713" y="4643021"/>
+            <a:ext cx="88776" cy="115409"/>
+          </a:xfrm>
+          <a:prstGeom prst="ellipse">
+            <a:avLst/>
+          </a:prstGeom>
+        </p:spPr>
+        <p:style>
+          <a:lnRef idx="2">
+            <a:schemeClr val="accent1">
+              <a:shade val="50000"/>
+            </a:schemeClr>
+          </a:lnRef>
+          <a:fillRef idx="1">
+            <a:schemeClr val="accent1"/>
+          </a:fillRef>
+          <a:effectRef idx="0">
+            <a:schemeClr val="accent1"/>
+          </a:effectRef>
+          <a:fontRef idx="minor">
+            <a:schemeClr val="lt1"/>
+          </a:fontRef>
+        </p:style>
+        <p:txBody>
+          <a:bodyPr rtlCol="0" anchor="ctr"/>
+          <a:lstStyle/>
+          <a:p>
+            <a:pPr algn="ctr"/>
+            <a:endParaRPr lang="pt-BR"/>
+          </a:p>
+        </p:txBody>
+      </p:sp>
+      <p:sp>
+        <p:nvSpPr>
+          <p:cNvPr id="22" name="Elipse 21">
+            <a:extLst>
+              <a:ext uri="{FF2B5EF4-FFF2-40B4-BE49-F238E27FC236}">
+                <a16:creationId xmlns:a16="http://schemas.microsoft.com/office/drawing/2014/main" id="{4185DD55-6F2C-6372-0812-A1EEE524D1BC}"/>
+              </a:ext>
+            </a:extLst>
+          </p:cNvPr>
+          <p:cNvSpPr/>
+          <p:nvPr/>
+        </p:nvSpPr>
+        <p:spPr>
+          <a:xfrm>
+            <a:off x="3284735" y="6042525"/>
+            <a:ext cx="97654" cy="99151"/>
+          </a:xfrm>
+          <a:prstGeom prst="ellipse">
+            <a:avLst/>
+          </a:prstGeom>
+        </p:spPr>
+        <p:style>
+          <a:lnRef idx="2">
+            <a:schemeClr val="accent1">
+              <a:shade val="50000"/>
+            </a:schemeClr>
+          </a:lnRef>
+          <a:fillRef idx="1">
+            <a:schemeClr val="accent1"/>
+          </a:fillRef>
+          <a:effectRef idx="0">
+            <a:schemeClr val="accent1"/>
+          </a:effectRef>
+          <a:fontRef idx="minor">
+            <a:schemeClr val="lt1"/>
+          </a:fontRef>
+        </p:style>
+        <p:txBody>
+          <a:bodyPr rtlCol="0" anchor="ctr"/>
+          <a:lstStyle/>
+          <a:p>
+            <a:pPr algn="ctr"/>
+            <a:endParaRPr lang="pt-BR" dirty="0"/>
+          </a:p>
+        </p:txBody>
+      </p:sp>
+      <p:sp>
+        <p:nvSpPr>
+          <p:cNvPr id="23" name="Elipse 22">
+            <a:extLst>
+              <a:ext uri="{FF2B5EF4-FFF2-40B4-BE49-F238E27FC236}">
+                <a16:creationId xmlns:a16="http://schemas.microsoft.com/office/drawing/2014/main" id="{45781523-632E-5125-918A-3517062EADDD}"/>
+              </a:ext>
+            </a:extLst>
+          </p:cNvPr>
+          <p:cNvSpPr/>
+          <p:nvPr/>
+        </p:nvSpPr>
+        <p:spPr>
+          <a:xfrm>
+            <a:off x="2274283" y="4495031"/>
+            <a:ext cx="97654" cy="99151"/>
+          </a:xfrm>
+          <a:prstGeom prst="ellipse">
+            <a:avLst/>
+          </a:prstGeom>
+          <a:solidFill>
+            <a:srgbClr val="FF0000"/>
+          </a:solidFill>
+        </p:spPr>
+        <p:style>
+          <a:lnRef idx="2">
+            <a:schemeClr val="accent1">
+              <a:shade val="50000"/>
+            </a:schemeClr>
+          </a:lnRef>
+          <a:fillRef idx="1">
+            <a:schemeClr val="accent1"/>
+          </a:fillRef>
+          <a:effectRef idx="0">
+            <a:schemeClr val="accent1"/>
+          </a:effectRef>
+          <a:fontRef idx="minor">
+            <a:schemeClr val="lt1"/>
+          </a:fontRef>
+        </p:style>
+        <p:txBody>
+          <a:bodyPr rtlCol="0" anchor="ctr"/>
+          <a:lstStyle/>
+          <a:p>
+            <a:pPr algn="ctr"/>
+            <a:endParaRPr lang="pt-BR" dirty="0">
+              <a:solidFill>
+                <a:srgbClr val="FF0000"/>
+              </a:solidFill>
+              <a:highlight>
+                <a:srgbClr val="0000FF"/>
+              </a:highlight>
+            </a:endParaRPr>
+          </a:p>
+        </p:txBody>
+      </p:sp>
+      <p:sp>
+        <p:nvSpPr>
+          <p:cNvPr id="24" name="Elipse 23">
+            <a:extLst>
+              <a:ext uri="{FF2B5EF4-FFF2-40B4-BE49-F238E27FC236}">
+                <a16:creationId xmlns:a16="http://schemas.microsoft.com/office/drawing/2014/main" id="{CBD7A780-76F2-77CB-E94F-F7CDE32D8413}"/>
+              </a:ext>
+            </a:extLst>
+          </p:cNvPr>
+          <p:cNvSpPr/>
+          <p:nvPr/>
+        </p:nvSpPr>
+        <p:spPr>
+          <a:xfrm>
+            <a:off x="1944210" y="5075725"/>
+            <a:ext cx="97654" cy="99151"/>
+          </a:xfrm>
+          <a:prstGeom prst="ellipse">
+            <a:avLst/>
+          </a:prstGeom>
+        </p:spPr>
+        <p:style>
+          <a:lnRef idx="2">
+            <a:schemeClr val="accent1">
+              <a:shade val="50000"/>
+            </a:schemeClr>
+          </a:lnRef>
+          <a:fillRef idx="1">
+            <a:schemeClr val="accent1"/>
+          </a:fillRef>
+          <a:effectRef idx="0">
+            <a:schemeClr val="accent1"/>
+          </a:effectRef>
+          <a:fontRef idx="minor">
+            <a:schemeClr val="lt1"/>
+          </a:fontRef>
+        </p:style>
+        <p:txBody>
+          <a:bodyPr rtlCol="0" anchor="ctr"/>
+          <a:lstStyle/>
+          <a:p>
+            <a:pPr algn="ctr"/>
+            <a:endParaRPr lang="pt-BR" dirty="0">
+              <a:solidFill>
+                <a:srgbClr val="FF0000"/>
+              </a:solidFill>
+              <a:highlight>
+                <a:srgbClr val="0000FF"/>
+              </a:highlight>
+            </a:endParaRPr>
+          </a:p>
+        </p:txBody>
+      </p:sp>
+      <p:sp>
+        <p:nvSpPr>
+          <p:cNvPr id="25" name="Elipse 24">
+            <a:extLst>
+              <a:ext uri="{FF2B5EF4-FFF2-40B4-BE49-F238E27FC236}">
+                <a16:creationId xmlns:a16="http://schemas.microsoft.com/office/drawing/2014/main" id="{85F66E4A-FCAB-2641-9E03-BB417891379E}"/>
+              </a:ext>
+            </a:extLst>
+          </p:cNvPr>
+          <p:cNvSpPr/>
+          <p:nvPr/>
+        </p:nvSpPr>
+        <p:spPr>
+          <a:xfrm>
+            <a:off x="3594059" y="5466431"/>
+            <a:ext cx="97654" cy="99151"/>
+          </a:xfrm>
+          <a:prstGeom prst="ellipse">
+            <a:avLst/>
+          </a:prstGeom>
+          <a:solidFill>
+            <a:srgbClr val="FF0000"/>
+          </a:solidFill>
+        </p:spPr>
+        <p:style>
+          <a:lnRef idx="2">
+            <a:schemeClr val="accent1">
+              <a:shade val="50000"/>
+            </a:schemeClr>
+          </a:lnRef>
+          <a:fillRef idx="1">
+            <a:schemeClr val="accent1"/>
+          </a:fillRef>
+          <a:effectRef idx="0">
+            <a:schemeClr val="accent1"/>
+          </a:effectRef>
+          <a:fontRef idx="minor">
+            <a:schemeClr val="lt1"/>
+          </a:fontRef>
+        </p:style>
+        <p:txBody>
+          <a:bodyPr rtlCol="0" anchor="ctr"/>
+          <a:lstStyle/>
+          <a:p>
+            <a:pPr algn="ctr"/>
+            <a:endParaRPr lang="pt-BR" dirty="0">
+              <a:solidFill>
+                <a:srgbClr val="FF0000"/>
+              </a:solidFill>
+              <a:highlight>
+                <a:srgbClr val="0000FF"/>
+              </a:highlight>
+            </a:endParaRPr>
+          </a:p>
+        </p:txBody>
+      </p:sp>
+      <p:sp>
+        <p:nvSpPr>
+          <p:cNvPr id="26" name="Elipse 25">
+            <a:extLst>
+              <a:ext uri="{FF2B5EF4-FFF2-40B4-BE49-F238E27FC236}">
+                <a16:creationId xmlns:a16="http://schemas.microsoft.com/office/drawing/2014/main" id="{3AFA3C26-FC88-C8C5-AC99-C139C418138E}"/>
+              </a:ext>
+            </a:extLst>
+          </p:cNvPr>
+          <p:cNvSpPr/>
+          <p:nvPr/>
+        </p:nvSpPr>
+        <p:spPr>
+          <a:xfrm>
+            <a:off x="3235908" y="4892647"/>
+            <a:ext cx="97654" cy="99151"/>
+          </a:xfrm>
+          <a:prstGeom prst="ellipse">
+            <a:avLst/>
+          </a:prstGeom>
+          <a:solidFill>
+            <a:srgbClr val="FF0000"/>
+          </a:solidFill>
+        </p:spPr>
+        <p:style>
+          <a:lnRef idx="2">
+            <a:schemeClr val="accent1">
+              <a:shade val="50000"/>
+            </a:schemeClr>
+          </a:lnRef>
+          <a:fillRef idx="1">
+            <a:schemeClr val="accent1"/>
+          </a:fillRef>
+          <a:effectRef idx="0">
+            <a:schemeClr val="accent1"/>
+          </a:effectRef>
+          <a:fontRef idx="minor">
+            <a:schemeClr val="lt1"/>
+          </a:fontRef>
+        </p:style>
+        <p:txBody>
+          <a:bodyPr rtlCol="0" anchor="ctr"/>
+          <a:lstStyle/>
+          <a:p>
+            <a:pPr algn="ctr"/>
+            <a:endParaRPr lang="pt-BR" dirty="0">
+              <a:solidFill>
+                <a:srgbClr val="FF0000"/>
+              </a:solidFill>
+              <a:highlight>
+                <a:srgbClr val="0000FF"/>
+              </a:highlight>
+            </a:endParaRPr>
+          </a:p>
+        </p:txBody>
+      </p:sp>
+      <p:sp>
+        <p:nvSpPr>
+          <p:cNvPr id="27" name="Elipse 26">
+            <a:extLst>
+              <a:ext uri="{FF2B5EF4-FFF2-40B4-BE49-F238E27FC236}">
+                <a16:creationId xmlns:a16="http://schemas.microsoft.com/office/drawing/2014/main" id="{1C61C733-E3D6-B00B-7365-AED65EA68868}"/>
+              </a:ext>
+            </a:extLst>
+          </p:cNvPr>
+          <p:cNvSpPr/>
+          <p:nvPr/>
+        </p:nvSpPr>
+        <p:spPr>
+          <a:xfrm>
+            <a:off x="1882066" y="5452367"/>
+            <a:ext cx="97654" cy="99151"/>
+          </a:xfrm>
+          <a:prstGeom prst="ellipse">
+            <a:avLst/>
+          </a:prstGeom>
+          <a:solidFill>
+            <a:schemeClr val="tx1"/>
+          </a:solidFill>
+        </p:spPr>
+        <p:style>
+          <a:lnRef idx="2">
+            <a:schemeClr val="accent1">
+              <a:shade val="50000"/>
+            </a:schemeClr>
+          </a:lnRef>
+          <a:fillRef idx="1">
+            <a:schemeClr val="accent1"/>
+          </a:fillRef>
+          <a:effectRef idx="0">
+            <a:schemeClr val="accent1"/>
+          </a:effectRef>
+          <a:fontRef idx="minor">
+            <a:schemeClr val="lt1"/>
+          </a:fontRef>
+        </p:style>
+        <p:txBody>
+          <a:bodyPr rtlCol="0" anchor="ctr"/>
+          <a:lstStyle/>
+          <a:p>
+            <a:pPr algn="ctr"/>
+            <a:endParaRPr lang="pt-BR" dirty="0">
+              <a:solidFill>
+                <a:srgbClr val="FF0000"/>
+              </a:solidFill>
+              <a:highlight>
+                <a:srgbClr val="0000FF"/>
+              </a:highlight>
+            </a:endParaRPr>
+          </a:p>
+        </p:txBody>
+      </p:sp>
+      <p:sp>
+        <p:nvSpPr>
+          <p:cNvPr id="28" name="Elipse 27">
+            <a:extLst>
+              <a:ext uri="{FF2B5EF4-FFF2-40B4-BE49-F238E27FC236}">
+                <a16:creationId xmlns:a16="http://schemas.microsoft.com/office/drawing/2014/main" id="{0EE51335-D081-923F-536C-E89D16EDD2B5}"/>
+              </a:ext>
+            </a:extLst>
+          </p:cNvPr>
+          <p:cNvSpPr/>
+          <p:nvPr/>
+        </p:nvSpPr>
+        <p:spPr>
+          <a:xfrm>
+            <a:off x="3187081" y="4306781"/>
+            <a:ext cx="97654" cy="99151"/>
+          </a:xfrm>
+          <a:prstGeom prst="ellipse">
+            <a:avLst/>
+          </a:prstGeom>
+          <a:solidFill>
+            <a:schemeClr val="tx1"/>
+          </a:solidFill>
+        </p:spPr>
+        <p:style>
+          <a:lnRef idx="2">
+            <a:schemeClr val="accent1">
+              <a:shade val="50000"/>
+            </a:schemeClr>
+          </a:lnRef>
+          <a:fillRef idx="1">
+            <a:schemeClr val="accent1"/>
+          </a:fillRef>
+          <a:effectRef idx="0">
+            <a:schemeClr val="accent1"/>
+          </a:effectRef>
+          <a:fontRef idx="minor">
+            <a:schemeClr val="lt1"/>
+          </a:fontRef>
+        </p:style>
+        <p:txBody>
+          <a:bodyPr rtlCol="0" anchor="ctr"/>
+          <a:lstStyle/>
+          <a:p>
+            <a:pPr algn="ctr"/>
+            <a:endParaRPr lang="pt-BR" dirty="0">
+              <a:solidFill>
+                <a:srgbClr val="FF0000"/>
+              </a:solidFill>
+              <a:highlight>
+                <a:srgbClr val="0000FF"/>
+              </a:highlight>
+            </a:endParaRPr>
+          </a:p>
+        </p:txBody>
+      </p:sp>
+      <p:sp>
+        <p:nvSpPr>
+          <p:cNvPr id="29" name="Elipse 28">
+            <a:extLst>
+              <a:ext uri="{FF2B5EF4-FFF2-40B4-BE49-F238E27FC236}">
+                <a16:creationId xmlns:a16="http://schemas.microsoft.com/office/drawing/2014/main" id="{900F156C-7B8D-AF5C-0133-D8269BDAFD15}"/>
+              </a:ext>
+            </a:extLst>
+          </p:cNvPr>
+          <p:cNvSpPr/>
+          <p:nvPr/>
+        </p:nvSpPr>
+        <p:spPr>
+          <a:xfrm>
+            <a:off x="3545232" y="5162319"/>
+            <a:ext cx="97654" cy="99151"/>
+          </a:xfrm>
+          <a:prstGeom prst="ellipse">
+            <a:avLst/>
+          </a:prstGeom>
+          <a:solidFill>
+            <a:srgbClr val="00B050"/>
+          </a:solidFill>
+        </p:spPr>
+        <p:style>
+          <a:lnRef idx="2">
+            <a:schemeClr val="accent1">
+              <a:shade val="50000"/>
+            </a:schemeClr>
+          </a:lnRef>
+          <a:fillRef idx="1">
+            <a:schemeClr val="accent1"/>
+          </a:fillRef>
+          <a:effectRef idx="0">
+            <a:schemeClr val="accent1"/>
+          </a:effectRef>
+          <a:fontRef idx="minor">
+            <a:schemeClr val="lt1"/>
+          </a:fontRef>
+        </p:style>
+        <p:txBody>
+          <a:bodyPr rtlCol="0" anchor="ctr"/>
+          <a:lstStyle/>
+          <a:p>
+            <a:pPr algn="ctr"/>
+            <a:endParaRPr lang="pt-BR" dirty="0">
+              <a:solidFill>
+                <a:srgbClr val="FF0000"/>
+              </a:solidFill>
+              <a:highlight>
+                <a:srgbClr val="0000FF"/>
+              </a:highlight>
+            </a:endParaRPr>
+          </a:p>
+        </p:txBody>
+      </p:sp>
+      <p:pic>
+        <p:nvPicPr>
+          <p:cNvPr id="30" name="Imagem 29">
+            <a:extLst>
+              <a:ext uri="{FF2B5EF4-FFF2-40B4-BE49-F238E27FC236}">
+                <a16:creationId xmlns:a16="http://schemas.microsoft.com/office/drawing/2014/main" id="{5712D0E8-6897-EB66-8F70-5933631FC46A}"/>
+              </a:ext>
+            </a:extLst>
+          </p:cNvPr>
+          <p:cNvPicPr>
+            <a:picLocks noChangeAspect="1"/>
+          </p:cNvPicPr>
+          <p:nvPr/>
+        </p:nvPicPr>
+        <p:blipFill>
+          <a:blip r:embed="rId5"/>
+          <a:stretch>
+            <a:fillRect/>
+          </a:stretch>
+        </p:blipFill>
+        <p:spPr>
+          <a:xfrm>
+            <a:off x="9081970" y="3197560"/>
+            <a:ext cx="2976970" cy="3121740"/>
+          </a:xfrm>
+          <a:prstGeom prst="rect">
+            <a:avLst/>
+          </a:prstGeom>
+        </p:spPr>
+      </p:pic>
+      <p:sp>
+        <p:nvSpPr>
+          <p:cNvPr id="31" name="Elipse 30">
+            <a:extLst>
+              <a:ext uri="{FF2B5EF4-FFF2-40B4-BE49-F238E27FC236}">
+                <a16:creationId xmlns:a16="http://schemas.microsoft.com/office/drawing/2014/main" id="{0B2101AB-DD43-E740-23FE-AA799D293574}"/>
+              </a:ext>
+            </a:extLst>
+          </p:cNvPr>
+          <p:cNvSpPr/>
+          <p:nvPr/>
+        </p:nvSpPr>
+        <p:spPr>
+          <a:xfrm>
+            <a:off x="10436713" y="3290307"/>
+            <a:ext cx="138784" cy="168372"/>
+          </a:xfrm>
+          <a:prstGeom prst="ellipse">
+            <a:avLst/>
+          </a:prstGeom>
+          <a:solidFill>
+            <a:srgbClr val="00B050"/>
+          </a:solidFill>
+        </p:spPr>
+        <p:style>
+          <a:lnRef idx="2">
+            <a:schemeClr val="accent1">
+              <a:shade val="50000"/>
+            </a:schemeClr>
+          </a:lnRef>
+          <a:fillRef idx="1">
+            <a:schemeClr val="accent1"/>
+          </a:fillRef>
+          <a:effectRef idx="0">
+            <a:schemeClr val="accent1"/>
+          </a:effectRef>
+          <a:fontRef idx="minor">
+            <a:schemeClr val="lt1"/>
+          </a:fontRef>
+        </p:style>
+        <p:txBody>
+          <a:bodyPr rtlCol="0" anchor="ctr"/>
+          <a:lstStyle/>
+          <a:p>
+            <a:pPr algn="ctr"/>
+            <a:endParaRPr lang="pt-BR" dirty="0">
+              <a:solidFill>
+                <a:srgbClr val="FF0000"/>
+              </a:solidFill>
+              <a:highlight>
+                <a:srgbClr val="0000FF"/>
+              </a:highlight>
+            </a:endParaRPr>
+          </a:p>
+        </p:txBody>
+      </p:sp>
+      <p:sp>
+        <p:nvSpPr>
+          <p:cNvPr id="32" name="Elipse 31">
+            <a:extLst>
+              <a:ext uri="{FF2B5EF4-FFF2-40B4-BE49-F238E27FC236}">
+                <a16:creationId xmlns:a16="http://schemas.microsoft.com/office/drawing/2014/main" id="{2FBC9388-EA6B-A10F-850E-267EDFBB7DC0}"/>
+              </a:ext>
+            </a:extLst>
+          </p:cNvPr>
+          <p:cNvSpPr/>
+          <p:nvPr/>
+        </p:nvSpPr>
+        <p:spPr>
+          <a:xfrm>
+            <a:off x="10431671" y="4158803"/>
+            <a:ext cx="138784" cy="168372"/>
+          </a:xfrm>
+          <a:prstGeom prst="ellipse">
+            <a:avLst/>
+          </a:prstGeom>
+          <a:solidFill>
+            <a:schemeClr val="tx1"/>
+          </a:solidFill>
+        </p:spPr>
+        <p:style>
+          <a:lnRef idx="2">
+            <a:schemeClr val="accent1">
+              <a:shade val="50000"/>
+            </a:schemeClr>
+          </a:lnRef>
+          <a:fillRef idx="1">
+            <a:schemeClr val="accent1"/>
+          </a:fillRef>
+          <a:effectRef idx="0">
+            <a:schemeClr val="accent1"/>
+          </a:effectRef>
+          <a:fontRef idx="minor">
+            <a:schemeClr val="lt1"/>
+          </a:fontRef>
+        </p:style>
+        <p:txBody>
+          <a:bodyPr rtlCol="0" anchor="ctr"/>
+          <a:lstStyle/>
+          <a:p>
+            <a:pPr algn="ctr"/>
+            <a:endParaRPr lang="pt-BR" dirty="0">
+              <a:solidFill>
+                <a:srgbClr val="FF0000"/>
+              </a:solidFill>
+              <a:highlight>
+                <a:srgbClr val="0000FF"/>
+              </a:highlight>
+            </a:endParaRPr>
+          </a:p>
+        </p:txBody>
+      </p:sp>
+      <p:sp>
+        <p:nvSpPr>
+          <p:cNvPr id="33" name="Elipse 32">
+            <a:extLst>
+              <a:ext uri="{FF2B5EF4-FFF2-40B4-BE49-F238E27FC236}">
+                <a16:creationId xmlns:a16="http://schemas.microsoft.com/office/drawing/2014/main" id="{AA2C301E-49A8-93B1-83AE-BDF7E92B9880}"/>
+              </a:ext>
+            </a:extLst>
+          </p:cNvPr>
+          <p:cNvSpPr/>
+          <p:nvPr/>
+        </p:nvSpPr>
+        <p:spPr>
+          <a:xfrm>
+            <a:off x="9759195" y="4971600"/>
+            <a:ext cx="138784" cy="168372"/>
+          </a:xfrm>
+          <a:prstGeom prst="ellipse">
+            <a:avLst/>
+          </a:prstGeom>
+          <a:solidFill>
+            <a:srgbClr val="C00000"/>
+          </a:solidFill>
+        </p:spPr>
+        <p:style>
+          <a:lnRef idx="2">
+            <a:schemeClr val="accent1">
+              <a:shade val="50000"/>
+            </a:schemeClr>
+          </a:lnRef>
+          <a:fillRef idx="1">
+            <a:schemeClr val="accent1"/>
+          </a:fillRef>
+          <a:effectRef idx="0">
+            <a:schemeClr val="accent1"/>
+          </a:effectRef>
+          <a:fontRef idx="minor">
+            <a:schemeClr val="lt1"/>
+          </a:fontRef>
+        </p:style>
+        <p:txBody>
+          <a:bodyPr rtlCol="0" anchor="ctr"/>
+          <a:lstStyle/>
+          <a:p>
+            <a:pPr algn="ctr"/>
+            <a:endParaRPr lang="pt-BR" dirty="0">
+              <a:solidFill>
+                <a:srgbClr val="FF0000"/>
+              </a:solidFill>
+              <a:highlight>
+                <a:srgbClr val="0000FF"/>
+              </a:highlight>
+            </a:endParaRPr>
+          </a:p>
+        </p:txBody>
+      </p:sp>
+      <p:sp>
+        <p:nvSpPr>
+          <p:cNvPr id="34" name="Elipse 33">
+            <a:extLst>
+              <a:ext uri="{FF2B5EF4-FFF2-40B4-BE49-F238E27FC236}">
+                <a16:creationId xmlns:a16="http://schemas.microsoft.com/office/drawing/2014/main" id="{800699D7-A1BE-85E1-78FF-6E421530F8E7}"/>
+              </a:ext>
+            </a:extLst>
+          </p:cNvPr>
+          <p:cNvSpPr/>
+          <p:nvPr/>
+        </p:nvSpPr>
+        <p:spPr>
+          <a:xfrm>
+            <a:off x="11109732" y="4971600"/>
+            <a:ext cx="138784" cy="168372"/>
+          </a:xfrm>
+          <a:prstGeom prst="ellipse">
+            <a:avLst/>
+          </a:prstGeom>
+          <a:solidFill>
+            <a:srgbClr val="00B050"/>
+          </a:solidFill>
+        </p:spPr>
+        <p:style>
+          <a:lnRef idx="2">
+            <a:schemeClr val="accent1">
+              <a:shade val="50000"/>
+            </a:schemeClr>
+          </a:lnRef>
+          <a:fillRef idx="1">
+            <a:schemeClr val="accent1"/>
+          </a:fillRef>
+          <a:effectRef idx="0">
+            <a:schemeClr val="accent1"/>
+          </a:effectRef>
+          <a:fontRef idx="minor">
+            <a:schemeClr val="lt1"/>
+          </a:fontRef>
+        </p:style>
+        <p:txBody>
+          <a:bodyPr rtlCol="0" anchor="ctr"/>
+          <a:lstStyle/>
+          <a:p>
+            <a:pPr algn="ctr"/>
+            <a:endParaRPr lang="pt-BR" dirty="0">
+              <a:solidFill>
+                <a:srgbClr val="FF0000"/>
+              </a:solidFill>
+              <a:highlight>
+                <a:srgbClr val="0000FF"/>
+              </a:highlight>
+            </a:endParaRPr>
+          </a:p>
+        </p:txBody>
+      </p:sp>
+      <p:sp>
+        <p:nvSpPr>
+          <p:cNvPr id="35" name="Elipse 34">
+            <a:extLst>
+              <a:ext uri="{FF2B5EF4-FFF2-40B4-BE49-F238E27FC236}">
+                <a16:creationId xmlns:a16="http://schemas.microsoft.com/office/drawing/2014/main" id="{DF44FA71-E4FE-A1DC-CE61-357CD587FC2D}"/>
+              </a:ext>
+            </a:extLst>
+          </p:cNvPr>
+          <p:cNvSpPr/>
+          <p:nvPr/>
+        </p:nvSpPr>
+        <p:spPr>
+          <a:xfrm>
+            <a:off x="10765266" y="5827138"/>
+            <a:ext cx="155592" cy="121204"/>
+          </a:xfrm>
+          <a:prstGeom prst="ellipse">
+            <a:avLst/>
+          </a:prstGeom>
+          <a:solidFill>
+            <a:schemeClr val="tx1"/>
+          </a:solidFill>
+        </p:spPr>
+        <p:style>
+          <a:lnRef idx="2">
+            <a:schemeClr val="accent1">
+              <a:shade val="50000"/>
+            </a:schemeClr>
+          </a:lnRef>
+          <a:fillRef idx="1">
+            <a:schemeClr val="accent1"/>
+          </a:fillRef>
+          <a:effectRef idx="0">
+            <a:schemeClr val="accent1"/>
+          </a:effectRef>
+          <a:fontRef idx="minor">
+            <a:schemeClr val="lt1"/>
+          </a:fontRef>
+        </p:style>
+        <p:txBody>
+          <a:bodyPr rtlCol="0" anchor="ctr"/>
+          <a:lstStyle/>
+          <a:p>
+            <a:pPr algn="ctr"/>
+            <a:endParaRPr lang="pt-BR" dirty="0">
+              <a:solidFill>
+                <a:srgbClr val="FF0000"/>
+              </a:solidFill>
+              <a:highlight>
+                <a:srgbClr val="0000FF"/>
+              </a:highlight>
+            </a:endParaRPr>
+          </a:p>
+        </p:txBody>
+      </p:sp>
+      <p:sp>
+        <p:nvSpPr>
+          <p:cNvPr id="36" name="Elipse 35">
+            <a:extLst>
+              <a:ext uri="{FF2B5EF4-FFF2-40B4-BE49-F238E27FC236}">
+                <a16:creationId xmlns:a16="http://schemas.microsoft.com/office/drawing/2014/main" id="{0FEF2011-D65D-4A3B-A1D2-0D1AFF142C10}"/>
+              </a:ext>
+            </a:extLst>
+          </p:cNvPr>
+          <p:cNvSpPr/>
+          <p:nvPr/>
+        </p:nvSpPr>
+        <p:spPr>
+          <a:xfrm>
+            <a:off x="9952577" y="5827138"/>
+            <a:ext cx="155592" cy="121204"/>
+          </a:xfrm>
+          <a:prstGeom prst="ellipse">
+            <a:avLst/>
+          </a:prstGeom>
+          <a:solidFill>
+            <a:srgbClr val="FF0000"/>
+          </a:solidFill>
+        </p:spPr>
+        <p:style>
+          <a:lnRef idx="2">
+            <a:schemeClr val="accent1">
+              <a:shade val="50000"/>
+            </a:schemeClr>
+          </a:lnRef>
+          <a:fillRef idx="1">
+            <a:schemeClr val="accent1"/>
+          </a:fillRef>
+          <a:effectRef idx="0">
+            <a:schemeClr val="accent1"/>
+          </a:effectRef>
+          <a:fontRef idx="minor">
+            <a:schemeClr val="lt1"/>
+          </a:fontRef>
+        </p:style>
+        <p:txBody>
+          <a:bodyPr rtlCol="0" anchor="ctr"/>
+          <a:lstStyle/>
+          <a:p>
+            <a:pPr algn="ctr"/>
+            <a:endParaRPr lang="pt-BR" dirty="0">
+              <a:solidFill>
+                <a:srgbClr val="FF0000"/>
+              </a:solidFill>
+              <a:highlight>
+                <a:srgbClr val="0000FF"/>
+              </a:highlight>
+            </a:endParaRPr>
+          </a:p>
+        </p:txBody>
+      </p:sp>
+      <p:sp>
+        <p:nvSpPr>
+          <p:cNvPr id="37" name="Elipse 36">
+            <a:extLst>
+              <a:ext uri="{FF2B5EF4-FFF2-40B4-BE49-F238E27FC236}">
+                <a16:creationId xmlns:a16="http://schemas.microsoft.com/office/drawing/2014/main" id="{F61EA347-66C5-4381-289A-B4DF787923CF}"/>
+              </a:ext>
+            </a:extLst>
+          </p:cNvPr>
+          <p:cNvSpPr/>
+          <p:nvPr/>
+        </p:nvSpPr>
+        <p:spPr>
+          <a:xfrm>
+            <a:off x="9441999" y="5833668"/>
+            <a:ext cx="155592" cy="121204"/>
+          </a:xfrm>
+          <a:prstGeom prst="ellipse">
+            <a:avLst/>
+          </a:prstGeom>
+          <a:solidFill>
+            <a:srgbClr val="0070C0"/>
+          </a:solidFill>
+        </p:spPr>
+        <p:style>
+          <a:lnRef idx="2">
+            <a:schemeClr val="accent1">
+              <a:shade val="50000"/>
+            </a:schemeClr>
+          </a:lnRef>
+          <a:fillRef idx="1">
+            <a:schemeClr val="accent1"/>
+          </a:fillRef>
+          <a:effectRef idx="0">
+            <a:schemeClr val="accent1"/>
+          </a:effectRef>
+          <a:fontRef idx="minor">
+            <a:schemeClr val="lt1"/>
+          </a:fontRef>
+        </p:style>
+        <p:txBody>
+          <a:bodyPr rtlCol="0" anchor="ctr"/>
+          <a:lstStyle/>
+          <a:p>
+            <a:pPr algn="ctr"/>
+            <a:endParaRPr lang="pt-BR" dirty="0">
+              <a:solidFill>
+                <a:srgbClr val="FF0000"/>
+              </a:solidFill>
+              <a:highlight>
+                <a:srgbClr val="0000FF"/>
+              </a:highlight>
+            </a:endParaRPr>
+          </a:p>
+        </p:txBody>
+      </p:sp>
+      <p:sp>
+        <p:nvSpPr>
+          <p:cNvPr id="38" name="Elipse 37">
+            <a:extLst>
+              <a:ext uri="{FF2B5EF4-FFF2-40B4-BE49-F238E27FC236}">
+                <a16:creationId xmlns:a16="http://schemas.microsoft.com/office/drawing/2014/main" id="{648C5618-B7BC-E1EC-3B24-B4EF7F40B107}"/>
+              </a:ext>
+            </a:extLst>
+          </p:cNvPr>
+          <p:cNvSpPr/>
+          <p:nvPr/>
+        </p:nvSpPr>
+        <p:spPr>
+          <a:xfrm>
+            <a:off x="11336828" y="5833668"/>
+            <a:ext cx="155592" cy="121204"/>
+          </a:xfrm>
+          <a:prstGeom prst="ellipse">
+            <a:avLst/>
+          </a:prstGeom>
+          <a:solidFill>
+            <a:srgbClr val="FF0000"/>
+          </a:solidFill>
+        </p:spPr>
+        <p:style>
+          <a:lnRef idx="2">
+            <a:schemeClr val="accent1">
+              <a:shade val="50000"/>
+            </a:schemeClr>
+          </a:lnRef>
+          <a:fillRef idx="1">
+            <a:schemeClr val="accent1"/>
+          </a:fillRef>
+          <a:effectRef idx="0">
+            <a:schemeClr val="accent1"/>
+          </a:effectRef>
+          <a:fontRef idx="minor">
+            <a:schemeClr val="lt1"/>
+          </a:fontRef>
+        </p:style>
+        <p:txBody>
+          <a:bodyPr rtlCol="0" anchor="ctr"/>
+          <a:lstStyle/>
+          <a:p>
+            <a:pPr algn="ctr"/>
+            <a:endParaRPr lang="pt-BR" dirty="0">
+              <a:solidFill>
+                <a:srgbClr val="FF0000"/>
+              </a:solidFill>
+              <a:highlight>
+                <a:srgbClr val="0000FF"/>
+              </a:highlight>
+            </a:endParaRPr>
           </a:p>
         </p:txBody>
       </p:sp>
@@ -3677,6 +6449,1353 @@
   <p:clrMapOvr>
     <a:masterClrMapping/>
   </p:clrMapOvr>
+  <p:timing>
+    <p:tnLst>
+      <p:par>
+        <p:cTn id="1" dur="indefinite" restart="never" nodeType="tmRoot">
+          <p:childTnLst>
+            <p:seq concurrent="1" nextAc="seek">
+              <p:cTn id="2" dur="indefinite" nodeType="mainSeq">
+                <p:childTnLst>
+                  <p:par>
+                    <p:cTn id="3" fill="hold">
+                      <p:stCondLst>
+                        <p:cond delay="indefinite"/>
+                      </p:stCondLst>
+                      <p:childTnLst>
+                        <p:par>
+                          <p:cTn id="4" fill="hold">
+                            <p:stCondLst>
+                              <p:cond delay="0"/>
+                            </p:stCondLst>
+                            <p:childTnLst>
+                              <p:par>
+                                <p:cTn id="5" presetID="10" presetClass="entr" presetSubtype="0" fill="hold" grpId="0" nodeType="clickEffect">
+                                  <p:stCondLst>
+                                    <p:cond delay="0"/>
+                                  </p:stCondLst>
+                                  <p:childTnLst>
+                                    <p:set>
+                                      <p:cBhvr>
+                                        <p:cTn id="6" dur="1" fill="hold">
+                                          <p:stCondLst>
+                                            <p:cond delay="0"/>
+                                          </p:stCondLst>
+                                        </p:cTn>
+                                        <p:tgtEl>
+                                          <p:spTgt spid="11"/>
+                                        </p:tgtEl>
+                                        <p:attrNameLst>
+                                          <p:attrName>style.visibility</p:attrName>
+                                        </p:attrNameLst>
+                                      </p:cBhvr>
+                                      <p:to>
+                                        <p:strVal val="visible"/>
+                                      </p:to>
+                                    </p:set>
+                                    <p:animEffect transition="in" filter="fade">
+                                      <p:cBhvr>
+                                        <p:cTn id="7" dur="500"/>
+                                        <p:tgtEl>
+                                          <p:spTgt spid="11"/>
+                                        </p:tgtEl>
+                                      </p:cBhvr>
+                                    </p:animEffect>
+                                  </p:childTnLst>
+                                </p:cTn>
+                              </p:par>
+                            </p:childTnLst>
+                          </p:cTn>
+                        </p:par>
+                      </p:childTnLst>
+                    </p:cTn>
+                  </p:par>
+                  <p:par>
+                    <p:cTn id="8" fill="hold">
+                      <p:stCondLst>
+                        <p:cond delay="indefinite"/>
+                      </p:stCondLst>
+                      <p:childTnLst>
+                        <p:par>
+                          <p:cTn id="9" fill="hold">
+                            <p:stCondLst>
+                              <p:cond delay="0"/>
+                            </p:stCondLst>
+                            <p:childTnLst>
+                              <p:par>
+                                <p:cTn id="10" presetID="10" presetClass="entr" presetSubtype="0" fill="hold" grpId="0" nodeType="clickEffect">
+                                  <p:stCondLst>
+                                    <p:cond delay="0"/>
+                                  </p:stCondLst>
+                                  <p:childTnLst>
+                                    <p:set>
+                                      <p:cBhvr>
+                                        <p:cTn id="11" dur="1" fill="hold">
+                                          <p:stCondLst>
+                                            <p:cond delay="0"/>
+                                          </p:stCondLst>
+                                        </p:cTn>
+                                        <p:tgtEl>
+                                          <p:spTgt spid="15"/>
+                                        </p:tgtEl>
+                                        <p:attrNameLst>
+                                          <p:attrName>style.visibility</p:attrName>
+                                        </p:attrNameLst>
+                                      </p:cBhvr>
+                                      <p:to>
+                                        <p:strVal val="visible"/>
+                                      </p:to>
+                                    </p:set>
+                                    <p:animEffect transition="in" filter="fade">
+                                      <p:cBhvr>
+                                        <p:cTn id="12" dur="500"/>
+                                        <p:tgtEl>
+                                          <p:spTgt spid="15"/>
+                                        </p:tgtEl>
+                                      </p:cBhvr>
+                                    </p:animEffect>
+                                  </p:childTnLst>
+                                </p:cTn>
+                              </p:par>
+                            </p:childTnLst>
+                          </p:cTn>
+                        </p:par>
+                      </p:childTnLst>
+                    </p:cTn>
+                  </p:par>
+                  <p:par>
+                    <p:cTn id="13" fill="hold">
+                      <p:stCondLst>
+                        <p:cond delay="indefinite"/>
+                      </p:stCondLst>
+                      <p:childTnLst>
+                        <p:par>
+                          <p:cTn id="14" fill="hold">
+                            <p:stCondLst>
+                              <p:cond delay="0"/>
+                            </p:stCondLst>
+                            <p:childTnLst>
+                              <p:par>
+                                <p:cTn id="15" presetID="2" presetClass="entr" presetSubtype="4" fill="hold" nodeType="clickEffect">
+                                  <p:stCondLst>
+                                    <p:cond delay="0"/>
+                                  </p:stCondLst>
+                                  <p:childTnLst>
+                                    <p:set>
+                                      <p:cBhvr>
+                                        <p:cTn id="16" dur="1" fill="hold">
+                                          <p:stCondLst>
+                                            <p:cond delay="0"/>
+                                          </p:stCondLst>
+                                        </p:cTn>
+                                        <p:tgtEl>
+                                          <p:spTgt spid="9"/>
+                                        </p:tgtEl>
+                                        <p:attrNameLst>
+                                          <p:attrName>style.visibility</p:attrName>
+                                        </p:attrNameLst>
+                                      </p:cBhvr>
+                                      <p:to>
+                                        <p:strVal val="visible"/>
+                                      </p:to>
+                                    </p:set>
+                                    <p:anim calcmode="lin" valueType="num">
+                                      <p:cBhvr additive="base">
+                                        <p:cTn id="17" dur="500" fill="hold"/>
+                                        <p:tgtEl>
+                                          <p:spTgt spid="9"/>
+                                        </p:tgtEl>
+                                        <p:attrNameLst>
+                                          <p:attrName>ppt_x</p:attrName>
+                                        </p:attrNameLst>
+                                      </p:cBhvr>
+                                      <p:tavLst>
+                                        <p:tav tm="0">
+                                          <p:val>
+                                            <p:strVal val="#ppt_x"/>
+                                          </p:val>
+                                        </p:tav>
+                                        <p:tav tm="100000">
+                                          <p:val>
+                                            <p:strVal val="#ppt_x"/>
+                                          </p:val>
+                                        </p:tav>
+                                      </p:tavLst>
+                                    </p:anim>
+                                    <p:anim calcmode="lin" valueType="num">
+                                      <p:cBhvr additive="base">
+                                        <p:cTn id="18" dur="500" fill="hold"/>
+                                        <p:tgtEl>
+                                          <p:spTgt spid="9"/>
+                                        </p:tgtEl>
+                                        <p:attrNameLst>
+                                          <p:attrName>ppt_y</p:attrName>
+                                        </p:attrNameLst>
+                                      </p:cBhvr>
+                                      <p:tavLst>
+                                        <p:tav tm="0">
+                                          <p:val>
+                                            <p:strVal val="1+#ppt_h/2"/>
+                                          </p:val>
+                                        </p:tav>
+                                        <p:tav tm="100000">
+                                          <p:val>
+                                            <p:strVal val="#ppt_y"/>
+                                          </p:val>
+                                        </p:tav>
+                                      </p:tavLst>
+                                    </p:anim>
+                                  </p:childTnLst>
+                                </p:cTn>
+                              </p:par>
+                            </p:childTnLst>
+                          </p:cTn>
+                        </p:par>
+                      </p:childTnLst>
+                    </p:cTn>
+                  </p:par>
+                  <p:par>
+                    <p:cTn id="19" fill="hold">
+                      <p:stCondLst>
+                        <p:cond delay="indefinite"/>
+                      </p:stCondLst>
+                      <p:childTnLst>
+                        <p:par>
+                          <p:cTn id="20" fill="hold">
+                            <p:stCondLst>
+                              <p:cond delay="0"/>
+                            </p:stCondLst>
+                            <p:childTnLst>
+                              <p:par>
+                                <p:cTn id="21" presetID="10" presetClass="entr" presetSubtype="0" fill="hold" grpId="0" nodeType="clickEffect">
+                                  <p:stCondLst>
+                                    <p:cond delay="0"/>
+                                  </p:stCondLst>
+                                  <p:childTnLst>
+                                    <p:set>
+                                      <p:cBhvr>
+                                        <p:cTn id="22" dur="1" fill="hold">
+                                          <p:stCondLst>
+                                            <p:cond delay="0"/>
+                                          </p:stCondLst>
+                                        </p:cTn>
+                                        <p:tgtEl>
+                                          <p:spTgt spid="27"/>
+                                        </p:tgtEl>
+                                        <p:attrNameLst>
+                                          <p:attrName>style.visibility</p:attrName>
+                                        </p:attrNameLst>
+                                      </p:cBhvr>
+                                      <p:to>
+                                        <p:strVal val="visible"/>
+                                      </p:to>
+                                    </p:set>
+                                    <p:animEffect transition="in" filter="fade">
+                                      <p:cBhvr>
+                                        <p:cTn id="23" dur="500"/>
+                                        <p:tgtEl>
+                                          <p:spTgt spid="27"/>
+                                        </p:tgtEl>
+                                      </p:cBhvr>
+                                    </p:animEffect>
+                                  </p:childTnLst>
+                                </p:cTn>
+                              </p:par>
+                            </p:childTnLst>
+                          </p:cTn>
+                        </p:par>
+                      </p:childTnLst>
+                    </p:cTn>
+                  </p:par>
+                  <p:par>
+                    <p:cTn id="24" fill="hold">
+                      <p:stCondLst>
+                        <p:cond delay="indefinite"/>
+                      </p:stCondLst>
+                      <p:childTnLst>
+                        <p:par>
+                          <p:cTn id="25" fill="hold">
+                            <p:stCondLst>
+                              <p:cond delay="0"/>
+                            </p:stCondLst>
+                            <p:childTnLst>
+                              <p:par>
+                                <p:cTn id="26" presetID="10" presetClass="entr" presetSubtype="0" fill="hold" grpId="0" nodeType="clickEffect">
+                                  <p:stCondLst>
+                                    <p:cond delay="0"/>
+                                  </p:stCondLst>
+                                  <p:childTnLst>
+                                    <p:set>
+                                      <p:cBhvr>
+                                        <p:cTn id="27" dur="1" fill="hold">
+                                          <p:stCondLst>
+                                            <p:cond delay="0"/>
+                                          </p:stCondLst>
+                                        </p:cTn>
+                                        <p:tgtEl>
+                                          <p:spTgt spid="23"/>
+                                        </p:tgtEl>
+                                        <p:attrNameLst>
+                                          <p:attrName>style.visibility</p:attrName>
+                                        </p:attrNameLst>
+                                      </p:cBhvr>
+                                      <p:to>
+                                        <p:strVal val="visible"/>
+                                      </p:to>
+                                    </p:set>
+                                    <p:animEffect transition="in" filter="fade">
+                                      <p:cBhvr>
+                                        <p:cTn id="28" dur="500"/>
+                                        <p:tgtEl>
+                                          <p:spTgt spid="23"/>
+                                        </p:tgtEl>
+                                      </p:cBhvr>
+                                    </p:animEffect>
+                                  </p:childTnLst>
+                                </p:cTn>
+                              </p:par>
+                            </p:childTnLst>
+                          </p:cTn>
+                        </p:par>
+                      </p:childTnLst>
+                    </p:cTn>
+                  </p:par>
+                  <p:par>
+                    <p:cTn id="29" fill="hold">
+                      <p:stCondLst>
+                        <p:cond delay="indefinite"/>
+                      </p:stCondLst>
+                      <p:childTnLst>
+                        <p:par>
+                          <p:cTn id="30" fill="hold">
+                            <p:stCondLst>
+                              <p:cond delay="0"/>
+                            </p:stCondLst>
+                            <p:childTnLst>
+                              <p:par>
+                                <p:cTn id="31" presetID="10" presetClass="entr" presetSubtype="0" fill="hold" grpId="0" nodeType="clickEffect">
+                                  <p:stCondLst>
+                                    <p:cond delay="0"/>
+                                  </p:stCondLst>
+                                  <p:childTnLst>
+                                    <p:set>
+                                      <p:cBhvr>
+                                        <p:cTn id="32" dur="1" fill="hold">
+                                          <p:stCondLst>
+                                            <p:cond delay="0"/>
+                                          </p:stCondLst>
+                                        </p:cTn>
+                                        <p:tgtEl>
+                                          <p:spTgt spid="26"/>
+                                        </p:tgtEl>
+                                        <p:attrNameLst>
+                                          <p:attrName>style.visibility</p:attrName>
+                                        </p:attrNameLst>
+                                      </p:cBhvr>
+                                      <p:to>
+                                        <p:strVal val="visible"/>
+                                      </p:to>
+                                    </p:set>
+                                    <p:animEffect transition="in" filter="fade">
+                                      <p:cBhvr>
+                                        <p:cTn id="33" dur="500"/>
+                                        <p:tgtEl>
+                                          <p:spTgt spid="26"/>
+                                        </p:tgtEl>
+                                      </p:cBhvr>
+                                    </p:animEffect>
+                                  </p:childTnLst>
+                                </p:cTn>
+                              </p:par>
+                            </p:childTnLst>
+                          </p:cTn>
+                        </p:par>
+                      </p:childTnLst>
+                    </p:cTn>
+                  </p:par>
+                  <p:par>
+                    <p:cTn id="34" fill="hold">
+                      <p:stCondLst>
+                        <p:cond delay="indefinite"/>
+                      </p:stCondLst>
+                      <p:childTnLst>
+                        <p:par>
+                          <p:cTn id="35" fill="hold">
+                            <p:stCondLst>
+                              <p:cond delay="0"/>
+                            </p:stCondLst>
+                            <p:childTnLst>
+                              <p:par>
+                                <p:cTn id="36" presetID="10" presetClass="entr" presetSubtype="0" fill="hold" grpId="0" nodeType="clickEffect">
+                                  <p:stCondLst>
+                                    <p:cond delay="0"/>
+                                  </p:stCondLst>
+                                  <p:childTnLst>
+                                    <p:set>
+                                      <p:cBhvr>
+                                        <p:cTn id="37" dur="1" fill="hold">
+                                          <p:stCondLst>
+                                            <p:cond delay="0"/>
+                                          </p:stCondLst>
+                                        </p:cTn>
+                                        <p:tgtEl>
+                                          <p:spTgt spid="28"/>
+                                        </p:tgtEl>
+                                        <p:attrNameLst>
+                                          <p:attrName>style.visibility</p:attrName>
+                                        </p:attrNameLst>
+                                      </p:cBhvr>
+                                      <p:to>
+                                        <p:strVal val="visible"/>
+                                      </p:to>
+                                    </p:set>
+                                    <p:animEffect transition="in" filter="fade">
+                                      <p:cBhvr>
+                                        <p:cTn id="38" dur="500"/>
+                                        <p:tgtEl>
+                                          <p:spTgt spid="28"/>
+                                        </p:tgtEl>
+                                      </p:cBhvr>
+                                    </p:animEffect>
+                                  </p:childTnLst>
+                                </p:cTn>
+                              </p:par>
+                            </p:childTnLst>
+                          </p:cTn>
+                        </p:par>
+                      </p:childTnLst>
+                    </p:cTn>
+                  </p:par>
+                  <p:par>
+                    <p:cTn id="39" fill="hold">
+                      <p:stCondLst>
+                        <p:cond delay="indefinite"/>
+                      </p:stCondLst>
+                      <p:childTnLst>
+                        <p:par>
+                          <p:cTn id="40" fill="hold">
+                            <p:stCondLst>
+                              <p:cond delay="0"/>
+                            </p:stCondLst>
+                            <p:childTnLst>
+                              <p:par>
+                                <p:cTn id="41" presetID="10" presetClass="entr" presetSubtype="0" fill="hold" grpId="0" nodeType="clickEffect">
+                                  <p:stCondLst>
+                                    <p:cond delay="0"/>
+                                  </p:stCondLst>
+                                  <p:childTnLst>
+                                    <p:set>
+                                      <p:cBhvr>
+                                        <p:cTn id="42" dur="1" fill="hold">
+                                          <p:stCondLst>
+                                            <p:cond delay="0"/>
+                                          </p:stCondLst>
+                                        </p:cTn>
+                                        <p:tgtEl>
+                                          <p:spTgt spid="18"/>
+                                        </p:tgtEl>
+                                        <p:attrNameLst>
+                                          <p:attrName>style.visibility</p:attrName>
+                                        </p:attrNameLst>
+                                      </p:cBhvr>
+                                      <p:to>
+                                        <p:strVal val="visible"/>
+                                      </p:to>
+                                    </p:set>
+                                    <p:animEffect transition="in" filter="fade">
+                                      <p:cBhvr>
+                                        <p:cTn id="43" dur="500"/>
+                                        <p:tgtEl>
+                                          <p:spTgt spid="18"/>
+                                        </p:tgtEl>
+                                      </p:cBhvr>
+                                    </p:animEffect>
+                                  </p:childTnLst>
+                                </p:cTn>
+                              </p:par>
+                            </p:childTnLst>
+                          </p:cTn>
+                        </p:par>
+                      </p:childTnLst>
+                    </p:cTn>
+                  </p:par>
+                  <p:par>
+                    <p:cTn id="44" fill="hold">
+                      <p:stCondLst>
+                        <p:cond delay="indefinite"/>
+                      </p:stCondLst>
+                      <p:childTnLst>
+                        <p:par>
+                          <p:cTn id="45" fill="hold">
+                            <p:stCondLst>
+                              <p:cond delay="0"/>
+                            </p:stCondLst>
+                            <p:childTnLst>
+                              <p:par>
+                                <p:cTn id="46" presetID="10" presetClass="entr" presetSubtype="0" fill="hold" grpId="0" nodeType="clickEffect">
+                                  <p:stCondLst>
+                                    <p:cond delay="0"/>
+                                  </p:stCondLst>
+                                  <p:childTnLst>
+                                    <p:set>
+                                      <p:cBhvr>
+                                        <p:cTn id="47" dur="1" fill="hold">
+                                          <p:stCondLst>
+                                            <p:cond delay="0"/>
+                                          </p:stCondLst>
+                                        </p:cTn>
+                                        <p:tgtEl>
+                                          <p:spTgt spid="29"/>
+                                        </p:tgtEl>
+                                        <p:attrNameLst>
+                                          <p:attrName>style.visibility</p:attrName>
+                                        </p:attrNameLst>
+                                      </p:cBhvr>
+                                      <p:to>
+                                        <p:strVal val="visible"/>
+                                      </p:to>
+                                    </p:set>
+                                    <p:animEffect transition="in" filter="fade">
+                                      <p:cBhvr>
+                                        <p:cTn id="48" dur="500"/>
+                                        <p:tgtEl>
+                                          <p:spTgt spid="29"/>
+                                        </p:tgtEl>
+                                      </p:cBhvr>
+                                    </p:animEffect>
+                                  </p:childTnLst>
+                                </p:cTn>
+                              </p:par>
+                            </p:childTnLst>
+                          </p:cTn>
+                        </p:par>
+                      </p:childTnLst>
+                    </p:cTn>
+                  </p:par>
+                  <p:par>
+                    <p:cTn id="49" fill="hold">
+                      <p:stCondLst>
+                        <p:cond delay="indefinite"/>
+                      </p:stCondLst>
+                      <p:childTnLst>
+                        <p:par>
+                          <p:cTn id="50" fill="hold">
+                            <p:stCondLst>
+                              <p:cond delay="0"/>
+                            </p:stCondLst>
+                            <p:childTnLst>
+                              <p:par>
+                                <p:cTn id="51" presetID="10" presetClass="entr" presetSubtype="0" fill="hold" grpId="0" nodeType="clickEffect">
+                                  <p:stCondLst>
+                                    <p:cond delay="0"/>
+                                  </p:stCondLst>
+                                  <p:childTnLst>
+                                    <p:set>
+                                      <p:cBhvr>
+                                        <p:cTn id="52" dur="1" fill="hold">
+                                          <p:stCondLst>
+                                            <p:cond delay="0"/>
+                                          </p:stCondLst>
+                                        </p:cTn>
+                                        <p:tgtEl>
+                                          <p:spTgt spid="25"/>
+                                        </p:tgtEl>
+                                        <p:attrNameLst>
+                                          <p:attrName>style.visibility</p:attrName>
+                                        </p:attrNameLst>
+                                      </p:cBhvr>
+                                      <p:to>
+                                        <p:strVal val="visible"/>
+                                      </p:to>
+                                    </p:set>
+                                    <p:animEffect transition="in" filter="fade">
+                                      <p:cBhvr>
+                                        <p:cTn id="53" dur="500"/>
+                                        <p:tgtEl>
+                                          <p:spTgt spid="25"/>
+                                        </p:tgtEl>
+                                      </p:cBhvr>
+                                    </p:animEffect>
+                                  </p:childTnLst>
+                                </p:cTn>
+                              </p:par>
+                            </p:childTnLst>
+                          </p:cTn>
+                        </p:par>
+                      </p:childTnLst>
+                    </p:cTn>
+                  </p:par>
+                  <p:par>
+                    <p:cTn id="54" fill="hold">
+                      <p:stCondLst>
+                        <p:cond delay="indefinite"/>
+                      </p:stCondLst>
+                      <p:childTnLst>
+                        <p:par>
+                          <p:cTn id="55" fill="hold">
+                            <p:stCondLst>
+                              <p:cond delay="0"/>
+                            </p:stCondLst>
+                            <p:childTnLst>
+                              <p:par>
+                                <p:cTn id="56" presetID="10" presetClass="entr" presetSubtype="0" fill="hold" grpId="0" nodeType="clickEffect">
+                                  <p:stCondLst>
+                                    <p:cond delay="0"/>
+                                  </p:stCondLst>
+                                  <p:childTnLst>
+                                    <p:set>
+                                      <p:cBhvr>
+                                        <p:cTn id="57" dur="1" fill="hold">
+                                          <p:stCondLst>
+                                            <p:cond delay="0"/>
+                                          </p:stCondLst>
+                                        </p:cTn>
+                                        <p:tgtEl>
+                                          <p:spTgt spid="22"/>
+                                        </p:tgtEl>
+                                        <p:attrNameLst>
+                                          <p:attrName>style.visibility</p:attrName>
+                                        </p:attrNameLst>
+                                      </p:cBhvr>
+                                      <p:to>
+                                        <p:strVal val="visible"/>
+                                      </p:to>
+                                    </p:set>
+                                    <p:animEffect transition="in" filter="fade">
+                                      <p:cBhvr>
+                                        <p:cTn id="58" dur="500"/>
+                                        <p:tgtEl>
+                                          <p:spTgt spid="22"/>
+                                        </p:tgtEl>
+                                      </p:cBhvr>
+                                    </p:animEffect>
+                                  </p:childTnLst>
+                                </p:cTn>
+                              </p:par>
+                            </p:childTnLst>
+                          </p:cTn>
+                        </p:par>
+                      </p:childTnLst>
+                    </p:cTn>
+                  </p:par>
+                  <p:par>
+                    <p:cTn id="59" fill="hold">
+                      <p:stCondLst>
+                        <p:cond delay="indefinite"/>
+                      </p:stCondLst>
+                      <p:childTnLst>
+                        <p:par>
+                          <p:cTn id="60" fill="hold">
+                            <p:stCondLst>
+                              <p:cond delay="0"/>
+                            </p:stCondLst>
+                            <p:childTnLst>
+                              <p:par>
+                                <p:cTn id="61" presetID="10" presetClass="entr" presetSubtype="0" fill="hold" grpId="0" nodeType="clickEffect">
+                                  <p:stCondLst>
+                                    <p:cond delay="0"/>
+                                  </p:stCondLst>
+                                  <p:childTnLst>
+                                    <p:set>
+                                      <p:cBhvr>
+                                        <p:cTn id="62" dur="1" fill="hold">
+                                          <p:stCondLst>
+                                            <p:cond delay="0"/>
+                                          </p:stCondLst>
+                                        </p:cTn>
+                                        <p:tgtEl>
+                                          <p:spTgt spid="24"/>
+                                        </p:tgtEl>
+                                        <p:attrNameLst>
+                                          <p:attrName>style.visibility</p:attrName>
+                                        </p:attrNameLst>
+                                      </p:cBhvr>
+                                      <p:to>
+                                        <p:strVal val="visible"/>
+                                      </p:to>
+                                    </p:set>
+                                    <p:animEffect transition="in" filter="fade">
+                                      <p:cBhvr>
+                                        <p:cTn id="63" dur="500"/>
+                                        <p:tgtEl>
+                                          <p:spTgt spid="24"/>
+                                        </p:tgtEl>
+                                      </p:cBhvr>
+                                    </p:animEffect>
+                                  </p:childTnLst>
+                                </p:cTn>
+                              </p:par>
+                            </p:childTnLst>
+                          </p:cTn>
+                        </p:par>
+                      </p:childTnLst>
+                    </p:cTn>
+                  </p:par>
+                  <p:par>
+                    <p:cTn id="64" fill="hold">
+                      <p:stCondLst>
+                        <p:cond delay="indefinite"/>
+                      </p:stCondLst>
+                      <p:childTnLst>
+                        <p:par>
+                          <p:cTn id="65" fill="hold">
+                            <p:stCondLst>
+                              <p:cond delay="0"/>
+                            </p:stCondLst>
+                            <p:childTnLst>
+                              <p:par>
+                                <p:cTn id="66" presetID="10" presetClass="entr" presetSubtype="0" fill="hold" grpId="0" nodeType="clickEffect">
+                                  <p:stCondLst>
+                                    <p:cond delay="0"/>
+                                  </p:stCondLst>
+                                  <p:childTnLst>
+                                    <p:set>
+                                      <p:cBhvr>
+                                        <p:cTn id="67" dur="1" fill="hold">
+                                          <p:stCondLst>
+                                            <p:cond delay="0"/>
+                                          </p:stCondLst>
+                                        </p:cTn>
+                                        <p:tgtEl>
+                                          <p:spTgt spid="13"/>
+                                        </p:tgtEl>
+                                        <p:attrNameLst>
+                                          <p:attrName>style.visibility</p:attrName>
+                                        </p:attrNameLst>
+                                      </p:cBhvr>
+                                      <p:to>
+                                        <p:strVal val="visible"/>
+                                      </p:to>
+                                    </p:set>
+                                    <p:animEffect transition="in" filter="fade">
+                                      <p:cBhvr>
+                                        <p:cTn id="68" dur="500"/>
+                                        <p:tgtEl>
+                                          <p:spTgt spid="13"/>
+                                        </p:tgtEl>
+                                      </p:cBhvr>
+                                    </p:animEffect>
+                                  </p:childTnLst>
+                                </p:cTn>
+                              </p:par>
+                            </p:childTnLst>
+                          </p:cTn>
+                        </p:par>
+                      </p:childTnLst>
+                    </p:cTn>
+                  </p:par>
+                  <p:par>
+                    <p:cTn id="69" fill="hold">
+                      <p:stCondLst>
+                        <p:cond delay="indefinite"/>
+                      </p:stCondLst>
+                      <p:childTnLst>
+                        <p:par>
+                          <p:cTn id="70" fill="hold">
+                            <p:stCondLst>
+                              <p:cond delay="0"/>
+                            </p:stCondLst>
+                            <p:childTnLst>
+                              <p:par>
+                                <p:cTn id="71" presetID="10" presetClass="entr" presetSubtype="0" fill="hold" nodeType="clickEffect">
+                                  <p:stCondLst>
+                                    <p:cond delay="0"/>
+                                  </p:stCondLst>
+                                  <p:childTnLst>
+                                    <p:set>
+                                      <p:cBhvr>
+                                        <p:cTn id="72" dur="1" fill="hold">
+                                          <p:stCondLst>
+                                            <p:cond delay="0"/>
+                                          </p:stCondLst>
+                                        </p:cTn>
+                                        <p:tgtEl>
+                                          <p:spTgt spid="3"/>
+                                        </p:tgtEl>
+                                        <p:attrNameLst>
+                                          <p:attrName>style.visibility</p:attrName>
+                                        </p:attrNameLst>
+                                      </p:cBhvr>
+                                      <p:to>
+                                        <p:strVal val="visible"/>
+                                      </p:to>
+                                    </p:set>
+                                    <p:animEffect transition="in" filter="fade">
+                                      <p:cBhvr>
+                                        <p:cTn id="73" dur="500"/>
+                                        <p:tgtEl>
+                                          <p:spTgt spid="3"/>
+                                        </p:tgtEl>
+                                      </p:cBhvr>
+                                    </p:animEffect>
+                                  </p:childTnLst>
+                                </p:cTn>
+                              </p:par>
+                            </p:childTnLst>
+                          </p:cTn>
+                        </p:par>
+                      </p:childTnLst>
+                    </p:cTn>
+                  </p:par>
+                  <p:par>
+                    <p:cTn id="74" fill="hold">
+                      <p:stCondLst>
+                        <p:cond delay="indefinite"/>
+                      </p:stCondLst>
+                      <p:childTnLst>
+                        <p:par>
+                          <p:cTn id="75" fill="hold">
+                            <p:stCondLst>
+                              <p:cond delay="0"/>
+                            </p:stCondLst>
+                            <p:childTnLst>
+                              <p:par>
+                                <p:cTn id="76" presetID="2" presetClass="entr" presetSubtype="4" fill="hold" nodeType="clickEffect">
+                                  <p:stCondLst>
+                                    <p:cond delay="0"/>
+                                  </p:stCondLst>
+                                  <p:childTnLst>
+                                    <p:set>
+                                      <p:cBhvr>
+                                        <p:cTn id="77" dur="1" fill="hold">
+                                          <p:stCondLst>
+                                            <p:cond delay="0"/>
+                                          </p:stCondLst>
+                                        </p:cTn>
+                                        <p:tgtEl>
+                                          <p:spTgt spid="30"/>
+                                        </p:tgtEl>
+                                        <p:attrNameLst>
+                                          <p:attrName>style.visibility</p:attrName>
+                                        </p:attrNameLst>
+                                      </p:cBhvr>
+                                      <p:to>
+                                        <p:strVal val="visible"/>
+                                      </p:to>
+                                    </p:set>
+                                    <p:anim calcmode="lin" valueType="num">
+                                      <p:cBhvr additive="base">
+                                        <p:cTn id="78" dur="500" fill="hold"/>
+                                        <p:tgtEl>
+                                          <p:spTgt spid="30"/>
+                                        </p:tgtEl>
+                                        <p:attrNameLst>
+                                          <p:attrName>ppt_x</p:attrName>
+                                        </p:attrNameLst>
+                                      </p:cBhvr>
+                                      <p:tavLst>
+                                        <p:tav tm="0">
+                                          <p:val>
+                                            <p:strVal val="#ppt_x"/>
+                                          </p:val>
+                                        </p:tav>
+                                        <p:tav tm="100000">
+                                          <p:val>
+                                            <p:strVal val="#ppt_x"/>
+                                          </p:val>
+                                        </p:tav>
+                                      </p:tavLst>
+                                    </p:anim>
+                                    <p:anim calcmode="lin" valueType="num">
+                                      <p:cBhvr additive="base">
+                                        <p:cTn id="79" dur="500" fill="hold"/>
+                                        <p:tgtEl>
+                                          <p:spTgt spid="30"/>
+                                        </p:tgtEl>
+                                        <p:attrNameLst>
+                                          <p:attrName>ppt_y</p:attrName>
+                                        </p:attrNameLst>
+                                      </p:cBhvr>
+                                      <p:tavLst>
+                                        <p:tav tm="0">
+                                          <p:val>
+                                            <p:strVal val="1+#ppt_h/2"/>
+                                          </p:val>
+                                        </p:tav>
+                                        <p:tav tm="100000">
+                                          <p:val>
+                                            <p:strVal val="#ppt_y"/>
+                                          </p:val>
+                                        </p:tav>
+                                      </p:tavLst>
+                                    </p:anim>
+                                  </p:childTnLst>
+                                </p:cTn>
+                              </p:par>
+                            </p:childTnLst>
+                          </p:cTn>
+                        </p:par>
+                      </p:childTnLst>
+                    </p:cTn>
+                  </p:par>
+                  <p:par>
+                    <p:cTn id="80" fill="hold">
+                      <p:stCondLst>
+                        <p:cond delay="indefinite"/>
+                      </p:stCondLst>
+                      <p:childTnLst>
+                        <p:par>
+                          <p:cTn id="81" fill="hold">
+                            <p:stCondLst>
+                              <p:cond delay="0"/>
+                            </p:stCondLst>
+                            <p:childTnLst>
+                              <p:par>
+                                <p:cTn id="82" presetID="10" presetClass="entr" presetSubtype="0" fill="hold" grpId="0" nodeType="clickEffect">
+                                  <p:stCondLst>
+                                    <p:cond delay="0"/>
+                                  </p:stCondLst>
+                                  <p:childTnLst>
+                                    <p:set>
+                                      <p:cBhvr>
+                                        <p:cTn id="83" dur="1" fill="hold">
+                                          <p:stCondLst>
+                                            <p:cond delay="0"/>
+                                          </p:stCondLst>
+                                        </p:cTn>
+                                        <p:tgtEl>
+                                          <p:spTgt spid="31"/>
+                                        </p:tgtEl>
+                                        <p:attrNameLst>
+                                          <p:attrName>style.visibility</p:attrName>
+                                        </p:attrNameLst>
+                                      </p:cBhvr>
+                                      <p:to>
+                                        <p:strVal val="visible"/>
+                                      </p:to>
+                                    </p:set>
+                                    <p:animEffect transition="in" filter="fade">
+                                      <p:cBhvr>
+                                        <p:cTn id="84" dur="500"/>
+                                        <p:tgtEl>
+                                          <p:spTgt spid="31"/>
+                                        </p:tgtEl>
+                                      </p:cBhvr>
+                                    </p:animEffect>
+                                  </p:childTnLst>
+                                </p:cTn>
+                              </p:par>
+                            </p:childTnLst>
+                          </p:cTn>
+                        </p:par>
+                      </p:childTnLst>
+                    </p:cTn>
+                  </p:par>
+                  <p:par>
+                    <p:cTn id="85" fill="hold">
+                      <p:stCondLst>
+                        <p:cond delay="indefinite"/>
+                      </p:stCondLst>
+                      <p:childTnLst>
+                        <p:par>
+                          <p:cTn id="86" fill="hold">
+                            <p:stCondLst>
+                              <p:cond delay="0"/>
+                            </p:stCondLst>
+                            <p:childTnLst>
+                              <p:par>
+                                <p:cTn id="87" presetID="10" presetClass="entr" presetSubtype="0" fill="hold" grpId="0" nodeType="clickEffect">
+                                  <p:stCondLst>
+                                    <p:cond delay="0"/>
+                                  </p:stCondLst>
+                                  <p:childTnLst>
+                                    <p:set>
+                                      <p:cBhvr>
+                                        <p:cTn id="88" dur="1" fill="hold">
+                                          <p:stCondLst>
+                                            <p:cond delay="0"/>
+                                          </p:stCondLst>
+                                        </p:cTn>
+                                        <p:tgtEl>
+                                          <p:spTgt spid="32"/>
+                                        </p:tgtEl>
+                                        <p:attrNameLst>
+                                          <p:attrName>style.visibility</p:attrName>
+                                        </p:attrNameLst>
+                                      </p:cBhvr>
+                                      <p:to>
+                                        <p:strVal val="visible"/>
+                                      </p:to>
+                                    </p:set>
+                                    <p:animEffect transition="in" filter="fade">
+                                      <p:cBhvr>
+                                        <p:cTn id="89" dur="500"/>
+                                        <p:tgtEl>
+                                          <p:spTgt spid="32"/>
+                                        </p:tgtEl>
+                                      </p:cBhvr>
+                                    </p:animEffect>
+                                  </p:childTnLst>
+                                </p:cTn>
+                              </p:par>
+                            </p:childTnLst>
+                          </p:cTn>
+                        </p:par>
+                      </p:childTnLst>
+                    </p:cTn>
+                  </p:par>
+                  <p:par>
+                    <p:cTn id="90" fill="hold">
+                      <p:stCondLst>
+                        <p:cond delay="indefinite"/>
+                      </p:stCondLst>
+                      <p:childTnLst>
+                        <p:par>
+                          <p:cTn id="91" fill="hold">
+                            <p:stCondLst>
+                              <p:cond delay="0"/>
+                            </p:stCondLst>
+                            <p:childTnLst>
+                              <p:par>
+                                <p:cTn id="92" presetID="10" presetClass="entr" presetSubtype="0" fill="hold" grpId="0" nodeType="clickEffect">
+                                  <p:stCondLst>
+                                    <p:cond delay="0"/>
+                                  </p:stCondLst>
+                                  <p:childTnLst>
+                                    <p:set>
+                                      <p:cBhvr>
+                                        <p:cTn id="93" dur="1" fill="hold">
+                                          <p:stCondLst>
+                                            <p:cond delay="0"/>
+                                          </p:stCondLst>
+                                        </p:cTn>
+                                        <p:tgtEl>
+                                          <p:spTgt spid="33"/>
+                                        </p:tgtEl>
+                                        <p:attrNameLst>
+                                          <p:attrName>style.visibility</p:attrName>
+                                        </p:attrNameLst>
+                                      </p:cBhvr>
+                                      <p:to>
+                                        <p:strVal val="visible"/>
+                                      </p:to>
+                                    </p:set>
+                                    <p:animEffect transition="in" filter="fade">
+                                      <p:cBhvr>
+                                        <p:cTn id="94" dur="500"/>
+                                        <p:tgtEl>
+                                          <p:spTgt spid="33"/>
+                                        </p:tgtEl>
+                                      </p:cBhvr>
+                                    </p:animEffect>
+                                  </p:childTnLst>
+                                </p:cTn>
+                              </p:par>
+                            </p:childTnLst>
+                          </p:cTn>
+                        </p:par>
+                      </p:childTnLst>
+                    </p:cTn>
+                  </p:par>
+                  <p:par>
+                    <p:cTn id="95" fill="hold">
+                      <p:stCondLst>
+                        <p:cond delay="indefinite"/>
+                      </p:stCondLst>
+                      <p:childTnLst>
+                        <p:par>
+                          <p:cTn id="96" fill="hold">
+                            <p:stCondLst>
+                              <p:cond delay="0"/>
+                            </p:stCondLst>
+                            <p:childTnLst>
+                              <p:par>
+                                <p:cTn id="97" presetID="10" presetClass="entr" presetSubtype="0" fill="hold" grpId="0" nodeType="clickEffect">
+                                  <p:stCondLst>
+                                    <p:cond delay="0"/>
+                                  </p:stCondLst>
+                                  <p:childTnLst>
+                                    <p:set>
+                                      <p:cBhvr>
+                                        <p:cTn id="98" dur="1" fill="hold">
+                                          <p:stCondLst>
+                                            <p:cond delay="0"/>
+                                          </p:stCondLst>
+                                        </p:cTn>
+                                        <p:tgtEl>
+                                          <p:spTgt spid="34"/>
+                                        </p:tgtEl>
+                                        <p:attrNameLst>
+                                          <p:attrName>style.visibility</p:attrName>
+                                        </p:attrNameLst>
+                                      </p:cBhvr>
+                                      <p:to>
+                                        <p:strVal val="visible"/>
+                                      </p:to>
+                                    </p:set>
+                                    <p:animEffect transition="in" filter="fade">
+                                      <p:cBhvr>
+                                        <p:cTn id="99" dur="500"/>
+                                        <p:tgtEl>
+                                          <p:spTgt spid="34"/>
+                                        </p:tgtEl>
+                                      </p:cBhvr>
+                                    </p:animEffect>
+                                  </p:childTnLst>
+                                </p:cTn>
+                              </p:par>
+                            </p:childTnLst>
+                          </p:cTn>
+                        </p:par>
+                      </p:childTnLst>
+                    </p:cTn>
+                  </p:par>
+                  <p:par>
+                    <p:cTn id="100" fill="hold">
+                      <p:stCondLst>
+                        <p:cond delay="indefinite"/>
+                      </p:stCondLst>
+                      <p:childTnLst>
+                        <p:par>
+                          <p:cTn id="101" fill="hold">
+                            <p:stCondLst>
+                              <p:cond delay="0"/>
+                            </p:stCondLst>
+                            <p:childTnLst>
+                              <p:par>
+                                <p:cTn id="102" presetID="10" presetClass="entr" presetSubtype="0" fill="hold" grpId="0" nodeType="clickEffect">
+                                  <p:stCondLst>
+                                    <p:cond delay="0"/>
+                                  </p:stCondLst>
+                                  <p:childTnLst>
+                                    <p:set>
+                                      <p:cBhvr>
+                                        <p:cTn id="103" dur="1" fill="hold">
+                                          <p:stCondLst>
+                                            <p:cond delay="0"/>
+                                          </p:stCondLst>
+                                        </p:cTn>
+                                        <p:tgtEl>
+                                          <p:spTgt spid="37"/>
+                                        </p:tgtEl>
+                                        <p:attrNameLst>
+                                          <p:attrName>style.visibility</p:attrName>
+                                        </p:attrNameLst>
+                                      </p:cBhvr>
+                                      <p:to>
+                                        <p:strVal val="visible"/>
+                                      </p:to>
+                                    </p:set>
+                                    <p:animEffect transition="in" filter="fade">
+                                      <p:cBhvr>
+                                        <p:cTn id="104" dur="500"/>
+                                        <p:tgtEl>
+                                          <p:spTgt spid="37"/>
+                                        </p:tgtEl>
+                                      </p:cBhvr>
+                                    </p:animEffect>
+                                  </p:childTnLst>
+                                </p:cTn>
+                              </p:par>
+                            </p:childTnLst>
+                          </p:cTn>
+                        </p:par>
+                      </p:childTnLst>
+                    </p:cTn>
+                  </p:par>
+                  <p:par>
+                    <p:cTn id="105" fill="hold">
+                      <p:stCondLst>
+                        <p:cond delay="indefinite"/>
+                      </p:stCondLst>
+                      <p:childTnLst>
+                        <p:par>
+                          <p:cTn id="106" fill="hold">
+                            <p:stCondLst>
+                              <p:cond delay="0"/>
+                            </p:stCondLst>
+                            <p:childTnLst>
+                              <p:par>
+                                <p:cTn id="107" presetID="10" presetClass="entr" presetSubtype="0" fill="hold" grpId="0" nodeType="clickEffect">
+                                  <p:stCondLst>
+                                    <p:cond delay="0"/>
+                                  </p:stCondLst>
+                                  <p:childTnLst>
+                                    <p:set>
+                                      <p:cBhvr>
+                                        <p:cTn id="108" dur="1" fill="hold">
+                                          <p:stCondLst>
+                                            <p:cond delay="0"/>
+                                          </p:stCondLst>
+                                        </p:cTn>
+                                        <p:tgtEl>
+                                          <p:spTgt spid="36"/>
+                                        </p:tgtEl>
+                                        <p:attrNameLst>
+                                          <p:attrName>style.visibility</p:attrName>
+                                        </p:attrNameLst>
+                                      </p:cBhvr>
+                                      <p:to>
+                                        <p:strVal val="visible"/>
+                                      </p:to>
+                                    </p:set>
+                                    <p:animEffect transition="in" filter="fade">
+                                      <p:cBhvr>
+                                        <p:cTn id="109" dur="500"/>
+                                        <p:tgtEl>
+                                          <p:spTgt spid="36"/>
+                                        </p:tgtEl>
+                                      </p:cBhvr>
+                                    </p:animEffect>
+                                  </p:childTnLst>
+                                </p:cTn>
+                              </p:par>
+                            </p:childTnLst>
+                          </p:cTn>
+                        </p:par>
+                      </p:childTnLst>
+                    </p:cTn>
+                  </p:par>
+                  <p:par>
+                    <p:cTn id="110" fill="hold">
+                      <p:stCondLst>
+                        <p:cond delay="indefinite"/>
+                      </p:stCondLst>
+                      <p:childTnLst>
+                        <p:par>
+                          <p:cTn id="111" fill="hold">
+                            <p:stCondLst>
+                              <p:cond delay="0"/>
+                            </p:stCondLst>
+                            <p:childTnLst>
+                              <p:par>
+                                <p:cTn id="112" presetID="10" presetClass="entr" presetSubtype="0" fill="hold" grpId="0" nodeType="clickEffect">
+                                  <p:stCondLst>
+                                    <p:cond delay="0"/>
+                                  </p:stCondLst>
+                                  <p:childTnLst>
+                                    <p:set>
+                                      <p:cBhvr>
+                                        <p:cTn id="113" dur="1" fill="hold">
+                                          <p:stCondLst>
+                                            <p:cond delay="0"/>
+                                          </p:stCondLst>
+                                        </p:cTn>
+                                        <p:tgtEl>
+                                          <p:spTgt spid="35"/>
+                                        </p:tgtEl>
+                                        <p:attrNameLst>
+                                          <p:attrName>style.visibility</p:attrName>
+                                        </p:attrNameLst>
+                                      </p:cBhvr>
+                                      <p:to>
+                                        <p:strVal val="visible"/>
+                                      </p:to>
+                                    </p:set>
+                                    <p:animEffect transition="in" filter="fade">
+                                      <p:cBhvr>
+                                        <p:cTn id="114" dur="500"/>
+                                        <p:tgtEl>
+                                          <p:spTgt spid="35"/>
+                                        </p:tgtEl>
+                                      </p:cBhvr>
+                                    </p:animEffect>
+                                  </p:childTnLst>
+                                </p:cTn>
+                              </p:par>
+                            </p:childTnLst>
+                          </p:cTn>
+                        </p:par>
+                      </p:childTnLst>
+                    </p:cTn>
+                  </p:par>
+                  <p:par>
+                    <p:cTn id="115" fill="hold">
+                      <p:stCondLst>
+                        <p:cond delay="indefinite"/>
+                      </p:stCondLst>
+                      <p:childTnLst>
+                        <p:par>
+                          <p:cTn id="116" fill="hold">
+                            <p:stCondLst>
+                              <p:cond delay="0"/>
+                            </p:stCondLst>
+                            <p:childTnLst>
+                              <p:par>
+                                <p:cTn id="117" presetID="10" presetClass="entr" presetSubtype="0" fill="hold" grpId="0" nodeType="clickEffect">
+                                  <p:stCondLst>
+                                    <p:cond delay="0"/>
+                                  </p:stCondLst>
+                                  <p:childTnLst>
+                                    <p:set>
+                                      <p:cBhvr>
+                                        <p:cTn id="118" dur="1" fill="hold">
+                                          <p:stCondLst>
+                                            <p:cond delay="0"/>
+                                          </p:stCondLst>
+                                        </p:cTn>
+                                        <p:tgtEl>
+                                          <p:spTgt spid="38"/>
+                                        </p:tgtEl>
+                                        <p:attrNameLst>
+                                          <p:attrName>style.visibility</p:attrName>
+                                        </p:attrNameLst>
+                                      </p:cBhvr>
+                                      <p:to>
+                                        <p:strVal val="visible"/>
+                                      </p:to>
+                                    </p:set>
+                                    <p:animEffect transition="in" filter="fade">
+                                      <p:cBhvr>
+                                        <p:cTn id="119" dur="500"/>
+                                        <p:tgtEl>
+                                          <p:spTgt spid="38"/>
+                                        </p:tgtEl>
+                                      </p:cBhvr>
+                                    </p:animEffect>
+                                  </p:childTnLst>
+                                </p:cTn>
+                              </p:par>
+                            </p:childTnLst>
+                          </p:cTn>
+                        </p:par>
+                      </p:childTnLst>
+                    </p:cTn>
+                  </p:par>
+                </p:childTnLst>
+              </p:cTn>
+              <p:prevCondLst>
+                <p:cond evt="onPrev" delay="0">
+                  <p:tgtEl>
+                    <p:sldTgt/>
+                  </p:tgtEl>
+                </p:cond>
+              </p:prevCondLst>
+              <p:nextCondLst>
+                <p:cond evt="onNext" delay="0">
+                  <p:tgtEl>
+                    <p:sldTgt/>
+                  </p:tgtEl>
+                </p:cond>
+              </p:nextCondLst>
+            </p:seq>
+          </p:childTnLst>
+        </p:cTn>
+      </p:par>
+    </p:tnLst>
+    <p:bldLst>
+      <p:bldP spid="11" grpId="0"/>
+      <p:bldP spid="13" grpId="0"/>
+      <p:bldP spid="15" grpId="0"/>
+      <p:bldP spid="18" grpId="0" animBg="1"/>
+      <p:bldP spid="22" grpId="0" animBg="1"/>
+      <p:bldP spid="23" grpId="0" animBg="1"/>
+      <p:bldP spid="24" grpId="0" animBg="1"/>
+      <p:bldP spid="25" grpId="0" animBg="1"/>
+      <p:bldP spid="26" grpId="0" animBg="1"/>
+      <p:bldP spid="27" grpId="0" animBg="1"/>
+      <p:bldP spid="28" grpId="0" animBg="1"/>
+      <p:bldP spid="29" grpId="0" animBg="1"/>
+      <p:bldP spid="31" grpId="0" animBg="1"/>
+      <p:bldP spid="32" grpId="0" animBg="1"/>
+      <p:bldP spid="33" grpId="0" animBg="1"/>
+      <p:bldP spid="34" grpId="0" animBg="1"/>
+      <p:bldP spid="35" grpId="0" animBg="1"/>
+      <p:bldP spid="36" grpId="0" animBg="1"/>
+      <p:bldP spid="37" grpId="0" animBg="1"/>
+      <p:bldP spid="38" grpId="0" animBg="1"/>
+    </p:bldLst>
+  </p:timing>
 </p:sld>
 </file>
 
@@ -3801,7 +7920,7 @@
         </p:nvSpPr>
         <p:spPr>
           <a:xfrm>
-            <a:off x="4691271" y="222087"/>
+            <a:off x="3998813" y="222087"/>
             <a:ext cx="4945711" cy="646331"/>
           </a:xfrm>
           <a:prstGeom prst="rect">
@@ -3821,7 +7940,7 @@
                   <a:schemeClr val="bg1"/>
                 </a:solidFill>
               </a:rPr>
-              <a:t>Examples</a:t>
+              <a:t>JavaScript</a:t>
             </a:r>
             <a:r>
               <a:rPr lang="pt-BR" sz="3600" b="1" dirty="0">
@@ -3829,11 +7948,820 @@
                   <a:schemeClr val="bg1"/>
                 </a:solidFill>
               </a:rPr>
-              <a:t>:</a:t>
+              <a:t> </a:t>
+            </a:r>
+            <a:r>
+              <a:rPr lang="pt-BR" sz="3600" b="1" dirty="0" err="1">
+                <a:solidFill>
+                  <a:schemeClr val="bg1"/>
+                </a:solidFill>
+              </a:rPr>
+              <a:t>and</a:t>
+            </a:r>
+            <a:r>
+              <a:rPr lang="pt-BR" sz="3600" b="1" dirty="0">
+                <a:solidFill>
+                  <a:schemeClr val="bg1"/>
+                </a:solidFill>
+              </a:rPr>
+              <a:t> DOM</a:t>
             </a:r>
           </a:p>
         </p:txBody>
       </p:sp>
+      <p:sp>
+        <p:nvSpPr>
+          <p:cNvPr id="2" name="CaixaDeTexto 1">
+            <a:extLst>
+              <a:ext uri="{FF2B5EF4-FFF2-40B4-BE49-F238E27FC236}">
+                <a16:creationId xmlns:a16="http://schemas.microsoft.com/office/drawing/2014/main" id="{41F87C94-920F-95ED-E86A-47E3D4C43D0A}"/>
+              </a:ext>
+            </a:extLst>
+          </p:cNvPr>
+          <p:cNvSpPr txBox="1"/>
+          <p:nvPr/>
+        </p:nvSpPr>
+        <p:spPr>
+          <a:xfrm>
+            <a:off x="461638" y="3254531"/>
+            <a:ext cx="4731799" cy="400110"/>
+          </a:xfrm>
+          <a:prstGeom prst="rect">
+            <a:avLst/>
+          </a:prstGeom>
+          <a:noFill/>
+        </p:spPr>
+        <p:txBody>
+          <a:bodyPr wrap="square" rtlCol="0">
+            <a:spAutoFit/>
+          </a:bodyPr>
+          <a:lstStyle/>
+          <a:p>
+            <a:r>
+              <a:rPr lang="en-US" sz="2000" b="1" dirty="0"/>
+              <a:t>is DOM and JavaScript the same thing?</a:t>
+            </a:r>
+            <a:endParaRPr lang="pt-BR" sz="2000" b="1" dirty="0"/>
+          </a:p>
+        </p:txBody>
+      </p:sp>
+      <p:sp>
+        <p:nvSpPr>
+          <p:cNvPr id="7" name="CaixaDeTexto 6">
+            <a:extLst>
+              <a:ext uri="{FF2B5EF4-FFF2-40B4-BE49-F238E27FC236}">
+                <a16:creationId xmlns:a16="http://schemas.microsoft.com/office/drawing/2014/main" id="{784A0B93-B702-6618-AB27-55EE1FA80E9D}"/>
+              </a:ext>
+            </a:extLst>
+          </p:cNvPr>
+          <p:cNvSpPr txBox="1"/>
+          <p:nvPr/>
+        </p:nvSpPr>
+        <p:spPr>
+          <a:xfrm>
+            <a:off x="461638" y="3689163"/>
+            <a:ext cx="5184560" cy="1754326"/>
+          </a:xfrm>
+          <a:prstGeom prst="rect">
+            <a:avLst/>
+          </a:prstGeom>
+          <a:noFill/>
+        </p:spPr>
+        <p:txBody>
+          <a:bodyPr wrap="square">
+            <a:spAutoFit/>
+          </a:bodyPr>
+          <a:lstStyle/>
+          <a:p>
+            <a:r>
+              <a:rPr lang="pt-BR" dirty="0" err="1"/>
+              <a:t>Though</a:t>
+            </a:r>
+            <a:r>
+              <a:rPr lang="pt-BR" dirty="0"/>
+              <a:t> </a:t>
+            </a:r>
+            <a:r>
+              <a:rPr lang="pt-BR" dirty="0" err="1"/>
+              <a:t>JavaScript</a:t>
+            </a:r>
+            <a:r>
+              <a:rPr lang="pt-BR" dirty="0"/>
+              <a:t> </a:t>
+            </a:r>
+            <a:r>
+              <a:rPr lang="pt-BR" dirty="0" err="1"/>
+              <a:t>is</a:t>
+            </a:r>
+            <a:r>
+              <a:rPr lang="pt-BR" dirty="0"/>
+              <a:t> </a:t>
+            </a:r>
+            <a:r>
+              <a:rPr lang="pt-BR" dirty="0" err="1"/>
+              <a:t>the</a:t>
+            </a:r>
+            <a:r>
+              <a:rPr lang="pt-BR" dirty="0"/>
+              <a:t> </a:t>
+            </a:r>
+            <a:r>
+              <a:rPr lang="pt-BR" dirty="0" err="1"/>
+              <a:t>language</a:t>
+            </a:r>
+            <a:r>
+              <a:rPr lang="pt-BR" dirty="0"/>
+              <a:t> </a:t>
+            </a:r>
+            <a:r>
+              <a:rPr lang="pt-BR" dirty="0" err="1"/>
+              <a:t>that</a:t>
+            </a:r>
+            <a:r>
+              <a:rPr lang="pt-BR" dirty="0"/>
+              <a:t> uses </a:t>
+            </a:r>
+            <a:r>
+              <a:rPr lang="pt-BR" dirty="0" err="1"/>
+              <a:t>and</a:t>
+            </a:r>
+            <a:r>
+              <a:rPr lang="pt-BR" dirty="0"/>
+              <a:t> </a:t>
+            </a:r>
+            <a:r>
+              <a:rPr lang="pt-BR" dirty="0" err="1"/>
+              <a:t>manipulate</a:t>
+            </a:r>
+            <a:r>
+              <a:rPr lang="pt-BR" dirty="0"/>
+              <a:t> DOM </a:t>
+            </a:r>
+            <a:r>
+              <a:rPr lang="pt-BR" dirty="0" err="1"/>
+              <a:t>most</a:t>
+            </a:r>
+            <a:r>
+              <a:rPr lang="pt-BR" dirty="0"/>
+              <a:t>, </a:t>
+            </a:r>
+            <a:r>
+              <a:rPr lang="pt-BR" b="1" dirty="0" err="1"/>
+              <a:t>they</a:t>
+            </a:r>
+            <a:r>
+              <a:rPr lang="pt-BR" b="1" dirty="0"/>
+              <a:t> are </a:t>
+            </a:r>
+            <a:r>
+              <a:rPr lang="pt-BR" b="1" dirty="0" err="1"/>
+              <a:t>not</a:t>
+            </a:r>
+            <a:r>
+              <a:rPr lang="pt-BR" b="1" dirty="0"/>
+              <a:t> </a:t>
+            </a:r>
+            <a:r>
+              <a:rPr lang="pt-BR" b="1" dirty="0" err="1"/>
+              <a:t>the</a:t>
+            </a:r>
+            <a:r>
+              <a:rPr lang="pt-BR" b="1" dirty="0"/>
+              <a:t> </a:t>
+            </a:r>
+            <a:r>
+              <a:rPr lang="pt-BR" b="1" dirty="0" err="1"/>
+              <a:t>same</a:t>
+            </a:r>
+            <a:r>
+              <a:rPr lang="pt-BR" b="1" dirty="0"/>
+              <a:t>. </a:t>
+            </a:r>
+            <a:r>
+              <a:rPr lang="pt-BR" b="1" dirty="0" err="1"/>
+              <a:t>JavaScript</a:t>
+            </a:r>
+            <a:r>
+              <a:rPr lang="pt-BR" b="1" dirty="0"/>
+              <a:t> </a:t>
+            </a:r>
+            <a:r>
+              <a:rPr lang="pt-BR" b="1" dirty="0" err="1"/>
+              <a:t>is</a:t>
+            </a:r>
+            <a:r>
+              <a:rPr lang="pt-BR" b="1" dirty="0"/>
+              <a:t> a </a:t>
+            </a:r>
+            <a:r>
+              <a:rPr lang="pt-BR" b="1" dirty="0" err="1"/>
+              <a:t>programming</a:t>
+            </a:r>
+            <a:r>
+              <a:rPr lang="pt-BR" b="1" dirty="0"/>
+              <a:t> </a:t>
+            </a:r>
+            <a:r>
+              <a:rPr lang="pt-BR" b="1" dirty="0" err="1"/>
+              <a:t>language</a:t>
+            </a:r>
+            <a:r>
+              <a:rPr lang="pt-BR" b="1" dirty="0"/>
+              <a:t> </a:t>
+            </a:r>
+            <a:r>
+              <a:rPr lang="pt-BR" dirty="0" err="1"/>
+              <a:t>and</a:t>
+            </a:r>
+            <a:r>
+              <a:rPr lang="pt-BR" dirty="0"/>
+              <a:t> </a:t>
+            </a:r>
+            <a:r>
+              <a:rPr lang="pt-BR" b="1" dirty="0"/>
+              <a:t>DOM </a:t>
+            </a:r>
+            <a:r>
+              <a:rPr lang="pt-BR" b="1" dirty="0" err="1"/>
+              <a:t>is</a:t>
+            </a:r>
+            <a:r>
+              <a:rPr lang="pt-BR" b="1" dirty="0"/>
+              <a:t> a </a:t>
+            </a:r>
+            <a:r>
+              <a:rPr lang="pt-BR" b="1" dirty="0" err="1"/>
+              <a:t>programming</a:t>
+            </a:r>
+            <a:r>
+              <a:rPr lang="pt-BR" b="1" dirty="0"/>
+              <a:t> interface</a:t>
+            </a:r>
+            <a:r>
+              <a:rPr lang="pt-BR" dirty="0"/>
+              <a:t>, </a:t>
+            </a:r>
+            <a:r>
+              <a:rPr lang="pt-BR" dirty="0" err="1"/>
+              <a:t>the</a:t>
+            </a:r>
+            <a:r>
+              <a:rPr lang="pt-BR" dirty="0"/>
+              <a:t> DOM </a:t>
+            </a:r>
+            <a:r>
+              <a:rPr lang="pt-BR" dirty="0" err="1"/>
+              <a:t>can</a:t>
+            </a:r>
+            <a:r>
+              <a:rPr lang="pt-BR" dirty="0"/>
+              <a:t> </a:t>
+            </a:r>
+            <a:r>
+              <a:rPr lang="pt-BR" dirty="0" err="1"/>
+              <a:t>be</a:t>
+            </a:r>
+            <a:r>
+              <a:rPr lang="pt-BR" dirty="0"/>
+              <a:t> </a:t>
+            </a:r>
+            <a:r>
+              <a:rPr lang="pt-BR" dirty="0" err="1"/>
+              <a:t>also</a:t>
+            </a:r>
+            <a:r>
+              <a:rPr lang="pt-BR" dirty="0"/>
+              <a:t> </a:t>
+            </a:r>
+            <a:r>
+              <a:rPr lang="pt-BR" dirty="0" err="1"/>
+              <a:t>used</a:t>
+            </a:r>
+            <a:r>
+              <a:rPr lang="pt-BR" dirty="0"/>
+              <a:t> </a:t>
+            </a:r>
+            <a:r>
+              <a:rPr lang="pt-BR" dirty="0" err="1"/>
+              <a:t>by</a:t>
+            </a:r>
+            <a:r>
+              <a:rPr lang="pt-BR" dirty="0"/>
+              <a:t> </a:t>
+            </a:r>
+            <a:r>
+              <a:rPr lang="pt-BR" dirty="0" err="1"/>
+              <a:t>other</a:t>
+            </a:r>
+            <a:r>
+              <a:rPr lang="pt-BR" dirty="0"/>
+              <a:t> </a:t>
+            </a:r>
+            <a:r>
+              <a:rPr lang="pt-BR" dirty="0" err="1"/>
+              <a:t>programming</a:t>
+            </a:r>
+            <a:r>
+              <a:rPr lang="pt-BR" dirty="0"/>
+              <a:t> </a:t>
+            </a:r>
+            <a:r>
+              <a:rPr lang="pt-BR" dirty="0" err="1"/>
+              <a:t>languages</a:t>
+            </a:r>
+            <a:r>
+              <a:rPr lang="pt-BR" dirty="0"/>
+              <a:t> </a:t>
+            </a:r>
+            <a:r>
+              <a:rPr lang="pt-BR" dirty="0" err="1"/>
+              <a:t>besides</a:t>
+            </a:r>
+            <a:r>
+              <a:rPr lang="pt-BR" dirty="0"/>
+              <a:t> </a:t>
+            </a:r>
+            <a:r>
+              <a:rPr lang="pt-BR" dirty="0" err="1"/>
+              <a:t>JavaScript</a:t>
+            </a:r>
+            <a:r>
+              <a:rPr lang="pt-BR" dirty="0"/>
+              <a:t> </a:t>
+            </a:r>
+            <a:r>
+              <a:rPr lang="pt-BR" dirty="0" err="1"/>
+              <a:t>such</a:t>
+            </a:r>
+            <a:r>
+              <a:rPr lang="pt-BR" dirty="0"/>
+              <a:t> as </a:t>
+            </a:r>
+            <a:r>
+              <a:rPr lang="pt-BR" b="1" dirty="0"/>
+              <a:t>Python</a:t>
+            </a:r>
+            <a:r>
+              <a:rPr lang="pt-BR" dirty="0"/>
+              <a:t>.</a:t>
+            </a:r>
+          </a:p>
+        </p:txBody>
+      </p:sp>
+      <p:pic>
+        <p:nvPicPr>
+          <p:cNvPr id="3074" name="Picture 2" descr="Logo JavaScript – Logos PNG">
+            <a:extLst>
+              <a:ext uri="{FF2B5EF4-FFF2-40B4-BE49-F238E27FC236}">
+                <a16:creationId xmlns:a16="http://schemas.microsoft.com/office/drawing/2014/main" id="{8826921E-D5E9-F5B9-3529-9F7EC426A5CD}"/>
+              </a:ext>
+            </a:extLst>
+          </p:cNvPr>
+          <p:cNvPicPr>
+            <a:picLocks noChangeAspect="1" noChangeArrowheads="1"/>
+          </p:cNvPicPr>
+          <p:nvPr/>
+        </p:nvPicPr>
+        <p:blipFill>
+          <a:blip r:embed="rId3">
+            <a:extLst>
+              <a:ext uri="{28A0092B-C50C-407E-A947-70E740481C1C}">
+                <a14:useLocalDpi xmlns:a14="http://schemas.microsoft.com/office/drawing/2010/main" val="0"/>
+              </a:ext>
+            </a:extLst>
+          </a:blip>
+          <a:srcRect/>
+          <a:stretch>
+            <a:fillRect/>
+          </a:stretch>
+        </p:blipFill>
+        <p:spPr bwMode="auto">
+          <a:xfrm>
+            <a:off x="482002" y="1485784"/>
+            <a:ext cx="1333832" cy="1333832"/>
+          </a:xfrm>
+          <a:prstGeom prst="rect">
+            <a:avLst/>
+          </a:prstGeom>
+          <a:noFill/>
+          <a:extLst>
+            <a:ext uri="{909E8E84-426E-40DD-AFC4-6F175D3DCCD1}">
+              <a14:hiddenFill xmlns:a14="http://schemas.microsoft.com/office/drawing/2010/main">
+                <a:solidFill>
+                  <a:srgbClr val="FFFFFF"/>
+                </a:solidFill>
+              </a14:hiddenFill>
+            </a:ext>
+          </a:extLst>
+        </p:spPr>
+      </p:pic>
+      <p:pic>
+        <p:nvPicPr>
+          <p:cNvPr id="3076" name="Picture 4" descr="Document Object Model - Wikipedia">
+            <a:extLst>
+              <a:ext uri="{FF2B5EF4-FFF2-40B4-BE49-F238E27FC236}">
+                <a16:creationId xmlns:a16="http://schemas.microsoft.com/office/drawing/2014/main" id="{0D06E9FE-C0C8-4518-4423-2361BB689126}"/>
+              </a:ext>
+            </a:extLst>
+          </p:cNvPr>
+          <p:cNvPicPr>
+            <a:picLocks noChangeAspect="1" noChangeArrowheads="1"/>
+          </p:cNvPicPr>
+          <p:nvPr/>
+        </p:nvPicPr>
+        <p:blipFill>
+          <a:blip r:embed="rId4">
+            <a:extLst>
+              <a:ext uri="{28A0092B-C50C-407E-A947-70E740481C1C}">
+                <a14:useLocalDpi xmlns:a14="http://schemas.microsoft.com/office/drawing/2010/main" val="0"/>
+              </a:ext>
+            </a:extLst>
+          </a:blip>
+          <a:srcRect/>
+          <a:stretch>
+            <a:fillRect/>
+          </a:stretch>
+        </p:blipFill>
+        <p:spPr bwMode="auto">
+          <a:xfrm rot="5400000">
+            <a:off x="3955326" y="1386447"/>
+            <a:ext cx="1476376" cy="1532505"/>
+          </a:xfrm>
+          <a:prstGeom prst="rect">
+            <a:avLst/>
+          </a:prstGeom>
+          <a:noFill/>
+          <a:extLst>
+            <a:ext uri="{909E8E84-426E-40DD-AFC4-6F175D3DCCD1}">
+              <a14:hiddenFill xmlns:a14="http://schemas.microsoft.com/office/drawing/2010/main">
+                <a:solidFill>
+                  <a:srgbClr val="FFFFFF"/>
+                </a:solidFill>
+              </a14:hiddenFill>
+            </a:ext>
+          </a:extLst>
+        </p:spPr>
+      </p:pic>
+      <p:pic>
+        <p:nvPicPr>
+          <p:cNvPr id="3080" name="Picture 8" descr="Difference Icons - Free SVG &amp; PNG Difference Images - Noun Project">
+            <a:extLst>
+              <a:ext uri="{FF2B5EF4-FFF2-40B4-BE49-F238E27FC236}">
+                <a16:creationId xmlns:a16="http://schemas.microsoft.com/office/drawing/2014/main" id="{172E0163-AD12-CB1F-881D-853401020ECA}"/>
+              </a:ext>
+            </a:extLst>
+          </p:cNvPr>
+          <p:cNvPicPr>
+            <a:picLocks noChangeAspect="1" noChangeArrowheads="1"/>
+          </p:cNvPicPr>
+          <p:nvPr/>
+        </p:nvPicPr>
+        <p:blipFill>
+          <a:blip r:embed="rId5">
+            <a:extLst>
+              <a:ext uri="{28A0092B-C50C-407E-A947-70E740481C1C}">
+                <a14:useLocalDpi xmlns:a14="http://schemas.microsoft.com/office/drawing/2010/main" val="0"/>
+              </a:ext>
+            </a:extLst>
+          </a:blip>
+          <a:srcRect/>
+          <a:stretch>
+            <a:fillRect/>
+          </a:stretch>
+        </p:blipFill>
+        <p:spPr bwMode="auto">
+          <a:xfrm>
+            <a:off x="2265670" y="1492258"/>
+            <a:ext cx="1333832" cy="1212765"/>
+          </a:xfrm>
+          <a:prstGeom prst="rect">
+            <a:avLst/>
+          </a:prstGeom>
+          <a:noFill/>
+          <a:extLst>
+            <a:ext uri="{909E8E84-426E-40DD-AFC4-6F175D3DCCD1}">
+              <a14:hiddenFill xmlns:a14="http://schemas.microsoft.com/office/drawing/2010/main">
+                <a:solidFill>
+                  <a:srgbClr val="FFFFFF"/>
+                </a:solidFill>
+              </a14:hiddenFill>
+            </a:ext>
+          </a:extLst>
+        </p:spPr>
+      </p:pic>
+      <p:pic>
+        <p:nvPicPr>
+          <p:cNvPr id="10" name="Picture 2" descr="Logo JavaScript – Logos PNG">
+            <a:extLst>
+              <a:ext uri="{FF2B5EF4-FFF2-40B4-BE49-F238E27FC236}">
+                <a16:creationId xmlns:a16="http://schemas.microsoft.com/office/drawing/2014/main" id="{FC4DA257-E578-9193-DB99-F9D463267591}"/>
+              </a:ext>
+            </a:extLst>
+          </p:cNvPr>
+          <p:cNvPicPr>
+            <a:picLocks noChangeAspect="1" noChangeArrowheads="1"/>
+          </p:cNvPicPr>
+          <p:nvPr/>
+        </p:nvPicPr>
+        <p:blipFill>
+          <a:blip r:embed="rId3">
+            <a:extLst>
+              <a:ext uri="{28A0092B-C50C-407E-A947-70E740481C1C}">
+                <a14:useLocalDpi xmlns:a14="http://schemas.microsoft.com/office/drawing/2010/main" val="0"/>
+              </a:ext>
+            </a:extLst>
+          </a:blip>
+          <a:srcRect/>
+          <a:stretch>
+            <a:fillRect/>
+          </a:stretch>
+        </p:blipFill>
+        <p:spPr bwMode="auto">
+          <a:xfrm>
+            <a:off x="479394" y="1492258"/>
+            <a:ext cx="1333832" cy="1333832"/>
+          </a:xfrm>
+          <a:prstGeom prst="rect">
+            <a:avLst/>
+          </a:prstGeom>
+          <a:noFill/>
+          <a:extLst>
+            <a:ext uri="{909E8E84-426E-40DD-AFC4-6F175D3DCCD1}">
+              <a14:hiddenFill xmlns:a14="http://schemas.microsoft.com/office/drawing/2010/main">
+                <a:solidFill>
+                  <a:srgbClr val="FFFFFF"/>
+                </a:solidFill>
+              </a14:hiddenFill>
+            </a:ext>
+          </a:extLst>
+        </p:spPr>
+      </p:pic>
+      <p:sp>
+        <p:nvSpPr>
+          <p:cNvPr id="11" name="CaixaDeTexto 10">
+            <a:extLst>
+              <a:ext uri="{FF2B5EF4-FFF2-40B4-BE49-F238E27FC236}">
+                <a16:creationId xmlns:a16="http://schemas.microsoft.com/office/drawing/2014/main" id="{B8647114-105F-F80A-40F6-EAB5373DAFFF}"/>
+              </a:ext>
+            </a:extLst>
+          </p:cNvPr>
+          <p:cNvSpPr txBox="1"/>
+          <p:nvPr/>
+        </p:nvSpPr>
+        <p:spPr>
+          <a:xfrm>
+            <a:off x="6998565" y="2981889"/>
+            <a:ext cx="4731799" cy="3508653"/>
+          </a:xfrm>
+          <a:prstGeom prst="rect">
+            <a:avLst/>
+          </a:prstGeom>
+          <a:noFill/>
+        </p:spPr>
+        <p:txBody>
+          <a:bodyPr wrap="square" rtlCol="0">
+            <a:spAutoFit/>
+          </a:bodyPr>
+          <a:lstStyle/>
+          <a:p>
+            <a:r>
+              <a:rPr lang="pt-BR" sz="2400" b="1" dirty="0" err="1"/>
+              <a:t>Remember</a:t>
+            </a:r>
+            <a:r>
+              <a:rPr lang="pt-BR" b="1" dirty="0"/>
+              <a:t>:</a:t>
+            </a:r>
+          </a:p>
+          <a:p>
+            <a:endParaRPr lang="pt-BR" b="1" dirty="0"/>
+          </a:p>
+          <a:p>
+            <a:r>
+              <a:rPr lang="en-US" i="0" dirty="0">
+                <a:effectLst/>
+              </a:rPr>
+              <a:t>JavaScript is a programming language that is often used </a:t>
+            </a:r>
+            <a:r>
+              <a:rPr lang="en-US" b="1" i="0" dirty="0">
+                <a:effectLst/>
+              </a:rPr>
+              <a:t>to manipulate</a:t>
+            </a:r>
+            <a:r>
+              <a:rPr lang="en-US" i="0" dirty="0">
+                <a:effectLst/>
+              </a:rPr>
+              <a:t> the Document Object Model (DOM) of HTML and XML documents, </a:t>
+            </a:r>
+            <a:r>
+              <a:rPr lang="en-US" b="1" i="0" dirty="0">
+                <a:effectLst/>
+              </a:rPr>
+              <a:t>JavaScript is not the DOM itself</a:t>
+            </a:r>
+            <a:r>
+              <a:rPr lang="en-US" i="0" dirty="0">
+                <a:effectLst/>
+              </a:rPr>
+              <a:t>. </a:t>
+            </a:r>
+            <a:r>
+              <a:rPr lang="en-US" b="1" i="0" dirty="0">
+                <a:effectLst/>
+              </a:rPr>
+              <a:t>The DOM </a:t>
+            </a:r>
+            <a:r>
+              <a:rPr lang="en-US" i="0" dirty="0">
+                <a:effectLst/>
+              </a:rPr>
+              <a:t>is a separate technology that provides a way to </a:t>
+            </a:r>
+            <a:r>
+              <a:rPr lang="en-US" b="1" i="0" dirty="0">
+                <a:effectLst/>
+              </a:rPr>
+              <a:t>represent the structure and content of a document as a hierarchical tree of nodes</a:t>
+            </a:r>
+            <a:r>
+              <a:rPr lang="en-US" i="0" dirty="0">
+                <a:effectLst/>
+              </a:rPr>
+              <a:t>, while </a:t>
+            </a:r>
+            <a:r>
+              <a:rPr lang="en-US" b="1" i="0" dirty="0">
+                <a:effectLst/>
+              </a:rPr>
+              <a:t>JavaScript</a:t>
+            </a:r>
+            <a:r>
+              <a:rPr lang="en-US" i="0" dirty="0">
+                <a:effectLst/>
+              </a:rPr>
+              <a:t> is a programming language that can </a:t>
+            </a:r>
+            <a:r>
+              <a:rPr lang="en-US" b="1" i="0" dirty="0">
+                <a:effectLst/>
+              </a:rPr>
+              <a:t>interact with and manipulate </a:t>
+            </a:r>
+            <a:r>
+              <a:rPr lang="en-US" i="0" dirty="0">
+                <a:effectLst/>
+              </a:rPr>
+              <a:t>the DOM tree using its APIs.</a:t>
+            </a:r>
+            <a:endParaRPr lang="pt-BR" dirty="0"/>
+          </a:p>
+        </p:txBody>
+      </p:sp>
+      <p:pic>
+        <p:nvPicPr>
+          <p:cNvPr id="12" name="Picture 2" descr="Logo JavaScript – Logos PNG">
+            <a:extLst>
+              <a:ext uri="{FF2B5EF4-FFF2-40B4-BE49-F238E27FC236}">
+                <a16:creationId xmlns:a16="http://schemas.microsoft.com/office/drawing/2014/main" id="{C2F61F61-31DB-519A-3ADA-40603D56A154}"/>
+              </a:ext>
+            </a:extLst>
+          </p:cNvPr>
+          <p:cNvPicPr>
+            <a:picLocks noChangeAspect="1" noChangeArrowheads="1"/>
+          </p:cNvPicPr>
+          <p:nvPr/>
+        </p:nvPicPr>
+        <p:blipFill>
+          <a:blip r:embed="rId3">
+            <a:extLst>
+              <a:ext uri="{28A0092B-C50C-407E-A947-70E740481C1C}">
+                <a14:useLocalDpi xmlns:a14="http://schemas.microsoft.com/office/drawing/2010/main" val="0"/>
+              </a:ext>
+            </a:extLst>
+          </a:blip>
+          <a:srcRect/>
+          <a:stretch>
+            <a:fillRect/>
+          </a:stretch>
+        </p:blipFill>
+        <p:spPr bwMode="auto">
+          <a:xfrm>
+            <a:off x="6899453" y="1485784"/>
+            <a:ext cx="1333832" cy="1333832"/>
+          </a:xfrm>
+          <a:prstGeom prst="rect">
+            <a:avLst/>
+          </a:prstGeom>
+          <a:noFill/>
+          <a:extLst>
+            <a:ext uri="{909E8E84-426E-40DD-AFC4-6F175D3DCCD1}">
+              <a14:hiddenFill xmlns:a14="http://schemas.microsoft.com/office/drawing/2010/main">
+                <a:solidFill>
+                  <a:srgbClr val="FFFFFF"/>
+                </a:solidFill>
+              </a14:hiddenFill>
+            </a:ext>
+          </a:extLst>
+        </p:spPr>
+      </p:pic>
+      <p:sp>
+        <p:nvSpPr>
+          <p:cNvPr id="13" name="Seta: para a Direita 12">
+            <a:extLst>
+              <a:ext uri="{FF2B5EF4-FFF2-40B4-BE49-F238E27FC236}">
+                <a16:creationId xmlns:a16="http://schemas.microsoft.com/office/drawing/2014/main" id="{CEF88728-3908-95B2-0A4A-5B46E9272C06}"/>
+              </a:ext>
+            </a:extLst>
+          </p:cNvPr>
+          <p:cNvSpPr/>
+          <p:nvPr/>
+        </p:nvSpPr>
+        <p:spPr>
+          <a:xfrm>
+            <a:off x="8691239" y="1863246"/>
+            <a:ext cx="1074198" cy="568171"/>
+          </a:xfrm>
+          <a:prstGeom prst="rightArrow">
+            <a:avLst/>
+          </a:prstGeom>
+          <a:solidFill>
+            <a:srgbClr val="00B050"/>
+          </a:solidFill>
+        </p:spPr>
+        <p:style>
+          <a:lnRef idx="2">
+            <a:schemeClr val="accent1">
+              <a:shade val="50000"/>
+            </a:schemeClr>
+          </a:lnRef>
+          <a:fillRef idx="1">
+            <a:schemeClr val="accent1"/>
+          </a:fillRef>
+          <a:effectRef idx="0">
+            <a:schemeClr val="accent1"/>
+          </a:effectRef>
+          <a:fontRef idx="minor">
+            <a:schemeClr val="lt1"/>
+          </a:fontRef>
+        </p:style>
+        <p:txBody>
+          <a:bodyPr rtlCol="0" anchor="ctr"/>
+          <a:lstStyle/>
+          <a:p>
+            <a:pPr algn="ctr"/>
+            <a:endParaRPr lang="pt-BR"/>
+          </a:p>
+        </p:txBody>
+      </p:sp>
+      <p:pic>
+        <p:nvPicPr>
+          <p:cNvPr id="14" name="Picture 4" descr="Document Object Model - Wikipedia">
+            <a:extLst>
+              <a:ext uri="{FF2B5EF4-FFF2-40B4-BE49-F238E27FC236}">
+                <a16:creationId xmlns:a16="http://schemas.microsoft.com/office/drawing/2014/main" id="{09BA397F-7995-BF69-5F39-A62F7AEBCC6F}"/>
+              </a:ext>
+            </a:extLst>
+          </p:cNvPr>
+          <p:cNvPicPr>
+            <a:picLocks noChangeAspect="1" noChangeArrowheads="1"/>
+          </p:cNvPicPr>
+          <p:nvPr/>
+        </p:nvPicPr>
+        <p:blipFill>
+          <a:blip r:embed="rId4">
+            <a:extLst>
+              <a:ext uri="{28A0092B-C50C-407E-A947-70E740481C1C}">
+                <a14:useLocalDpi xmlns:a14="http://schemas.microsoft.com/office/drawing/2010/main" val="0"/>
+              </a:ext>
+            </a:extLst>
+          </a:blip>
+          <a:srcRect/>
+          <a:stretch>
+            <a:fillRect/>
+          </a:stretch>
+        </p:blipFill>
+        <p:spPr bwMode="auto">
+          <a:xfrm rot="5400000">
+            <a:off x="10139452" y="1385214"/>
+            <a:ext cx="1541248" cy="1599843"/>
+          </a:xfrm>
+          <a:prstGeom prst="rect">
+            <a:avLst/>
+          </a:prstGeom>
+          <a:noFill/>
+          <a:extLst>
+            <a:ext uri="{909E8E84-426E-40DD-AFC4-6F175D3DCCD1}">
+              <a14:hiddenFill xmlns:a14="http://schemas.microsoft.com/office/drawing/2010/main">
+                <a:solidFill>
+                  <a:srgbClr val="FFFFFF"/>
+                </a:solidFill>
+              </a14:hiddenFill>
+            </a:ext>
+          </a:extLst>
+        </p:spPr>
+      </p:pic>
     </p:spTree>
     <p:extLst>
       <p:ext uri="{BB962C8B-B14F-4D97-AF65-F5344CB8AC3E}">
@@ -3844,6 +8772,1345 @@
   <p:clrMapOvr>
     <a:masterClrMapping/>
   </p:clrMapOvr>
+  <p:timing>
+    <p:tnLst>
+      <p:par>
+        <p:cTn id="1" dur="indefinite" restart="never" nodeType="tmRoot">
+          <p:childTnLst>
+            <p:seq concurrent="1" nextAc="seek">
+              <p:cTn id="2" dur="indefinite" nodeType="mainSeq">
+                <p:childTnLst>
+                  <p:par>
+                    <p:cTn id="3" fill="hold">
+                      <p:stCondLst>
+                        <p:cond delay="indefinite"/>
+                      </p:stCondLst>
+                      <p:childTnLst>
+                        <p:par>
+                          <p:cTn id="4" fill="hold">
+                            <p:stCondLst>
+                              <p:cond delay="0"/>
+                            </p:stCondLst>
+                            <p:childTnLst>
+                              <p:par>
+                                <p:cTn id="5" presetID="10" presetClass="entr" presetSubtype="0" fill="hold" nodeType="clickEffect">
+                                  <p:stCondLst>
+                                    <p:cond delay="0"/>
+                                  </p:stCondLst>
+                                  <p:childTnLst>
+                                    <p:set>
+                                      <p:cBhvr>
+                                        <p:cTn id="6" dur="1" fill="hold">
+                                          <p:stCondLst>
+                                            <p:cond delay="0"/>
+                                          </p:stCondLst>
+                                        </p:cTn>
+                                        <p:tgtEl>
+                                          <p:spTgt spid="10"/>
+                                        </p:tgtEl>
+                                        <p:attrNameLst>
+                                          <p:attrName>style.visibility</p:attrName>
+                                        </p:attrNameLst>
+                                      </p:cBhvr>
+                                      <p:to>
+                                        <p:strVal val="visible"/>
+                                      </p:to>
+                                    </p:set>
+                                    <p:animEffect transition="in" filter="fade">
+                                      <p:cBhvr>
+                                        <p:cTn id="7" dur="500"/>
+                                        <p:tgtEl>
+                                          <p:spTgt spid="10"/>
+                                        </p:tgtEl>
+                                      </p:cBhvr>
+                                    </p:animEffect>
+                                  </p:childTnLst>
+                                </p:cTn>
+                              </p:par>
+                            </p:childTnLst>
+                          </p:cTn>
+                        </p:par>
+                      </p:childTnLst>
+                    </p:cTn>
+                  </p:par>
+                  <p:par>
+                    <p:cTn id="8" fill="hold">
+                      <p:stCondLst>
+                        <p:cond delay="indefinite"/>
+                      </p:stCondLst>
+                      <p:childTnLst>
+                        <p:par>
+                          <p:cTn id="9" fill="hold">
+                            <p:stCondLst>
+                              <p:cond delay="0"/>
+                            </p:stCondLst>
+                            <p:childTnLst>
+                              <p:par>
+                                <p:cTn id="10" presetID="10" presetClass="entr" presetSubtype="0" fill="hold" nodeType="clickEffect">
+                                  <p:stCondLst>
+                                    <p:cond delay="0"/>
+                                  </p:stCondLst>
+                                  <p:childTnLst>
+                                    <p:set>
+                                      <p:cBhvr>
+                                        <p:cTn id="11" dur="1" fill="hold">
+                                          <p:stCondLst>
+                                            <p:cond delay="0"/>
+                                          </p:stCondLst>
+                                        </p:cTn>
+                                        <p:tgtEl>
+                                          <p:spTgt spid="3076"/>
+                                        </p:tgtEl>
+                                        <p:attrNameLst>
+                                          <p:attrName>style.visibility</p:attrName>
+                                        </p:attrNameLst>
+                                      </p:cBhvr>
+                                      <p:to>
+                                        <p:strVal val="visible"/>
+                                      </p:to>
+                                    </p:set>
+                                    <p:animEffect transition="in" filter="fade">
+                                      <p:cBhvr>
+                                        <p:cTn id="12" dur="500"/>
+                                        <p:tgtEl>
+                                          <p:spTgt spid="3076"/>
+                                        </p:tgtEl>
+                                      </p:cBhvr>
+                                    </p:animEffect>
+                                  </p:childTnLst>
+                                </p:cTn>
+                              </p:par>
+                            </p:childTnLst>
+                          </p:cTn>
+                        </p:par>
+                      </p:childTnLst>
+                    </p:cTn>
+                  </p:par>
+                  <p:par>
+                    <p:cTn id="13" fill="hold">
+                      <p:stCondLst>
+                        <p:cond delay="indefinite"/>
+                      </p:stCondLst>
+                      <p:childTnLst>
+                        <p:par>
+                          <p:cTn id="14" fill="hold">
+                            <p:stCondLst>
+                              <p:cond delay="0"/>
+                            </p:stCondLst>
+                            <p:childTnLst>
+                              <p:par>
+                                <p:cTn id="15" presetID="2" presetClass="entr" presetSubtype="4" fill="hold" nodeType="clickEffect">
+                                  <p:stCondLst>
+                                    <p:cond delay="0"/>
+                                  </p:stCondLst>
+                                  <p:childTnLst>
+                                    <p:set>
+                                      <p:cBhvr>
+                                        <p:cTn id="16" dur="1" fill="hold">
+                                          <p:stCondLst>
+                                            <p:cond delay="0"/>
+                                          </p:stCondLst>
+                                        </p:cTn>
+                                        <p:tgtEl>
+                                          <p:spTgt spid="3080"/>
+                                        </p:tgtEl>
+                                        <p:attrNameLst>
+                                          <p:attrName>style.visibility</p:attrName>
+                                        </p:attrNameLst>
+                                      </p:cBhvr>
+                                      <p:to>
+                                        <p:strVal val="visible"/>
+                                      </p:to>
+                                    </p:set>
+                                    <p:anim calcmode="lin" valueType="num">
+                                      <p:cBhvr additive="base">
+                                        <p:cTn id="17" dur="500" fill="hold"/>
+                                        <p:tgtEl>
+                                          <p:spTgt spid="3080"/>
+                                        </p:tgtEl>
+                                        <p:attrNameLst>
+                                          <p:attrName>ppt_x</p:attrName>
+                                        </p:attrNameLst>
+                                      </p:cBhvr>
+                                      <p:tavLst>
+                                        <p:tav tm="0">
+                                          <p:val>
+                                            <p:strVal val="#ppt_x"/>
+                                          </p:val>
+                                        </p:tav>
+                                        <p:tav tm="100000">
+                                          <p:val>
+                                            <p:strVal val="#ppt_x"/>
+                                          </p:val>
+                                        </p:tav>
+                                      </p:tavLst>
+                                    </p:anim>
+                                    <p:anim calcmode="lin" valueType="num">
+                                      <p:cBhvr additive="base">
+                                        <p:cTn id="18" dur="500" fill="hold"/>
+                                        <p:tgtEl>
+                                          <p:spTgt spid="3080"/>
+                                        </p:tgtEl>
+                                        <p:attrNameLst>
+                                          <p:attrName>ppt_y</p:attrName>
+                                        </p:attrNameLst>
+                                      </p:cBhvr>
+                                      <p:tavLst>
+                                        <p:tav tm="0">
+                                          <p:val>
+                                            <p:strVal val="1+#ppt_h/2"/>
+                                          </p:val>
+                                        </p:tav>
+                                        <p:tav tm="100000">
+                                          <p:val>
+                                            <p:strVal val="#ppt_y"/>
+                                          </p:val>
+                                        </p:tav>
+                                      </p:tavLst>
+                                    </p:anim>
+                                  </p:childTnLst>
+                                </p:cTn>
+                              </p:par>
+                            </p:childTnLst>
+                          </p:cTn>
+                        </p:par>
+                      </p:childTnLst>
+                    </p:cTn>
+                  </p:par>
+                  <p:par>
+                    <p:cTn id="19" fill="hold">
+                      <p:stCondLst>
+                        <p:cond delay="indefinite"/>
+                      </p:stCondLst>
+                      <p:childTnLst>
+                        <p:par>
+                          <p:cTn id="20" fill="hold">
+                            <p:stCondLst>
+                              <p:cond delay="0"/>
+                            </p:stCondLst>
+                            <p:childTnLst>
+                              <p:par>
+                                <p:cTn id="21" presetID="10" presetClass="entr" presetSubtype="0" fill="hold" grpId="0" nodeType="clickEffect">
+                                  <p:stCondLst>
+                                    <p:cond delay="0"/>
+                                  </p:stCondLst>
+                                  <p:childTnLst>
+                                    <p:set>
+                                      <p:cBhvr>
+                                        <p:cTn id="22" dur="1" fill="hold">
+                                          <p:stCondLst>
+                                            <p:cond delay="0"/>
+                                          </p:stCondLst>
+                                        </p:cTn>
+                                        <p:tgtEl>
+                                          <p:spTgt spid="2"/>
+                                        </p:tgtEl>
+                                        <p:attrNameLst>
+                                          <p:attrName>style.visibility</p:attrName>
+                                        </p:attrNameLst>
+                                      </p:cBhvr>
+                                      <p:to>
+                                        <p:strVal val="visible"/>
+                                      </p:to>
+                                    </p:set>
+                                    <p:animEffect transition="in" filter="fade">
+                                      <p:cBhvr>
+                                        <p:cTn id="23" dur="500"/>
+                                        <p:tgtEl>
+                                          <p:spTgt spid="2"/>
+                                        </p:tgtEl>
+                                      </p:cBhvr>
+                                    </p:animEffect>
+                                  </p:childTnLst>
+                                </p:cTn>
+                              </p:par>
+                            </p:childTnLst>
+                          </p:cTn>
+                        </p:par>
+                      </p:childTnLst>
+                    </p:cTn>
+                  </p:par>
+                  <p:par>
+                    <p:cTn id="24" fill="hold">
+                      <p:stCondLst>
+                        <p:cond delay="indefinite"/>
+                      </p:stCondLst>
+                      <p:childTnLst>
+                        <p:par>
+                          <p:cTn id="25" fill="hold">
+                            <p:stCondLst>
+                              <p:cond delay="0"/>
+                            </p:stCondLst>
+                            <p:childTnLst>
+                              <p:par>
+                                <p:cTn id="26" presetID="10" presetClass="entr" presetSubtype="0" fill="hold" grpId="0" nodeType="clickEffect">
+                                  <p:stCondLst>
+                                    <p:cond delay="0"/>
+                                  </p:stCondLst>
+                                  <p:childTnLst>
+                                    <p:set>
+                                      <p:cBhvr>
+                                        <p:cTn id="27" dur="1" fill="hold">
+                                          <p:stCondLst>
+                                            <p:cond delay="0"/>
+                                          </p:stCondLst>
+                                        </p:cTn>
+                                        <p:tgtEl>
+                                          <p:spTgt spid="7"/>
+                                        </p:tgtEl>
+                                        <p:attrNameLst>
+                                          <p:attrName>style.visibility</p:attrName>
+                                        </p:attrNameLst>
+                                      </p:cBhvr>
+                                      <p:to>
+                                        <p:strVal val="visible"/>
+                                      </p:to>
+                                    </p:set>
+                                    <p:animEffect transition="in" filter="fade">
+                                      <p:cBhvr>
+                                        <p:cTn id="28" dur="500"/>
+                                        <p:tgtEl>
+                                          <p:spTgt spid="7"/>
+                                        </p:tgtEl>
+                                      </p:cBhvr>
+                                    </p:animEffect>
+                                  </p:childTnLst>
+                                </p:cTn>
+                              </p:par>
+                            </p:childTnLst>
+                          </p:cTn>
+                        </p:par>
+                      </p:childTnLst>
+                    </p:cTn>
+                  </p:par>
+                  <p:par>
+                    <p:cTn id="29" fill="hold">
+                      <p:stCondLst>
+                        <p:cond delay="indefinite"/>
+                      </p:stCondLst>
+                      <p:childTnLst>
+                        <p:par>
+                          <p:cTn id="30" fill="hold">
+                            <p:stCondLst>
+                              <p:cond delay="0"/>
+                            </p:stCondLst>
+                            <p:childTnLst>
+                              <p:par>
+                                <p:cTn id="31" presetID="10" presetClass="entr" presetSubtype="0" fill="hold" nodeType="clickEffect">
+                                  <p:stCondLst>
+                                    <p:cond delay="0"/>
+                                  </p:stCondLst>
+                                  <p:childTnLst>
+                                    <p:set>
+                                      <p:cBhvr>
+                                        <p:cTn id="32" dur="1" fill="hold">
+                                          <p:stCondLst>
+                                            <p:cond delay="0"/>
+                                          </p:stCondLst>
+                                        </p:cTn>
+                                        <p:tgtEl>
+                                          <p:spTgt spid="12"/>
+                                        </p:tgtEl>
+                                        <p:attrNameLst>
+                                          <p:attrName>style.visibility</p:attrName>
+                                        </p:attrNameLst>
+                                      </p:cBhvr>
+                                      <p:to>
+                                        <p:strVal val="visible"/>
+                                      </p:to>
+                                    </p:set>
+                                    <p:animEffect transition="in" filter="fade">
+                                      <p:cBhvr>
+                                        <p:cTn id="33" dur="500"/>
+                                        <p:tgtEl>
+                                          <p:spTgt spid="12"/>
+                                        </p:tgtEl>
+                                      </p:cBhvr>
+                                    </p:animEffect>
+                                  </p:childTnLst>
+                                </p:cTn>
+                              </p:par>
+                            </p:childTnLst>
+                          </p:cTn>
+                        </p:par>
+                      </p:childTnLst>
+                    </p:cTn>
+                  </p:par>
+                  <p:par>
+                    <p:cTn id="34" fill="hold">
+                      <p:stCondLst>
+                        <p:cond delay="indefinite"/>
+                      </p:stCondLst>
+                      <p:childTnLst>
+                        <p:par>
+                          <p:cTn id="35" fill="hold">
+                            <p:stCondLst>
+                              <p:cond delay="0"/>
+                            </p:stCondLst>
+                            <p:childTnLst>
+                              <p:par>
+                                <p:cTn id="36" presetID="10" presetClass="entr" presetSubtype="0" fill="hold" grpId="0" nodeType="clickEffect">
+                                  <p:stCondLst>
+                                    <p:cond delay="0"/>
+                                  </p:stCondLst>
+                                  <p:childTnLst>
+                                    <p:set>
+                                      <p:cBhvr>
+                                        <p:cTn id="37" dur="1" fill="hold">
+                                          <p:stCondLst>
+                                            <p:cond delay="0"/>
+                                          </p:stCondLst>
+                                        </p:cTn>
+                                        <p:tgtEl>
+                                          <p:spTgt spid="13"/>
+                                        </p:tgtEl>
+                                        <p:attrNameLst>
+                                          <p:attrName>style.visibility</p:attrName>
+                                        </p:attrNameLst>
+                                      </p:cBhvr>
+                                      <p:to>
+                                        <p:strVal val="visible"/>
+                                      </p:to>
+                                    </p:set>
+                                    <p:animEffect transition="in" filter="fade">
+                                      <p:cBhvr>
+                                        <p:cTn id="38" dur="500"/>
+                                        <p:tgtEl>
+                                          <p:spTgt spid="13"/>
+                                        </p:tgtEl>
+                                      </p:cBhvr>
+                                    </p:animEffect>
+                                  </p:childTnLst>
+                                </p:cTn>
+                              </p:par>
+                            </p:childTnLst>
+                          </p:cTn>
+                        </p:par>
+                      </p:childTnLst>
+                    </p:cTn>
+                  </p:par>
+                  <p:par>
+                    <p:cTn id="39" fill="hold">
+                      <p:stCondLst>
+                        <p:cond delay="indefinite"/>
+                      </p:stCondLst>
+                      <p:childTnLst>
+                        <p:par>
+                          <p:cTn id="40" fill="hold">
+                            <p:stCondLst>
+                              <p:cond delay="0"/>
+                            </p:stCondLst>
+                            <p:childTnLst>
+                              <p:par>
+                                <p:cTn id="41" presetID="10" presetClass="entr" presetSubtype="0" fill="hold" nodeType="clickEffect">
+                                  <p:stCondLst>
+                                    <p:cond delay="0"/>
+                                  </p:stCondLst>
+                                  <p:childTnLst>
+                                    <p:set>
+                                      <p:cBhvr>
+                                        <p:cTn id="42" dur="1" fill="hold">
+                                          <p:stCondLst>
+                                            <p:cond delay="0"/>
+                                          </p:stCondLst>
+                                        </p:cTn>
+                                        <p:tgtEl>
+                                          <p:spTgt spid="14"/>
+                                        </p:tgtEl>
+                                        <p:attrNameLst>
+                                          <p:attrName>style.visibility</p:attrName>
+                                        </p:attrNameLst>
+                                      </p:cBhvr>
+                                      <p:to>
+                                        <p:strVal val="visible"/>
+                                      </p:to>
+                                    </p:set>
+                                    <p:animEffect transition="in" filter="fade">
+                                      <p:cBhvr>
+                                        <p:cTn id="43" dur="500"/>
+                                        <p:tgtEl>
+                                          <p:spTgt spid="14"/>
+                                        </p:tgtEl>
+                                      </p:cBhvr>
+                                    </p:animEffect>
+                                  </p:childTnLst>
+                                </p:cTn>
+                              </p:par>
+                            </p:childTnLst>
+                          </p:cTn>
+                        </p:par>
+                      </p:childTnLst>
+                    </p:cTn>
+                  </p:par>
+                  <p:par>
+                    <p:cTn id="44" fill="hold">
+                      <p:stCondLst>
+                        <p:cond delay="indefinite"/>
+                      </p:stCondLst>
+                      <p:childTnLst>
+                        <p:par>
+                          <p:cTn id="45" fill="hold">
+                            <p:stCondLst>
+                              <p:cond delay="0"/>
+                            </p:stCondLst>
+                            <p:childTnLst>
+                              <p:par>
+                                <p:cTn id="46" presetID="10" presetClass="entr" presetSubtype="0" fill="hold" grpId="0" nodeType="clickEffect">
+                                  <p:stCondLst>
+                                    <p:cond delay="0"/>
+                                  </p:stCondLst>
+                                  <p:childTnLst>
+                                    <p:set>
+                                      <p:cBhvr>
+                                        <p:cTn id="47" dur="1" fill="hold">
+                                          <p:stCondLst>
+                                            <p:cond delay="0"/>
+                                          </p:stCondLst>
+                                        </p:cTn>
+                                        <p:tgtEl>
+                                          <p:spTgt spid="11"/>
+                                        </p:tgtEl>
+                                        <p:attrNameLst>
+                                          <p:attrName>style.visibility</p:attrName>
+                                        </p:attrNameLst>
+                                      </p:cBhvr>
+                                      <p:to>
+                                        <p:strVal val="visible"/>
+                                      </p:to>
+                                    </p:set>
+                                    <p:animEffect transition="in" filter="fade">
+                                      <p:cBhvr>
+                                        <p:cTn id="48" dur="500"/>
+                                        <p:tgtEl>
+                                          <p:spTgt spid="11"/>
+                                        </p:tgtEl>
+                                      </p:cBhvr>
+                                    </p:animEffect>
+                                  </p:childTnLst>
+                                </p:cTn>
+                              </p:par>
+                            </p:childTnLst>
+                          </p:cTn>
+                        </p:par>
+                      </p:childTnLst>
+                    </p:cTn>
+                  </p:par>
+                </p:childTnLst>
+              </p:cTn>
+              <p:prevCondLst>
+                <p:cond evt="onPrev" delay="0">
+                  <p:tgtEl>
+                    <p:sldTgt/>
+                  </p:tgtEl>
+                </p:cond>
+              </p:prevCondLst>
+              <p:nextCondLst>
+                <p:cond evt="onNext" delay="0">
+                  <p:tgtEl>
+                    <p:sldTgt/>
+                  </p:tgtEl>
+                </p:cond>
+              </p:nextCondLst>
+            </p:seq>
+          </p:childTnLst>
+        </p:cTn>
+      </p:par>
+    </p:tnLst>
+    <p:bldLst>
+      <p:bldP spid="2" grpId="0"/>
+      <p:bldP spid="7" grpId="0"/>
+      <p:bldP spid="11" grpId="0"/>
+      <p:bldP spid="13" grpId="0" animBg="1"/>
+    </p:bldLst>
+  </p:timing>
+</p:sld>
+</file>
+
+<file path=ppt/slides/slide4.xml><?xml version="1.0" encoding="utf-8"?>
+<p:sld xmlns:a="http://schemas.openxmlformats.org/drawingml/2006/main" xmlns:r="http://schemas.openxmlformats.org/officeDocument/2006/relationships" xmlns:p="http://schemas.openxmlformats.org/presentationml/2006/main">
+  <p:cSld>
+    <p:spTree>
+      <p:nvGrpSpPr>
+        <p:cNvPr id="1" name=""/>
+        <p:cNvGrpSpPr/>
+        <p:nvPr/>
+      </p:nvGrpSpPr>
+      <p:grpSpPr>
+        <a:xfrm>
+          <a:off x="0" y="0"/>
+          <a:ext cx="0" cy="0"/>
+          <a:chOff x="0" y="0"/>
+          <a:chExt cx="0" cy="0"/>
+        </a:xfrm>
+      </p:grpSpPr>
+      <p:graphicFrame>
+        <p:nvGraphicFramePr>
+          <p:cNvPr id="4" name="Tabela 4">
+            <a:extLst>
+              <a:ext uri="{FF2B5EF4-FFF2-40B4-BE49-F238E27FC236}">
+                <a16:creationId xmlns:a16="http://schemas.microsoft.com/office/drawing/2014/main" id="{EC2CA686-1CF0-2ACB-130E-E29BF7ECAAB4}"/>
+              </a:ext>
+            </a:extLst>
+          </p:cNvPr>
+          <p:cNvGraphicFramePr>
+            <a:graphicFrameLocks noGrp="1"/>
+          </p:cNvGraphicFramePr>
+          <p:nvPr/>
+        </p:nvGraphicFramePr>
+        <p:xfrm>
+          <a:off x="0" y="0"/>
+          <a:ext cx="12192000" cy="1090506"/>
+        </p:xfrm>
+        <a:graphic>
+          <a:graphicData uri="http://schemas.openxmlformats.org/drawingml/2006/table">
+            <a:tbl>
+              <a:tblPr firstRow="1" bandRow="1">
+                <a:tableStyleId>{5C22544A-7EE6-4342-B048-85BDC9FD1C3A}</a:tableStyleId>
+              </a:tblPr>
+              <a:tblGrid>
+                <a:gridCol w="12192000">
+                  <a:extLst>
+                    <a:ext uri="{9D8B030D-6E8A-4147-A177-3AD203B41FA5}">
+                      <a16:colId xmlns:a16="http://schemas.microsoft.com/office/drawing/2014/main" val="740616713"/>
+                    </a:ext>
+                  </a:extLst>
+                </a:gridCol>
+              </a:tblGrid>
+              <a:tr h="1090506">
+                <a:tc>
+                  <a:txBody>
+                    <a:bodyPr/>
+                    <a:lstStyle/>
+                    <a:p>
+                      <a:endParaRPr lang="pt-BR" dirty="0"/>
+                    </a:p>
+                  </a:txBody>
+                  <a:tcPr/>
+                </a:tc>
+                <a:extLst>
+                  <a:ext uri="{0D108BD9-81ED-4DB2-BD59-A6C34878D82A}">
+                    <a16:rowId xmlns:a16="http://schemas.microsoft.com/office/drawing/2014/main" val="2895593234"/>
+                  </a:ext>
+                </a:extLst>
+              </a:tr>
+            </a:tbl>
+          </a:graphicData>
+        </a:graphic>
+      </p:graphicFrame>
+      <p:pic>
+        <p:nvPicPr>
+          <p:cNvPr id="6" name="Imagem 5">
+            <a:extLst>
+              <a:ext uri="{FF2B5EF4-FFF2-40B4-BE49-F238E27FC236}">
+                <a16:creationId xmlns:a16="http://schemas.microsoft.com/office/drawing/2014/main" id="{9DF7B15F-D502-99DD-B29A-1EAE57D44841}"/>
+              </a:ext>
+            </a:extLst>
+          </p:cNvPr>
+          <p:cNvPicPr>
+            <a:picLocks noChangeAspect="1"/>
+          </p:cNvPicPr>
+          <p:nvPr/>
+        </p:nvPicPr>
+        <p:blipFill>
+          <a:blip r:embed="rId2"/>
+          <a:stretch>
+            <a:fillRect/>
+          </a:stretch>
+        </p:blipFill>
+        <p:spPr>
+          <a:xfrm>
+            <a:off x="166378" y="107042"/>
+            <a:ext cx="838317" cy="876422"/>
+          </a:xfrm>
+          <a:prstGeom prst="rect">
+            <a:avLst/>
+          </a:prstGeom>
+        </p:spPr>
+      </p:pic>
+      <p:sp>
+        <p:nvSpPr>
+          <p:cNvPr id="5" name="CaixaDeTexto 4">
+            <a:extLst>
+              <a:ext uri="{FF2B5EF4-FFF2-40B4-BE49-F238E27FC236}">
+                <a16:creationId xmlns:a16="http://schemas.microsoft.com/office/drawing/2014/main" id="{C5715DF6-BFA0-61C8-72E4-9AFD23A93313}"/>
+              </a:ext>
+            </a:extLst>
+          </p:cNvPr>
+          <p:cNvSpPr txBox="1"/>
+          <p:nvPr/>
+        </p:nvSpPr>
+        <p:spPr>
+          <a:xfrm>
+            <a:off x="4611372" y="213968"/>
+            <a:ext cx="4945711" cy="646331"/>
+          </a:xfrm>
+          <a:prstGeom prst="rect">
+            <a:avLst/>
+          </a:prstGeom>
+          <a:noFill/>
+        </p:spPr>
+        <p:txBody>
+          <a:bodyPr wrap="square" rtlCol="0">
+            <a:spAutoFit/>
+          </a:bodyPr>
+          <a:lstStyle/>
+          <a:p>
+            <a:r>
+              <a:rPr lang="pt-BR" sz="3600" b="1" dirty="0" err="1">
+                <a:solidFill>
+                  <a:schemeClr val="bg1"/>
+                </a:solidFill>
+              </a:rPr>
+              <a:t>Concluding</a:t>
+            </a:r>
+            <a:endParaRPr lang="pt-BR" sz="3600" b="1" dirty="0">
+              <a:solidFill>
+                <a:schemeClr val="bg1"/>
+              </a:solidFill>
+            </a:endParaRPr>
+          </a:p>
+        </p:txBody>
+      </p:sp>
+      <p:sp>
+        <p:nvSpPr>
+          <p:cNvPr id="7" name="CaixaDeTexto 6">
+            <a:extLst>
+              <a:ext uri="{FF2B5EF4-FFF2-40B4-BE49-F238E27FC236}">
+                <a16:creationId xmlns:a16="http://schemas.microsoft.com/office/drawing/2014/main" id="{4E4042E1-AFEE-6C43-0377-A33E829C2B30}"/>
+              </a:ext>
+            </a:extLst>
+          </p:cNvPr>
+          <p:cNvSpPr txBox="1"/>
+          <p:nvPr/>
+        </p:nvSpPr>
+        <p:spPr>
+          <a:xfrm>
+            <a:off x="2636668" y="1198943"/>
+            <a:ext cx="6420073" cy="461665"/>
+          </a:xfrm>
+          <a:prstGeom prst="rect">
+            <a:avLst/>
+          </a:prstGeom>
+          <a:noFill/>
+        </p:spPr>
+        <p:txBody>
+          <a:bodyPr wrap="square" rtlCol="0">
+            <a:spAutoFit/>
+          </a:bodyPr>
+          <a:lstStyle/>
+          <a:p>
+            <a:r>
+              <a:rPr lang="pt-BR" sz="2400" b="1" dirty="0" err="1"/>
+              <a:t>Simple</a:t>
+            </a:r>
+            <a:r>
+              <a:rPr lang="pt-BR" sz="2400" b="1" dirty="0"/>
+              <a:t> </a:t>
+            </a:r>
+            <a:r>
+              <a:rPr lang="pt-BR" sz="2400" b="1" dirty="0" err="1"/>
+              <a:t>ways</a:t>
+            </a:r>
+            <a:r>
+              <a:rPr lang="pt-BR" sz="2400" b="1" dirty="0"/>
+              <a:t> </a:t>
+            </a:r>
+            <a:r>
+              <a:rPr lang="pt-BR" sz="2400" b="1" dirty="0" err="1"/>
+              <a:t>of</a:t>
+            </a:r>
+            <a:r>
+              <a:rPr lang="pt-BR" sz="2400" b="1" dirty="0"/>
+              <a:t> </a:t>
+            </a:r>
+            <a:r>
+              <a:rPr lang="pt-BR" sz="2400" b="1" dirty="0" err="1"/>
+              <a:t>definying</a:t>
+            </a:r>
+            <a:r>
+              <a:rPr lang="pt-BR" sz="2400" b="1" dirty="0"/>
+              <a:t> DOM in a </a:t>
+            </a:r>
+            <a:r>
+              <a:rPr lang="pt-BR" sz="2400" b="1" dirty="0" err="1"/>
+              <a:t>job</a:t>
+            </a:r>
+            <a:r>
+              <a:rPr lang="pt-BR" sz="2400" b="1" dirty="0"/>
+              <a:t> interview:</a:t>
+            </a:r>
+          </a:p>
+        </p:txBody>
+      </p:sp>
+      <p:graphicFrame>
+        <p:nvGraphicFramePr>
+          <p:cNvPr id="8" name="Tabela 8">
+            <a:extLst>
+              <a:ext uri="{FF2B5EF4-FFF2-40B4-BE49-F238E27FC236}">
+                <a16:creationId xmlns:a16="http://schemas.microsoft.com/office/drawing/2014/main" id="{303BD790-69C9-05A3-EE91-1A453BF75353}"/>
+              </a:ext>
+            </a:extLst>
+          </p:cNvPr>
+          <p:cNvGraphicFramePr>
+            <a:graphicFrameLocks noGrp="1"/>
+          </p:cNvGraphicFramePr>
+          <p:nvPr>
+            <p:extLst>
+              <p:ext uri="{D42A27DB-BD31-4B8C-83A1-F6EECF244321}">
+                <p14:modId xmlns:p14="http://schemas.microsoft.com/office/powerpoint/2010/main" val="4213698426"/>
+              </p:ext>
+            </p:extLst>
+          </p:nvPr>
+        </p:nvGraphicFramePr>
+        <p:xfrm>
+          <a:off x="2815739" y="2104008"/>
+          <a:ext cx="5788241" cy="4016999"/>
+        </p:xfrm>
+        <a:graphic>
+          <a:graphicData uri="http://schemas.openxmlformats.org/drawingml/2006/table">
+            <a:tbl>
+              <a:tblPr firstRow="1" bandRow="1">
+                <a:tableStyleId>{5C22544A-7EE6-4342-B048-85BDC9FD1C3A}</a:tableStyleId>
+              </a:tblPr>
+              <a:tblGrid>
+                <a:gridCol w="5788241">
+                  <a:extLst>
+                    <a:ext uri="{9D8B030D-6E8A-4147-A177-3AD203B41FA5}">
+                      <a16:colId xmlns:a16="http://schemas.microsoft.com/office/drawing/2014/main" val="2823233385"/>
+                    </a:ext>
+                  </a:extLst>
+                </a:gridCol>
+              </a:tblGrid>
+              <a:tr h="4016999">
+                <a:tc>
+                  <a:txBody>
+                    <a:bodyPr/>
+                    <a:lstStyle/>
+                    <a:p>
+                      <a:pPr marL="285750" marR="0" lvl="0" indent="-285750" algn="l" defTabSz="914400" rtl="0" eaLnBrk="1" fontAlgn="auto" latinLnBrk="0" hangingPunct="1">
+                        <a:lnSpc>
+                          <a:spcPct val="100000"/>
+                        </a:lnSpc>
+                        <a:spcBef>
+                          <a:spcPts val="0"/>
+                        </a:spcBef>
+                        <a:spcAft>
+                          <a:spcPts val="0"/>
+                        </a:spcAft>
+                        <a:buClrTx/>
+                        <a:buSzTx/>
+                        <a:buFont typeface="Arial" panose="020B0604020202020204" pitchFamily="34" charset="0"/>
+                        <a:buChar char="•"/>
+                        <a:tabLst/>
+                        <a:defRPr/>
+                      </a:pPr>
+                      <a:r>
+                        <a:rPr lang="en-US" b="0" i="0" dirty="0">
+                          <a:solidFill>
+                            <a:schemeClr val="tx1"/>
+                          </a:solidFill>
+                          <a:effectLst/>
+                          <a:latin typeface="Söhne"/>
+                        </a:rPr>
+                        <a:t>The Document Object Model (DOM) is a programming interface for HTML and XML documents, providing a way for scripts to dynamically access and modify the content and structure of a document.</a:t>
+                      </a:r>
+                    </a:p>
+                    <a:p>
+                      <a:pPr marL="0" marR="0" lvl="0" indent="0" algn="l" defTabSz="914400" rtl="0" eaLnBrk="1" fontAlgn="auto" latinLnBrk="0" hangingPunct="1">
+                        <a:lnSpc>
+                          <a:spcPct val="100000"/>
+                        </a:lnSpc>
+                        <a:spcBef>
+                          <a:spcPts val="0"/>
+                        </a:spcBef>
+                        <a:spcAft>
+                          <a:spcPts val="0"/>
+                        </a:spcAft>
+                        <a:buClrTx/>
+                        <a:buSzTx/>
+                        <a:buFont typeface="Arial" panose="020B0604020202020204" pitchFamily="34" charset="0"/>
+                        <a:buNone/>
+                        <a:tabLst/>
+                        <a:defRPr/>
+                      </a:pPr>
+                      <a:endParaRPr lang="en-US" b="0" i="0" dirty="0">
+                        <a:solidFill>
+                          <a:schemeClr val="tx1"/>
+                        </a:solidFill>
+                        <a:effectLst/>
+                        <a:latin typeface="Söhne"/>
+                      </a:endParaRPr>
+                    </a:p>
+                    <a:p>
+                      <a:pPr marL="285750" marR="0" lvl="0" indent="-285750" algn="l" defTabSz="914400" rtl="0" eaLnBrk="1" fontAlgn="auto" latinLnBrk="0" hangingPunct="1">
+                        <a:lnSpc>
+                          <a:spcPct val="100000"/>
+                        </a:lnSpc>
+                        <a:spcBef>
+                          <a:spcPts val="0"/>
+                        </a:spcBef>
+                        <a:spcAft>
+                          <a:spcPts val="0"/>
+                        </a:spcAft>
+                        <a:buClrTx/>
+                        <a:buSzTx/>
+                        <a:buFont typeface="Arial" panose="020B0604020202020204" pitchFamily="34" charset="0"/>
+                        <a:buChar char="•"/>
+                        <a:tabLst/>
+                        <a:defRPr/>
+                      </a:pPr>
+                      <a:endParaRPr lang="en-US" b="0" i="0" dirty="0">
+                        <a:solidFill>
+                          <a:schemeClr val="tx1"/>
+                        </a:solidFill>
+                        <a:effectLst/>
+                        <a:latin typeface="Söhne"/>
+                      </a:endParaRPr>
+                    </a:p>
+                    <a:p>
+                      <a:pPr marL="285750" indent="-285750">
+                        <a:buFont typeface="Arial" panose="020B0604020202020204" pitchFamily="34" charset="0"/>
+                        <a:buChar char="•"/>
+                      </a:pPr>
+                      <a:endParaRPr lang="pt-BR" dirty="0"/>
+                    </a:p>
+                  </a:txBody>
+                  <a:tcPr>
+                    <a:lnL w="12700" cap="flat" cmpd="sng" algn="ctr">
+                      <a:noFill/>
+                      <a:prstDash val="solid"/>
+                      <a:round/>
+                      <a:headEnd type="none" w="med" len="med"/>
+                      <a:tailEnd type="none" w="med" len="med"/>
+                    </a:lnL>
+                    <a:lnR w="12700" cap="flat" cmpd="sng" algn="ctr">
+                      <a:noFill/>
+                      <a:prstDash val="solid"/>
+                      <a:round/>
+                      <a:headEnd type="none" w="med" len="med"/>
+                      <a:tailEnd type="none" w="med" len="med"/>
+                    </a:lnR>
+                    <a:lnT w="12700" cap="flat" cmpd="sng" algn="ctr">
+                      <a:noFill/>
+                      <a:prstDash val="solid"/>
+                      <a:round/>
+                      <a:headEnd type="none" w="med" len="med"/>
+                      <a:tailEnd type="none" w="med" len="med"/>
+                    </a:lnT>
+                    <a:lnB w="12700" cap="flat" cmpd="sng" algn="ctr">
+                      <a:noFill/>
+                      <a:prstDash val="solid"/>
+                      <a:round/>
+                      <a:headEnd type="none" w="med" len="med"/>
+                      <a:tailEnd type="none" w="med" len="med"/>
+                    </a:lnB>
+                    <a:lnTlToBr w="12700" cmpd="sng">
+                      <a:noFill/>
+                      <a:prstDash val="solid"/>
+                    </a:lnTlToBr>
+                    <a:lnBlToTr w="12700" cmpd="sng">
+                      <a:noFill/>
+                      <a:prstDash val="solid"/>
+                    </a:lnBlToTr>
+                    <a:solidFill>
+                      <a:schemeClr val="bg1"/>
+                    </a:solidFill>
+                  </a:tcPr>
+                </a:tc>
+                <a:extLst>
+                  <a:ext uri="{0D108BD9-81ED-4DB2-BD59-A6C34878D82A}">
+                    <a16:rowId xmlns:a16="http://schemas.microsoft.com/office/drawing/2014/main" val="1556411888"/>
+                  </a:ext>
+                </a:extLst>
+              </a:tr>
+            </a:tbl>
+          </a:graphicData>
+        </a:graphic>
+      </p:graphicFrame>
+      <p:sp>
+        <p:nvSpPr>
+          <p:cNvPr id="10" name="CaixaDeTexto 9">
+            <a:extLst>
+              <a:ext uri="{FF2B5EF4-FFF2-40B4-BE49-F238E27FC236}">
+                <a16:creationId xmlns:a16="http://schemas.microsoft.com/office/drawing/2014/main" id="{680A0C0D-45B3-07B8-4068-42421346E13C}"/>
+              </a:ext>
+            </a:extLst>
+          </p:cNvPr>
+          <p:cNvSpPr txBox="1"/>
+          <p:nvPr/>
+        </p:nvSpPr>
+        <p:spPr>
+          <a:xfrm>
+            <a:off x="2815739" y="4849657"/>
+            <a:ext cx="6116714" cy="1200329"/>
+          </a:xfrm>
+          <a:prstGeom prst="rect">
+            <a:avLst/>
+          </a:prstGeom>
+          <a:noFill/>
+        </p:spPr>
+        <p:txBody>
+          <a:bodyPr wrap="square">
+            <a:spAutoFit/>
+          </a:bodyPr>
+          <a:lstStyle/>
+          <a:p>
+            <a:pPr marL="285750" marR="0" lvl="0" indent="-285750" algn="l" defTabSz="914400" rtl="0" eaLnBrk="1" fontAlgn="auto" latinLnBrk="0" hangingPunct="1">
+              <a:lnSpc>
+                <a:spcPct val="100000"/>
+              </a:lnSpc>
+              <a:spcBef>
+                <a:spcPts val="0"/>
+              </a:spcBef>
+              <a:spcAft>
+                <a:spcPts val="0"/>
+              </a:spcAft>
+              <a:buClrTx/>
+              <a:buSzTx/>
+              <a:buFont typeface="Arial" panose="020B0604020202020204" pitchFamily="34" charset="0"/>
+              <a:buChar char="•"/>
+              <a:tabLst/>
+              <a:defRPr/>
+            </a:pPr>
+            <a:r>
+              <a:rPr lang="en-US" sz="1800" b="0" i="0" kern="1200" dirty="0">
+                <a:solidFill>
+                  <a:schemeClr val="tx1"/>
+                </a:solidFill>
+                <a:effectLst/>
+                <a:latin typeface="+mn-lt"/>
+                <a:ea typeface="+mn-ea"/>
+                <a:cs typeface="+mn-cs"/>
+              </a:rPr>
+              <a:t>The DOM is a hierarchical tree-like structure that represents the elements and content of an HTML or XML document, allowing developers to manipulate the document structure and content using code.</a:t>
+            </a:r>
+          </a:p>
+        </p:txBody>
+      </p:sp>
+      <p:sp>
+        <p:nvSpPr>
+          <p:cNvPr id="12" name="CaixaDeTexto 11">
+            <a:extLst>
+              <a:ext uri="{FF2B5EF4-FFF2-40B4-BE49-F238E27FC236}">
+                <a16:creationId xmlns:a16="http://schemas.microsoft.com/office/drawing/2014/main" id="{30DA643E-D718-452D-16C5-6377B378FAAA}"/>
+              </a:ext>
+            </a:extLst>
+          </p:cNvPr>
+          <p:cNvSpPr txBox="1"/>
+          <p:nvPr/>
+        </p:nvSpPr>
+        <p:spPr>
+          <a:xfrm>
+            <a:off x="2788347" y="3427628"/>
+            <a:ext cx="6116714" cy="1200329"/>
+          </a:xfrm>
+          <a:prstGeom prst="rect">
+            <a:avLst/>
+          </a:prstGeom>
+          <a:noFill/>
+        </p:spPr>
+        <p:txBody>
+          <a:bodyPr wrap="square">
+            <a:spAutoFit/>
+          </a:bodyPr>
+          <a:lstStyle/>
+          <a:p>
+            <a:pPr marL="285750" marR="0" lvl="0" indent="-285750" algn="l" defTabSz="914400" rtl="0" eaLnBrk="1" fontAlgn="auto" latinLnBrk="0" hangingPunct="1">
+              <a:lnSpc>
+                <a:spcPct val="100000"/>
+              </a:lnSpc>
+              <a:spcBef>
+                <a:spcPts val="0"/>
+              </a:spcBef>
+              <a:spcAft>
+                <a:spcPts val="0"/>
+              </a:spcAft>
+              <a:buClrTx/>
+              <a:buSzTx/>
+              <a:buFont typeface="Arial" panose="020B0604020202020204" pitchFamily="34" charset="0"/>
+              <a:buChar char="•"/>
+              <a:tabLst/>
+              <a:defRPr/>
+            </a:pPr>
+            <a:r>
+              <a:rPr lang="en-US" sz="1800" b="0" i="0" kern="1200" dirty="0">
+                <a:solidFill>
+                  <a:schemeClr val="tx1"/>
+                </a:solidFill>
+                <a:effectLst/>
+                <a:latin typeface="+mn-lt"/>
+                <a:ea typeface="+mn-ea"/>
+                <a:cs typeface="+mn-cs"/>
+              </a:rPr>
+              <a:t>The DOM is a standard platform and language independent API that allows web developers to access and manipulate the structure and content of an HTML or XML document using a consistent set of methods and properties.</a:t>
+            </a:r>
+          </a:p>
+        </p:txBody>
+      </p:sp>
+    </p:spTree>
+    <p:extLst>
+      <p:ext uri="{BB962C8B-B14F-4D97-AF65-F5344CB8AC3E}">
+        <p14:creationId xmlns:p14="http://schemas.microsoft.com/office/powerpoint/2010/main" val="2876691820"/>
+      </p:ext>
+    </p:extLst>
+  </p:cSld>
+  <p:clrMapOvr>
+    <a:masterClrMapping/>
+  </p:clrMapOvr>
+  <p:timing>
+    <p:tnLst>
+      <p:par>
+        <p:cTn id="1" dur="indefinite" restart="never" nodeType="tmRoot">
+          <p:childTnLst>
+            <p:seq concurrent="1" nextAc="seek">
+              <p:cTn id="2" dur="indefinite" nodeType="mainSeq">
+                <p:childTnLst>
+                  <p:par>
+                    <p:cTn id="3" fill="hold">
+                      <p:stCondLst>
+                        <p:cond delay="indefinite"/>
+                      </p:stCondLst>
+                      <p:childTnLst>
+                        <p:par>
+                          <p:cTn id="4" fill="hold">
+                            <p:stCondLst>
+                              <p:cond delay="0"/>
+                            </p:stCondLst>
+                            <p:childTnLst>
+                              <p:par>
+                                <p:cTn id="5" presetID="10" presetClass="entr" presetSubtype="0" fill="hold" grpId="0" nodeType="clickEffect">
+                                  <p:stCondLst>
+                                    <p:cond delay="0"/>
+                                  </p:stCondLst>
+                                  <p:childTnLst>
+                                    <p:set>
+                                      <p:cBhvr>
+                                        <p:cTn id="6" dur="1" fill="hold">
+                                          <p:stCondLst>
+                                            <p:cond delay="0"/>
+                                          </p:stCondLst>
+                                        </p:cTn>
+                                        <p:tgtEl>
+                                          <p:spTgt spid="7"/>
+                                        </p:tgtEl>
+                                        <p:attrNameLst>
+                                          <p:attrName>style.visibility</p:attrName>
+                                        </p:attrNameLst>
+                                      </p:cBhvr>
+                                      <p:to>
+                                        <p:strVal val="visible"/>
+                                      </p:to>
+                                    </p:set>
+                                    <p:animEffect transition="in" filter="fade">
+                                      <p:cBhvr>
+                                        <p:cTn id="7" dur="500"/>
+                                        <p:tgtEl>
+                                          <p:spTgt spid="7"/>
+                                        </p:tgtEl>
+                                      </p:cBhvr>
+                                    </p:animEffect>
+                                  </p:childTnLst>
+                                </p:cTn>
+                              </p:par>
+                            </p:childTnLst>
+                          </p:cTn>
+                        </p:par>
+                      </p:childTnLst>
+                    </p:cTn>
+                  </p:par>
+                  <p:par>
+                    <p:cTn id="8" fill="hold">
+                      <p:stCondLst>
+                        <p:cond delay="indefinite"/>
+                      </p:stCondLst>
+                      <p:childTnLst>
+                        <p:par>
+                          <p:cTn id="9" fill="hold">
+                            <p:stCondLst>
+                              <p:cond delay="0"/>
+                            </p:stCondLst>
+                            <p:childTnLst>
+                              <p:par>
+                                <p:cTn id="10" presetID="10" presetClass="entr" presetSubtype="0" fill="hold" nodeType="clickEffect">
+                                  <p:stCondLst>
+                                    <p:cond delay="0"/>
+                                  </p:stCondLst>
+                                  <p:childTnLst>
+                                    <p:set>
+                                      <p:cBhvr>
+                                        <p:cTn id="11" dur="1" fill="hold">
+                                          <p:stCondLst>
+                                            <p:cond delay="0"/>
+                                          </p:stCondLst>
+                                        </p:cTn>
+                                        <p:tgtEl>
+                                          <p:spTgt spid="8"/>
+                                        </p:tgtEl>
+                                        <p:attrNameLst>
+                                          <p:attrName>style.visibility</p:attrName>
+                                        </p:attrNameLst>
+                                      </p:cBhvr>
+                                      <p:to>
+                                        <p:strVal val="visible"/>
+                                      </p:to>
+                                    </p:set>
+                                    <p:animEffect transition="in" filter="fade">
+                                      <p:cBhvr>
+                                        <p:cTn id="12" dur="500"/>
+                                        <p:tgtEl>
+                                          <p:spTgt spid="8"/>
+                                        </p:tgtEl>
+                                      </p:cBhvr>
+                                    </p:animEffect>
+                                  </p:childTnLst>
+                                </p:cTn>
+                              </p:par>
+                            </p:childTnLst>
+                          </p:cTn>
+                        </p:par>
+                      </p:childTnLst>
+                    </p:cTn>
+                  </p:par>
+                  <p:par>
+                    <p:cTn id="13" fill="hold">
+                      <p:stCondLst>
+                        <p:cond delay="indefinite"/>
+                      </p:stCondLst>
+                      <p:childTnLst>
+                        <p:par>
+                          <p:cTn id="14" fill="hold">
+                            <p:stCondLst>
+                              <p:cond delay="0"/>
+                            </p:stCondLst>
+                            <p:childTnLst>
+                              <p:par>
+                                <p:cTn id="15" presetID="10" presetClass="entr" presetSubtype="0" fill="hold" nodeType="clickEffect">
+                                  <p:stCondLst>
+                                    <p:cond delay="0"/>
+                                  </p:stCondLst>
+                                  <p:childTnLst>
+                                    <p:set>
+                                      <p:cBhvr>
+                                        <p:cTn id="16" dur="1" fill="hold">
+                                          <p:stCondLst>
+                                            <p:cond delay="0"/>
+                                          </p:stCondLst>
+                                        </p:cTn>
+                                        <p:tgtEl>
+                                          <p:spTgt spid="12">
+                                            <p:txEl>
+                                              <p:pRg st="0" end="0"/>
+                                            </p:txEl>
+                                          </p:spTgt>
+                                        </p:tgtEl>
+                                        <p:attrNameLst>
+                                          <p:attrName>style.visibility</p:attrName>
+                                        </p:attrNameLst>
+                                      </p:cBhvr>
+                                      <p:to>
+                                        <p:strVal val="visible"/>
+                                      </p:to>
+                                    </p:set>
+                                    <p:animEffect transition="in" filter="fade">
+                                      <p:cBhvr>
+                                        <p:cTn id="17" dur="500"/>
+                                        <p:tgtEl>
+                                          <p:spTgt spid="12">
+                                            <p:txEl>
+                                              <p:pRg st="0" end="0"/>
+                                            </p:txEl>
+                                          </p:spTgt>
+                                        </p:tgtEl>
+                                      </p:cBhvr>
+                                    </p:animEffect>
+                                  </p:childTnLst>
+                                </p:cTn>
+                              </p:par>
+                            </p:childTnLst>
+                          </p:cTn>
+                        </p:par>
+                      </p:childTnLst>
+                    </p:cTn>
+                  </p:par>
+                  <p:par>
+                    <p:cTn id="18" fill="hold">
+                      <p:stCondLst>
+                        <p:cond delay="indefinite"/>
+                      </p:stCondLst>
+                      <p:childTnLst>
+                        <p:par>
+                          <p:cTn id="19" fill="hold">
+                            <p:stCondLst>
+                              <p:cond delay="0"/>
+                            </p:stCondLst>
+                            <p:childTnLst>
+                              <p:par>
+                                <p:cTn id="20" presetID="10" presetClass="entr" presetSubtype="0" fill="hold" grpId="0" nodeType="clickEffect">
+                                  <p:stCondLst>
+                                    <p:cond delay="0"/>
+                                  </p:stCondLst>
+                                  <p:childTnLst>
+                                    <p:set>
+                                      <p:cBhvr>
+                                        <p:cTn id="21" dur="1" fill="hold">
+                                          <p:stCondLst>
+                                            <p:cond delay="0"/>
+                                          </p:stCondLst>
+                                        </p:cTn>
+                                        <p:tgtEl>
+                                          <p:spTgt spid="10"/>
+                                        </p:tgtEl>
+                                        <p:attrNameLst>
+                                          <p:attrName>style.visibility</p:attrName>
+                                        </p:attrNameLst>
+                                      </p:cBhvr>
+                                      <p:to>
+                                        <p:strVal val="visible"/>
+                                      </p:to>
+                                    </p:set>
+                                    <p:animEffect transition="in" filter="fade">
+                                      <p:cBhvr>
+                                        <p:cTn id="22" dur="500"/>
+                                        <p:tgtEl>
+                                          <p:spTgt spid="10"/>
+                                        </p:tgtEl>
+                                      </p:cBhvr>
+                                    </p:animEffect>
+                                  </p:childTnLst>
+                                </p:cTn>
+                              </p:par>
+                            </p:childTnLst>
+                          </p:cTn>
+                        </p:par>
+                      </p:childTnLst>
+                    </p:cTn>
+                  </p:par>
+                </p:childTnLst>
+              </p:cTn>
+              <p:prevCondLst>
+                <p:cond evt="onPrev" delay="0">
+                  <p:tgtEl>
+                    <p:sldTgt/>
+                  </p:tgtEl>
+                </p:cond>
+              </p:prevCondLst>
+              <p:nextCondLst>
+                <p:cond evt="onNext" delay="0">
+                  <p:tgtEl>
+                    <p:sldTgt/>
+                  </p:tgtEl>
+                </p:cond>
+              </p:nextCondLst>
+            </p:seq>
+          </p:childTnLst>
+        </p:cTn>
+      </p:par>
+    </p:tnLst>
+    <p:bldLst>
+      <p:bldP spid="7" grpId="0"/>
+      <p:bldP spid="10" grpId="0"/>
+    </p:bldLst>
+  </p:timing>
 </p:sld>
 </file>
 

--- a/DOM_Presentation.pptx
+++ b/DOM_Presentation.pptx
@@ -262,7 +262,7 @@
           <a:p>
             <a:fld id="{F7355B20-BF42-49BA-BFCA-E73ABD8A2CB7}" type="datetimeFigureOut">
               <a:rPr lang="pt-BR" smtClean="0"/>
-              <a:t>28/04/2023</a:t>
+              <a:t>06/05/2023</a:t>
             </a:fld>
             <a:endParaRPr lang="pt-BR"/>
           </a:p>
@@ -460,7 +460,7 @@
           <a:p>
             <a:fld id="{F7355B20-BF42-49BA-BFCA-E73ABD8A2CB7}" type="datetimeFigureOut">
               <a:rPr lang="pt-BR" smtClean="0"/>
-              <a:t>28/04/2023</a:t>
+              <a:t>06/05/2023</a:t>
             </a:fld>
             <a:endParaRPr lang="pt-BR"/>
           </a:p>
@@ -668,7 +668,7 @@
           <a:p>
             <a:fld id="{F7355B20-BF42-49BA-BFCA-E73ABD8A2CB7}" type="datetimeFigureOut">
               <a:rPr lang="pt-BR" smtClean="0"/>
-              <a:t>28/04/2023</a:t>
+              <a:t>06/05/2023</a:t>
             </a:fld>
             <a:endParaRPr lang="pt-BR"/>
           </a:p>
@@ -866,7 +866,7 @@
           <a:p>
             <a:fld id="{F7355B20-BF42-49BA-BFCA-E73ABD8A2CB7}" type="datetimeFigureOut">
               <a:rPr lang="pt-BR" smtClean="0"/>
-              <a:t>28/04/2023</a:t>
+              <a:t>06/05/2023</a:t>
             </a:fld>
             <a:endParaRPr lang="pt-BR"/>
           </a:p>
@@ -1141,7 +1141,7 @@
           <a:p>
             <a:fld id="{F7355B20-BF42-49BA-BFCA-E73ABD8A2CB7}" type="datetimeFigureOut">
               <a:rPr lang="pt-BR" smtClean="0"/>
-              <a:t>28/04/2023</a:t>
+              <a:t>06/05/2023</a:t>
             </a:fld>
             <a:endParaRPr lang="pt-BR"/>
           </a:p>
@@ -1406,7 +1406,7 @@
           <a:p>
             <a:fld id="{F7355B20-BF42-49BA-BFCA-E73ABD8A2CB7}" type="datetimeFigureOut">
               <a:rPr lang="pt-BR" smtClean="0"/>
-              <a:t>28/04/2023</a:t>
+              <a:t>06/05/2023</a:t>
             </a:fld>
             <a:endParaRPr lang="pt-BR"/>
           </a:p>
@@ -1818,7 +1818,7 @@
           <a:p>
             <a:fld id="{F7355B20-BF42-49BA-BFCA-E73ABD8A2CB7}" type="datetimeFigureOut">
               <a:rPr lang="pt-BR" smtClean="0"/>
-              <a:t>28/04/2023</a:t>
+              <a:t>06/05/2023</a:t>
             </a:fld>
             <a:endParaRPr lang="pt-BR"/>
           </a:p>
@@ -1959,7 +1959,7 @@
           <a:p>
             <a:fld id="{F7355B20-BF42-49BA-BFCA-E73ABD8A2CB7}" type="datetimeFigureOut">
               <a:rPr lang="pt-BR" smtClean="0"/>
-              <a:t>28/04/2023</a:t>
+              <a:t>06/05/2023</a:t>
             </a:fld>
             <a:endParaRPr lang="pt-BR"/>
           </a:p>
@@ -2072,7 +2072,7 @@
           <a:p>
             <a:fld id="{F7355B20-BF42-49BA-BFCA-E73ABD8A2CB7}" type="datetimeFigureOut">
               <a:rPr lang="pt-BR" smtClean="0"/>
-              <a:t>28/04/2023</a:t>
+              <a:t>06/05/2023</a:t>
             </a:fld>
             <a:endParaRPr lang="pt-BR"/>
           </a:p>
@@ -2383,7 +2383,7 @@
           <a:p>
             <a:fld id="{F7355B20-BF42-49BA-BFCA-E73ABD8A2CB7}" type="datetimeFigureOut">
               <a:rPr lang="pt-BR" smtClean="0"/>
-              <a:t>28/04/2023</a:t>
+              <a:t>06/05/2023</a:t>
             </a:fld>
             <a:endParaRPr lang="pt-BR"/>
           </a:p>
@@ -2671,7 +2671,7 @@
           <a:p>
             <a:fld id="{F7355B20-BF42-49BA-BFCA-E73ABD8A2CB7}" type="datetimeFigureOut">
               <a:rPr lang="pt-BR" smtClean="0"/>
-              <a:t>28/04/2023</a:t>
+              <a:t>06/05/2023</a:t>
             </a:fld>
             <a:endParaRPr lang="pt-BR"/>
           </a:p>
@@ -2912,7 +2912,7 @@
           <a:p>
             <a:fld id="{F7355B20-BF42-49BA-BFCA-E73ABD8A2CB7}" type="datetimeFigureOut">
               <a:rPr lang="pt-BR" smtClean="0"/>
-              <a:t>28/04/2023</a:t>
+              <a:t>06/05/2023</a:t>
             </a:fld>
             <a:endParaRPr lang="pt-BR"/>
           </a:p>
@@ -4088,6 +4088,36 @@
           </a:p>
         </p:txBody>
       </p:sp>
+      <p:pic>
+        <p:nvPicPr>
+          <p:cNvPr id="5" name="Imagem 4">
+            <a:extLst>
+              <a:ext uri="{FF2B5EF4-FFF2-40B4-BE49-F238E27FC236}">
+                <a16:creationId xmlns:a16="http://schemas.microsoft.com/office/drawing/2014/main" id="{3A266F91-5F7F-9C73-A447-A7EACA9432FD}"/>
+              </a:ext>
+            </a:extLst>
+          </p:cNvPr>
+          <p:cNvPicPr>
+            <a:picLocks noChangeAspect="1"/>
+          </p:cNvPicPr>
+          <p:nvPr/>
+        </p:nvPicPr>
+        <p:blipFill>
+          <a:blip r:embed="rId4"/>
+          <a:stretch>
+            <a:fillRect/>
+          </a:stretch>
+        </p:blipFill>
+        <p:spPr>
+          <a:xfrm>
+            <a:off x="10505404" y="5855855"/>
+            <a:ext cx="523099" cy="276907"/>
+          </a:xfrm>
+          <a:prstGeom prst="rect">
+            <a:avLst/>
+          </a:prstGeom>
+        </p:spPr>
+      </p:pic>
     </p:spTree>
     <p:extLst>
       <p:ext uri="{BB962C8B-B14F-4D97-AF65-F5344CB8AC3E}">
@@ -4384,7 +4414,7 @@
                             </p:stCondLst>
                             <p:childTnLst>
                               <p:par>
-                                <p:cTn id="30" presetID="1" presetClass="entr" presetSubtype="0" fill="hold" grpId="0" nodeType="clickEffect">
+                                <p:cTn id="30" presetID="1" presetClass="entr" presetSubtype="0" fill="hold" nodeType="clickEffect">
                                   <p:stCondLst>
                                     <p:cond delay="0"/>
                                   </p:stCondLst>
@@ -4392,6 +4422,51 @@
                                     <p:set>
                                       <p:cBhvr>
                                         <p:cTn id="31" dur="1" fill="hold">
+                                          <p:stCondLst>
+                                            <p:cond delay="0"/>
+                                          </p:stCondLst>
+                                        </p:cTn>
+                                        <p:tgtEl>
+                                          <p:spTgt spid="5"/>
+                                        </p:tgtEl>
+                                        <p:attrNameLst>
+                                          <p:attrName>style.visibility</p:attrName>
+                                        </p:attrNameLst>
+                                      </p:cBhvr>
+                                      <p:to>
+                                        <p:strVal val="visible"/>
+                                      </p:to>
+                                    </p:set>
+                                  </p:childTnLst>
+                                </p:cTn>
+                              </p:par>
+                            </p:childTnLst>
+                          </p:cTn>
+                        </p:par>
+                      </p:childTnLst>
+                    </p:cTn>
+                  </p:par>
+                  <p:par>
+                    <p:cTn id="32" fill="hold">
+                      <p:stCondLst>
+                        <p:cond delay="indefinite"/>
+                      </p:stCondLst>
+                      <p:childTnLst>
+                        <p:par>
+                          <p:cTn id="33" fill="hold">
+                            <p:stCondLst>
+                              <p:cond delay="0"/>
+                            </p:stCondLst>
+                            <p:childTnLst>
+                              <p:par>
+                                <p:cTn id="34" presetID="1" presetClass="entr" presetSubtype="0" fill="hold" grpId="0" nodeType="clickEffect">
+                                  <p:stCondLst>
+                                    <p:cond delay="0"/>
+                                  </p:stCondLst>
+                                  <p:childTnLst>
+                                    <p:set>
+                                      <p:cBhvr>
+                                        <p:cTn id="35" dur="1" fill="hold">
                                           <p:stCondLst>
                                             <p:cond delay="0"/>
                                           </p:stCondLst>
@@ -4712,491 +4787,66 @@
           <a:lstStyle/>
           <a:p>
             <a:r>
-              <a:rPr lang="pt-BR" dirty="0"/>
-              <a:t>The DOM </a:t>
-            </a:r>
-            <a:r>
-              <a:rPr lang="pt-BR" dirty="0" err="1"/>
-              <a:t>is</a:t>
-            </a:r>
-            <a:r>
-              <a:rPr lang="pt-BR" dirty="0"/>
-              <a:t> </a:t>
-            </a:r>
-            <a:r>
-              <a:rPr lang="pt-BR" dirty="0" err="1"/>
-              <a:t>known</a:t>
-            </a:r>
-            <a:r>
-              <a:rPr lang="pt-BR" dirty="0"/>
-              <a:t> as a </a:t>
-            </a:r>
-            <a:r>
-              <a:rPr lang="pt-BR" b="1" dirty="0" err="1"/>
-              <a:t>tree</a:t>
-            </a:r>
-            <a:r>
-              <a:rPr lang="pt-BR" b="1" dirty="0"/>
-              <a:t>-like-</a:t>
-            </a:r>
-            <a:r>
-              <a:rPr lang="pt-BR" b="1" dirty="0" err="1"/>
-              <a:t>structure</a:t>
-            </a:r>
-            <a:r>
-              <a:rPr lang="pt-BR" dirty="0"/>
-              <a:t>, </a:t>
-            </a:r>
-            <a:r>
-              <a:rPr lang="pt-BR" dirty="0" err="1"/>
-              <a:t>because</a:t>
-            </a:r>
-            <a:r>
-              <a:rPr lang="pt-BR" dirty="0"/>
-              <a:t> </a:t>
-            </a:r>
-            <a:r>
-              <a:rPr lang="pt-BR" dirty="0" err="1"/>
-              <a:t>it's</a:t>
-            </a:r>
-            <a:r>
-              <a:rPr lang="pt-BR" dirty="0"/>
-              <a:t> </a:t>
-            </a:r>
-            <a:r>
-              <a:rPr lang="pt-BR" dirty="0" err="1"/>
-              <a:t>structured</a:t>
-            </a:r>
-            <a:r>
-              <a:rPr lang="pt-BR" dirty="0"/>
-              <a:t> as </a:t>
-            </a:r>
-            <a:r>
-              <a:rPr lang="pt-BR" dirty="0" err="1"/>
-              <a:t>hierarchial</a:t>
-            </a:r>
-            <a:r>
-              <a:rPr lang="pt-BR" dirty="0"/>
-              <a:t>. At </a:t>
-            </a:r>
-            <a:r>
-              <a:rPr lang="pt-BR" dirty="0" err="1"/>
-              <a:t>the</a:t>
-            </a:r>
-            <a:r>
-              <a:rPr lang="pt-BR" dirty="0"/>
-              <a:t> top </a:t>
-            </a:r>
-            <a:r>
-              <a:rPr lang="pt-BR" dirty="0" err="1"/>
-              <a:t>of</a:t>
-            </a:r>
-            <a:r>
-              <a:rPr lang="pt-BR" dirty="0"/>
-              <a:t> </a:t>
-            </a:r>
-            <a:r>
-              <a:rPr lang="pt-BR" dirty="0" err="1"/>
-              <a:t>the</a:t>
-            </a:r>
-            <a:r>
-              <a:rPr lang="pt-BR" dirty="0"/>
-              <a:t> </a:t>
-            </a:r>
-            <a:r>
-              <a:rPr lang="pt-BR" dirty="0" err="1"/>
-              <a:t>tree</a:t>
-            </a:r>
-            <a:r>
-              <a:rPr lang="pt-BR" dirty="0"/>
-              <a:t> </a:t>
-            </a:r>
-            <a:r>
-              <a:rPr lang="pt-BR" dirty="0" err="1"/>
-              <a:t>there</a:t>
-            </a:r>
-            <a:r>
-              <a:rPr lang="pt-BR" dirty="0"/>
-              <a:t> </a:t>
-            </a:r>
-            <a:r>
-              <a:rPr lang="pt-BR" dirty="0" err="1"/>
-              <a:t>is</a:t>
-            </a:r>
-            <a:r>
-              <a:rPr lang="pt-BR" dirty="0"/>
-              <a:t> </a:t>
-            </a:r>
-            <a:r>
-              <a:rPr lang="pt-BR" dirty="0" err="1"/>
-              <a:t>the</a:t>
-            </a:r>
-            <a:r>
-              <a:rPr lang="pt-BR" dirty="0"/>
-              <a:t> </a:t>
-            </a:r>
-            <a:r>
-              <a:rPr lang="pt-BR" dirty="0" err="1"/>
-              <a:t>document</a:t>
-            </a:r>
-            <a:r>
-              <a:rPr lang="pt-BR" dirty="0"/>
-              <a:t> </a:t>
-            </a:r>
-            <a:r>
-              <a:rPr lang="pt-BR" dirty="0" err="1"/>
-              <a:t>object</a:t>
-            </a:r>
-            <a:r>
-              <a:rPr lang="pt-BR" dirty="0"/>
-              <a:t>, </a:t>
-            </a:r>
-            <a:r>
-              <a:rPr lang="pt-BR" dirty="0" err="1"/>
-              <a:t>which</a:t>
-            </a:r>
-            <a:r>
-              <a:rPr lang="pt-BR" dirty="0"/>
-              <a:t> </a:t>
-            </a:r>
-            <a:r>
-              <a:rPr lang="pt-BR" dirty="0" err="1"/>
-              <a:t>represents</a:t>
-            </a:r>
-            <a:r>
-              <a:rPr lang="pt-BR" dirty="0"/>
-              <a:t> </a:t>
-            </a:r>
-            <a:r>
-              <a:rPr lang="pt-BR" dirty="0" err="1"/>
-              <a:t>the</a:t>
-            </a:r>
-            <a:r>
-              <a:rPr lang="pt-BR" dirty="0"/>
-              <a:t> </a:t>
-            </a:r>
-            <a:r>
-              <a:rPr lang="pt-BR" dirty="0" err="1"/>
-              <a:t>entire</a:t>
-            </a:r>
-            <a:r>
-              <a:rPr lang="pt-BR" dirty="0"/>
-              <a:t> HTML </a:t>
-            </a:r>
-            <a:r>
-              <a:rPr lang="pt-BR" dirty="0" err="1"/>
-              <a:t>or</a:t>
-            </a:r>
-            <a:r>
-              <a:rPr lang="pt-BR" dirty="0"/>
-              <a:t> XML </a:t>
-            </a:r>
-            <a:r>
-              <a:rPr lang="pt-BR" dirty="0" err="1"/>
-              <a:t>document</a:t>
-            </a:r>
-            <a:r>
-              <a:rPr lang="pt-BR" dirty="0"/>
-              <a:t>. The </a:t>
-            </a:r>
-            <a:r>
-              <a:rPr lang="pt-BR" dirty="0" err="1"/>
-              <a:t>head</a:t>
-            </a:r>
-            <a:r>
-              <a:rPr lang="pt-BR" dirty="0"/>
-              <a:t> </a:t>
-            </a:r>
-            <a:r>
-              <a:rPr lang="pt-BR" dirty="0" err="1"/>
-              <a:t>element</a:t>
-            </a:r>
-            <a:r>
-              <a:rPr lang="pt-BR" dirty="0"/>
-              <a:t> </a:t>
-            </a:r>
-            <a:r>
-              <a:rPr lang="pt-BR" dirty="0" err="1"/>
-              <a:t>has</a:t>
-            </a:r>
-            <a:r>
-              <a:rPr lang="pt-BR" dirty="0"/>
-              <a:t> </a:t>
-            </a:r>
-            <a:r>
-              <a:rPr lang="pt-BR" dirty="0" err="1"/>
-              <a:t>child</a:t>
-            </a:r>
-            <a:r>
-              <a:rPr lang="pt-BR" dirty="0"/>
-              <a:t> </a:t>
-            </a:r>
-            <a:r>
-              <a:rPr lang="pt-BR" b="1" dirty="0"/>
-              <a:t>nodes </a:t>
-            </a:r>
-            <a:r>
-              <a:rPr lang="pt-BR" dirty="0" err="1"/>
-              <a:t>that</a:t>
-            </a:r>
-            <a:r>
-              <a:rPr lang="pt-BR" dirty="0"/>
-              <a:t> </a:t>
-            </a:r>
-            <a:r>
-              <a:rPr lang="pt-BR" dirty="0" err="1"/>
-              <a:t>correponds</a:t>
-            </a:r>
-            <a:r>
-              <a:rPr lang="pt-BR" dirty="0"/>
-              <a:t> </a:t>
-            </a:r>
-            <a:r>
-              <a:rPr lang="pt-BR" dirty="0" err="1"/>
-              <a:t>to</a:t>
-            </a:r>
-            <a:r>
-              <a:rPr lang="pt-BR" dirty="0"/>
-              <a:t> </a:t>
-            </a:r>
-            <a:r>
-              <a:rPr lang="pt-BR" dirty="0" err="1"/>
-              <a:t>title</a:t>
-            </a:r>
-            <a:r>
-              <a:rPr lang="pt-BR" dirty="0"/>
-              <a:t> </a:t>
-            </a:r>
-            <a:r>
-              <a:rPr lang="pt-BR" dirty="0" err="1"/>
-              <a:t>and</a:t>
-            </a:r>
-            <a:r>
-              <a:rPr lang="pt-BR" dirty="0"/>
-              <a:t> meta, </a:t>
-            </a:r>
-            <a:r>
-              <a:rPr lang="pt-BR" dirty="0" err="1"/>
-              <a:t>while</a:t>
-            </a:r>
-            <a:r>
-              <a:rPr lang="pt-BR" dirty="0"/>
-              <a:t> </a:t>
-            </a:r>
-            <a:r>
-              <a:rPr lang="pt-BR" dirty="0" err="1"/>
-              <a:t>the</a:t>
-            </a:r>
-            <a:r>
-              <a:rPr lang="pt-BR" dirty="0"/>
-              <a:t> </a:t>
-            </a:r>
-            <a:r>
-              <a:rPr lang="pt-BR" b="1" dirty="0"/>
-              <a:t>body</a:t>
-            </a:r>
-            <a:r>
-              <a:rPr lang="pt-BR" dirty="0"/>
-              <a:t> </a:t>
-            </a:r>
-            <a:r>
-              <a:rPr lang="pt-BR" dirty="0" err="1"/>
-              <a:t>has</a:t>
-            </a:r>
-            <a:r>
-              <a:rPr lang="pt-BR" dirty="0"/>
-              <a:t> </a:t>
-            </a:r>
-            <a:r>
-              <a:rPr lang="pt-BR" dirty="0" err="1"/>
-              <a:t>also</a:t>
-            </a:r>
-            <a:r>
-              <a:rPr lang="pt-BR" dirty="0"/>
-              <a:t> </a:t>
-            </a:r>
-            <a:r>
-              <a:rPr lang="pt-BR" dirty="0" err="1"/>
-              <a:t>has</a:t>
-            </a:r>
-            <a:r>
-              <a:rPr lang="pt-BR" dirty="0"/>
-              <a:t> </a:t>
-            </a:r>
-            <a:r>
-              <a:rPr lang="pt-BR" dirty="0" err="1"/>
-              <a:t>child</a:t>
-            </a:r>
-            <a:r>
-              <a:rPr lang="pt-BR" dirty="0"/>
-              <a:t> </a:t>
-            </a:r>
-            <a:r>
-              <a:rPr lang="pt-BR" b="1" dirty="0"/>
-              <a:t>nodes</a:t>
-            </a:r>
-            <a:r>
-              <a:rPr lang="pt-BR" dirty="0"/>
-              <a:t> </a:t>
-            </a:r>
-          </a:p>
-          <a:p>
-            <a:r>
-              <a:rPr lang="pt-BR" dirty="0" err="1"/>
-              <a:t>that</a:t>
-            </a:r>
-            <a:r>
-              <a:rPr lang="pt-BR" dirty="0"/>
-              <a:t> </a:t>
-            </a:r>
-            <a:r>
-              <a:rPr lang="pt-BR" dirty="0" err="1"/>
-              <a:t>correspond</a:t>
-            </a:r>
-            <a:r>
-              <a:rPr lang="pt-BR" dirty="0"/>
-              <a:t> </a:t>
-            </a:r>
-            <a:r>
-              <a:rPr lang="pt-BR" dirty="0" err="1"/>
-              <a:t>to</a:t>
-            </a:r>
-            <a:r>
-              <a:rPr lang="pt-BR" dirty="0"/>
-              <a:t> </a:t>
-            </a:r>
-            <a:r>
-              <a:rPr lang="pt-BR" dirty="0" err="1"/>
-              <a:t>another</a:t>
-            </a:r>
-            <a:r>
-              <a:rPr lang="pt-BR" dirty="0"/>
-              <a:t> </a:t>
-            </a:r>
-            <a:r>
-              <a:rPr lang="pt-BR" dirty="0" err="1"/>
-              <a:t>various</a:t>
-            </a:r>
-            <a:r>
-              <a:rPr lang="pt-BR" dirty="0"/>
-              <a:t> </a:t>
-            </a:r>
-            <a:r>
-              <a:rPr lang="pt-BR" dirty="0" err="1"/>
-              <a:t>elements</a:t>
-            </a:r>
-            <a:r>
-              <a:rPr lang="pt-BR" dirty="0"/>
-              <a:t> </a:t>
-            </a:r>
-            <a:r>
-              <a:rPr lang="pt-BR" dirty="0" err="1"/>
-              <a:t>such</a:t>
-            </a:r>
-            <a:r>
-              <a:rPr lang="pt-BR" dirty="0"/>
-              <a:t> as </a:t>
-            </a:r>
-            <a:r>
-              <a:rPr lang="pt-BR" b="1" dirty="0"/>
+              <a:rPr lang="en-US" dirty="0"/>
+              <a:t>The DOM is known as a </a:t>
+            </a:r>
+            <a:r>
+              <a:rPr lang="en-US" b="1" dirty="0"/>
+              <a:t>tree-like </a:t>
+            </a:r>
+            <a:r>
+              <a:rPr lang="en-US" dirty="0"/>
+              <a:t>structure because it's structured hierarchically. At the top of the tree, there is the document object, which represents the entire HTML or XML document. The head element has child nodes that correspond to the title and meta, while the body also has child nodes that correspond to other various elements such as </a:t>
+            </a:r>
+            <a:r>
+              <a:rPr lang="en-US" b="1" dirty="0"/>
+              <a:t>'div'</a:t>
+            </a:r>
+            <a:r>
+              <a:rPr lang="en-US" dirty="0"/>
+              <a:t>, </a:t>
+            </a:r>
+            <a:r>
+              <a:rPr lang="en-US" b="1" dirty="0"/>
+              <a:t>'p'</a:t>
+            </a:r>
+            <a:r>
+              <a:rPr lang="en-US" dirty="0"/>
+              <a:t>, </a:t>
+            </a:r>
+            <a:r>
+              <a:rPr lang="en-US" b="1" dirty="0"/>
               <a:t>'</a:t>
             </a:r>
             <a:r>
-              <a:rPr lang="pt-BR" b="1" dirty="0" err="1"/>
-              <a:t>div</a:t>
-            </a:r>
-            <a:r>
-              <a:rPr lang="pt-BR" b="1" dirty="0"/>
+              <a:rPr lang="en-US" b="1" dirty="0" err="1"/>
+              <a:t>img</a:t>
+            </a:r>
+            <a:r>
+              <a:rPr lang="en-US" b="1" dirty="0"/>
               <a:t>'</a:t>
             </a:r>
             <a:r>
-              <a:rPr lang="pt-BR" dirty="0"/>
-              <a:t>, </a:t>
-            </a:r>
-            <a:r>
-              <a:rPr lang="pt-BR" b="1" dirty="0"/>
-              <a:t>'p'</a:t>
-            </a:r>
-            <a:r>
-              <a:rPr lang="pt-BR" dirty="0"/>
-              <a:t>, </a:t>
-            </a:r>
-            <a:r>
-              <a:rPr lang="pt-BR" b="1" dirty="0"/>
+              <a:rPr lang="en-US" dirty="0"/>
+              <a:t>, </a:t>
+            </a:r>
+            <a:r>
+              <a:rPr lang="en-US" b="1" dirty="0"/>
               <a:t>'</a:t>
             </a:r>
             <a:r>
-              <a:rPr lang="pt-BR" b="1" dirty="0" err="1"/>
-              <a:t>img</a:t>
-            </a:r>
-            <a:r>
-              <a:rPr lang="pt-BR" b="1" dirty="0"/>
-              <a:t>'</a:t>
-            </a:r>
-            <a:r>
-              <a:rPr lang="pt-BR" dirty="0"/>
-              <a:t>, </a:t>
-            </a:r>
-            <a:r>
-              <a:rPr lang="pt-BR" b="1" dirty="0"/>
-              <a:t>'</a:t>
-            </a:r>
-            <a:r>
-              <a:rPr lang="pt-BR" b="1" dirty="0" err="1"/>
+              <a:rPr lang="en-US" b="1" dirty="0" err="1"/>
               <a:t>ul</a:t>
             </a:r>
             <a:r>
-              <a:rPr lang="pt-BR" b="1" dirty="0"/>
-              <a:t>', 'li', </a:t>
-            </a:r>
-            <a:r>
-              <a:rPr lang="pt-BR" dirty="0" err="1"/>
-              <a:t>and</a:t>
-            </a:r>
-            <a:r>
-              <a:rPr lang="pt-BR" dirty="0"/>
-              <a:t> </a:t>
-            </a:r>
-            <a:r>
-              <a:rPr lang="pt-BR" dirty="0" err="1"/>
-              <a:t>all</a:t>
-            </a:r>
-            <a:r>
-              <a:rPr lang="pt-BR" dirty="0"/>
-              <a:t> </a:t>
-            </a:r>
-            <a:r>
-              <a:rPr lang="pt-BR" dirty="0" err="1"/>
-              <a:t>the</a:t>
-            </a:r>
-            <a:r>
-              <a:rPr lang="pt-BR" dirty="0"/>
-              <a:t> </a:t>
-            </a:r>
-            <a:r>
-              <a:rPr lang="pt-BR" dirty="0" err="1"/>
-              <a:t>other</a:t>
-            </a:r>
-            <a:r>
-              <a:rPr lang="pt-BR" dirty="0"/>
-              <a:t> </a:t>
-            </a:r>
-            <a:r>
-              <a:rPr lang="pt-BR" dirty="0" err="1"/>
-              <a:t>elements</a:t>
-            </a:r>
-            <a:r>
-              <a:rPr lang="pt-BR" dirty="0"/>
-              <a:t> </a:t>
-            </a:r>
-            <a:r>
-              <a:rPr lang="pt-BR" dirty="0" err="1"/>
-              <a:t>within</a:t>
-            </a:r>
-            <a:r>
-              <a:rPr lang="pt-BR" dirty="0"/>
-              <a:t>.</a:t>
-            </a:r>
+              <a:rPr lang="en-US" b="1" dirty="0"/>
+              <a:t>', 'li', </a:t>
+            </a:r>
+            <a:r>
+              <a:rPr lang="en-US" dirty="0"/>
+              <a:t>and all the other elements within.</a:t>
+            </a:r>
+            <a:endParaRPr lang="pt-BR" dirty="0"/>
           </a:p>
         </p:txBody>
       </p:sp>
@@ -8091,7 +7741,7 @@
             </a:r>
             <a:r>
               <a:rPr lang="pt-BR" dirty="0" err="1"/>
-              <a:t>manipulate</a:t>
+              <a:t>manipulates</a:t>
             </a:r>
             <a:r>
               <a:rPr lang="pt-BR" dirty="0"/>
